--- a/Presentation/QIP Presentation_BIT group_Updated.pptx
+++ b/Presentation/QIP Presentation_BIT group_Updated.pptx
@@ -7,28 +7,32 @@
   <p:sldIdLst>
     <p:sldId id="256" r:id="rId2"/>
     <p:sldId id="258" r:id="rId3"/>
-    <p:sldId id="259" r:id="rId4"/>
-    <p:sldId id="260" r:id="rId5"/>
-    <p:sldId id="261" r:id="rId6"/>
-    <p:sldId id="262" r:id="rId7"/>
-    <p:sldId id="263" r:id="rId8"/>
-    <p:sldId id="264" r:id="rId9"/>
-    <p:sldId id="265" r:id="rId10"/>
-    <p:sldId id="279" r:id="rId11"/>
-    <p:sldId id="280" r:id="rId12"/>
-    <p:sldId id="266" r:id="rId13"/>
-    <p:sldId id="267" r:id="rId14"/>
-    <p:sldId id="268" r:id="rId15"/>
-    <p:sldId id="269" r:id="rId16"/>
-    <p:sldId id="271" r:id="rId17"/>
-    <p:sldId id="272" r:id="rId18"/>
-    <p:sldId id="273" r:id="rId19"/>
-    <p:sldId id="274" r:id="rId20"/>
-    <p:sldId id="275" r:id="rId21"/>
-    <p:sldId id="277" r:id="rId22"/>
-    <p:sldId id="281" r:id="rId23"/>
-    <p:sldId id="282" r:id="rId24"/>
-    <p:sldId id="283" r:id="rId25"/>
+    <p:sldId id="287" r:id="rId4"/>
+    <p:sldId id="259" r:id="rId5"/>
+    <p:sldId id="284" r:id="rId6"/>
+    <p:sldId id="260" r:id="rId7"/>
+    <p:sldId id="261" r:id="rId8"/>
+    <p:sldId id="262" r:id="rId9"/>
+    <p:sldId id="263" r:id="rId10"/>
+    <p:sldId id="264" r:id="rId11"/>
+    <p:sldId id="265" r:id="rId12"/>
+    <p:sldId id="279" r:id="rId13"/>
+    <p:sldId id="280" r:id="rId14"/>
+    <p:sldId id="266" r:id="rId15"/>
+    <p:sldId id="267" r:id="rId16"/>
+    <p:sldId id="268" r:id="rId17"/>
+    <p:sldId id="269" r:id="rId18"/>
+    <p:sldId id="271" r:id="rId19"/>
+    <p:sldId id="272" r:id="rId20"/>
+    <p:sldId id="273" r:id="rId21"/>
+    <p:sldId id="274" r:id="rId22"/>
+    <p:sldId id="275" r:id="rId23"/>
+    <p:sldId id="277" r:id="rId24"/>
+    <p:sldId id="281" r:id="rId25"/>
+    <p:sldId id="285" r:id="rId26"/>
+    <p:sldId id="286" r:id="rId27"/>
+    <p:sldId id="282" r:id="rId28"/>
+    <p:sldId id="283" r:id="rId29"/>
   </p:sldIdLst>
   <p:sldSz cx="12192000" cy="6858000"/>
   <p:notesSz cx="6858000" cy="9144000"/>
@@ -689,7 +693,7 @@
           <a:p>
             <a:fld id="{E352FA49-33F8-4617-9332-BC3961520BF7}" type="datetimeFigureOut">
               <a:rPr lang="en-US" smtClean="0"/>
-              <a:t>11/22/2024</a:t>
+              <a:t>11/23/2024</a:t>
             </a:fld>
             <a:endParaRPr lang="en-US"/>
           </a:p>
@@ -912,7 +916,7 @@
           <a:p>
             <a:fld id="{E352FA49-33F8-4617-9332-BC3961520BF7}" type="datetimeFigureOut">
               <a:rPr lang="en-US" smtClean="0"/>
-              <a:t>11/22/2024</a:t>
+              <a:t>11/23/2024</a:t>
             </a:fld>
             <a:endParaRPr lang="en-US"/>
           </a:p>
@@ -1139,7 +1143,7 @@
           <a:p>
             <a:fld id="{E352FA49-33F8-4617-9332-BC3961520BF7}" type="datetimeFigureOut">
               <a:rPr lang="en-US" smtClean="0"/>
-              <a:t>11/22/2024</a:t>
+              <a:t>11/23/2024</a:t>
             </a:fld>
             <a:endParaRPr lang="en-US"/>
           </a:p>
@@ -1352,7 +1356,7 @@
           <a:p>
             <a:fld id="{E352FA49-33F8-4617-9332-BC3961520BF7}" type="datetimeFigureOut">
               <a:rPr lang="en-US" smtClean="0"/>
-              <a:t>11/22/2024</a:t>
+              <a:t>11/23/2024</a:t>
             </a:fld>
             <a:endParaRPr lang="en-US"/>
           </a:p>
@@ -1643,7 +1647,7 @@
           <a:p>
             <a:fld id="{E352FA49-33F8-4617-9332-BC3961520BF7}" type="datetimeFigureOut">
               <a:rPr lang="en-US" smtClean="0"/>
-              <a:t>11/22/2024</a:t>
+              <a:t>11/23/2024</a:t>
             </a:fld>
             <a:endParaRPr lang="en-US"/>
           </a:p>
@@ -1923,7 +1927,7 @@
           <a:p>
             <a:fld id="{E352FA49-33F8-4617-9332-BC3961520BF7}" type="datetimeFigureOut">
               <a:rPr lang="en-US" smtClean="0"/>
-              <a:t>11/22/2024</a:t>
+              <a:t>11/23/2024</a:t>
             </a:fld>
             <a:endParaRPr lang="en-US"/>
           </a:p>
@@ -2351,7 +2355,7 @@
           <a:p>
             <a:fld id="{E352FA49-33F8-4617-9332-BC3961520BF7}" type="datetimeFigureOut">
               <a:rPr lang="en-US" smtClean="0"/>
-              <a:t>11/22/2024</a:t>
+              <a:t>11/23/2024</a:t>
             </a:fld>
             <a:endParaRPr lang="en-US"/>
           </a:p>
@@ -2512,7 +2516,7 @@
           <a:p>
             <a:fld id="{E352FA49-33F8-4617-9332-BC3961520BF7}" type="datetimeFigureOut">
               <a:rPr lang="en-US" smtClean="0"/>
-              <a:t>11/22/2024</a:t>
+              <a:t>11/23/2024</a:t>
             </a:fld>
             <a:endParaRPr lang="en-US"/>
           </a:p>
@@ -2650,7 +2654,7 @@
           <a:p>
             <a:fld id="{E352FA49-33F8-4617-9332-BC3961520BF7}" type="datetimeFigureOut">
               <a:rPr lang="en-US" smtClean="0"/>
-              <a:t>11/22/2024</a:t>
+              <a:t>11/23/2024</a:t>
             </a:fld>
             <a:endParaRPr lang="en-US"/>
           </a:p>
@@ -2913,7 +2917,7 @@
           <a:p>
             <a:fld id="{E352FA49-33F8-4617-9332-BC3961520BF7}" type="datetimeFigureOut">
               <a:rPr lang="en-US" smtClean="0"/>
-              <a:t>11/22/2024</a:t>
+              <a:t>11/23/2024</a:t>
             </a:fld>
             <a:endParaRPr lang="en-US"/>
           </a:p>
@@ -3370,7 +3374,7 @@
           <a:p>
             <a:fld id="{E352FA49-33F8-4617-9332-BC3961520BF7}" type="datetimeFigureOut">
               <a:rPr lang="en-US" smtClean="0"/>
-              <a:t>11/22/2024</a:t>
+              <a:t>11/23/2024</a:t>
             </a:fld>
             <a:endParaRPr lang="en-US"/>
           </a:p>
@@ -3708,7 +3712,7 @@
           <a:p>
             <a:fld id="{E352FA49-33F8-4617-9332-BC3961520BF7}" type="datetimeFigureOut">
               <a:rPr lang="en-US" smtClean="0"/>
-              <a:t>11/22/2024</a:t>
+              <a:t>11/23/2024</a:t>
             </a:fld>
             <a:endParaRPr lang="en-US"/>
           </a:p>
@@ -4324,7 +4328,7 @@
           <p:cNvPr id="2" name="Title 1">
             <a:extLst>
               <a:ext uri="{FF2B5EF4-FFF2-40B4-BE49-F238E27FC236}">
-                <a16:creationId xmlns:a16="http://schemas.microsoft.com/office/drawing/2014/main" id="{31E198EF-B0FC-080A-B076-1DEE0F42EB9F}"/>
+                <a16:creationId xmlns:a16="http://schemas.microsoft.com/office/drawing/2014/main" id="{2B2E57DD-A784-4687-BAAF-9E022D117FFD}"/>
               </a:ext>
             </a:extLst>
           </p:cNvPr>
@@ -4341,10 +4345,16 @@
           <a:lstStyle/>
           <a:p>
             <a:r>
-              <a:rPr lang="en-GB" dirty="0"/>
-              <a:t>Selection of the best solution</a:t>
-            </a:r>
-            <a:endParaRPr lang="en-ZA" dirty="0"/>
+              <a:rPr lang="en-ZA" dirty="0">
+                <a:latin typeface="Calibri" panose="020F0502020204030204" pitchFamily="34" charset="0"/>
+                <a:cs typeface="Calibri" panose="020F0502020204030204" pitchFamily="34" charset="0"/>
+              </a:rPr>
+              <a:t>SMART GOALS</a:t>
+            </a:r>
+            <a:endParaRPr lang="en-US" dirty="0">
+              <a:latin typeface="Calibri" panose="020F0502020204030204" pitchFamily="34" charset="0"/>
+              <a:cs typeface="Calibri" panose="020F0502020204030204" pitchFamily="34" charset="0"/>
+            </a:endParaRPr>
           </a:p>
         </p:txBody>
       </p:sp>
@@ -4353,224 +4363,7 @@
           <p:cNvPr id="3" name="Content Placeholder 2">
             <a:extLst>
               <a:ext uri="{FF2B5EF4-FFF2-40B4-BE49-F238E27FC236}">
-                <a16:creationId xmlns:a16="http://schemas.microsoft.com/office/drawing/2014/main" id="{5FD5929A-AEF1-8DAB-C796-6CB1D7032786}"/>
-              </a:ext>
-            </a:extLst>
-          </p:cNvPr>
-          <p:cNvSpPr>
-            <a:spLocks noGrp="1"/>
-          </p:cNvSpPr>
-          <p:nvPr>
-            <p:ph idx="1"/>
-          </p:nvPr>
-        </p:nvSpPr>
-        <p:spPr>
-          <a:xfrm>
-            <a:off x="1451579" y="2015732"/>
-            <a:ext cx="9603275" cy="4037749"/>
-          </a:xfrm>
-        </p:spPr>
-        <p:txBody>
-          <a:bodyPr>
-            <a:normAutofit fontScale="92500" lnSpcReduction="10000"/>
-          </a:bodyPr>
-          <a:lstStyle/>
-          <a:p>
-            <a:pPr marL="0" indent="0">
-              <a:buNone/>
-            </a:pPr>
-            <a:r>
-              <a:rPr lang="en-GB" sz="2400" b="1" u="sng" dirty="0">
-                <a:latin typeface="Calibri" panose="020F0502020204030204" pitchFamily="34" charset="0"/>
-                <a:cs typeface="Calibri" panose="020F0502020204030204" pitchFamily="34" charset="0"/>
-              </a:rPr>
-              <a:t>Choose the best solution from the following options:</a:t>
-            </a:r>
-          </a:p>
-          <a:p>
-            <a:r>
-              <a:rPr lang="en-GB" sz="2000" dirty="0">
-                <a:latin typeface="Calibri" panose="020F0502020204030204" pitchFamily="34" charset="0"/>
-                <a:cs typeface="Calibri" panose="020F0502020204030204" pitchFamily="34" charset="0"/>
-              </a:rPr>
-              <a:t>Notify symptom matches</a:t>
-            </a:r>
-          </a:p>
-          <a:p>
-            <a:r>
-              <a:rPr lang="en-GB" sz="2000" dirty="0">
-                <a:latin typeface="Calibri" panose="020F0502020204030204" pitchFamily="34" charset="0"/>
-                <a:cs typeface="Calibri" panose="020F0502020204030204" pitchFamily="34" charset="0"/>
-              </a:rPr>
-              <a:t>Educate on cancer</a:t>
-            </a:r>
-          </a:p>
-          <a:p>
-            <a:r>
-              <a:rPr lang="en-GB" sz="2000" dirty="0">
-                <a:latin typeface="Calibri" panose="020F0502020204030204" pitchFamily="34" charset="0"/>
-                <a:cs typeface="Calibri" panose="020F0502020204030204" pitchFamily="34" charset="0"/>
-              </a:rPr>
-              <a:t>Prompt for additional testing</a:t>
-            </a:r>
-          </a:p>
-          <a:p>
-            <a:r>
-              <a:rPr lang="en-GB" sz="2000" dirty="0">
-                <a:latin typeface="Calibri" panose="020F0502020204030204" pitchFamily="34" charset="0"/>
-                <a:cs typeface="Calibri" panose="020F0502020204030204" pitchFamily="34" charset="0"/>
-              </a:rPr>
-              <a:t>EHR for patient condition</a:t>
-            </a:r>
-          </a:p>
-          <a:p>
-            <a:r>
-              <a:rPr lang="en-GB" sz="2000" dirty="0">
-                <a:latin typeface="Calibri" panose="020F0502020204030204" pitchFamily="34" charset="0"/>
-                <a:cs typeface="Calibri" panose="020F0502020204030204" pitchFamily="34" charset="0"/>
-              </a:rPr>
-              <a:t> Symptom severity tracking</a:t>
-            </a:r>
-          </a:p>
-          <a:p>
-            <a:pPr marL="0" indent="0">
-              <a:buNone/>
-            </a:pPr>
-            <a:r>
-              <a:rPr lang="en-GB" sz="2000" b="1" u="sng" dirty="0">
-                <a:latin typeface="Calibri" panose="020F0502020204030204" pitchFamily="34" charset="0"/>
-                <a:cs typeface="Calibri" panose="020F0502020204030204" pitchFamily="34" charset="0"/>
-              </a:rPr>
-              <a:t>Decision Process:</a:t>
-            </a:r>
-          </a:p>
-          <a:p>
-            <a:r>
-              <a:rPr lang="en-GB" sz="2000" b="1" dirty="0">
-                <a:latin typeface="Calibri" panose="020F0502020204030204" pitchFamily="34" charset="0"/>
-                <a:cs typeface="Calibri" panose="020F0502020204030204" pitchFamily="34" charset="0"/>
-              </a:rPr>
-              <a:t>Voting Mechanism</a:t>
-            </a:r>
-            <a:r>
-              <a:rPr lang="en-GB" sz="2000" dirty="0">
-                <a:latin typeface="Calibri" panose="020F0502020204030204" pitchFamily="34" charset="0"/>
-                <a:cs typeface="Calibri" panose="020F0502020204030204" pitchFamily="34" charset="0"/>
-              </a:rPr>
-              <a:t>: Each team member voted on the best solution.</a:t>
-            </a:r>
-          </a:p>
-          <a:p>
-            <a:r>
-              <a:rPr lang="en-GB" sz="2000" b="1" dirty="0">
-                <a:latin typeface="Calibri" panose="020F0502020204030204" pitchFamily="34" charset="0"/>
-                <a:cs typeface="Calibri" panose="020F0502020204030204" pitchFamily="34" charset="0"/>
-              </a:rPr>
-              <a:t>Outcomes</a:t>
-            </a:r>
-            <a:r>
-              <a:rPr lang="en-GB" sz="2000" dirty="0">
-                <a:latin typeface="Calibri" panose="020F0502020204030204" pitchFamily="34" charset="0"/>
-                <a:cs typeface="Calibri" panose="020F0502020204030204" pitchFamily="34" charset="0"/>
-              </a:rPr>
-              <a:t>: The option with the highest points was "Notify Symptom Matches”.</a:t>
-            </a:r>
-            <a:endParaRPr lang="en-ZA" sz="2000" dirty="0">
-              <a:latin typeface="Calibri" panose="020F0502020204030204" pitchFamily="34" charset="0"/>
-              <a:cs typeface="Calibri" panose="020F0502020204030204" pitchFamily="34" charset="0"/>
-            </a:endParaRPr>
-          </a:p>
-          <a:p>
-            <a:endParaRPr lang="en-ZA" dirty="0"/>
-          </a:p>
-        </p:txBody>
-      </p:sp>
-    </p:spTree>
-    <p:extLst>
-      <p:ext uri="{BB962C8B-B14F-4D97-AF65-F5344CB8AC3E}">
-        <p14:creationId xmlns:p14="http://schemas.microsoft.com/office/powerpoint/2010/main" val="1843550499"/>
-      </p:ext>
-    </p:extLst>
-  </p:cSld>
-  <p:clrMapOvr>
-    <a:masterClrMapping/>
-  </p:clrMapOvr>
-  <mc:AlternateContent xmlns:mc="http://schemas.openxmlformats.org/markup-compatibility/2006" xmlns:p159="http://schemas.microsoft.com/office/powerpoint/2015/09/main">
-    <mc:Choice Requires="p159">
-      <p:transition xmlns:p14="http://schemas.microsoft.com/office/powerpoint/2010/main" spd="slow" p14:dur="2000">
-        <p159:morph option="byObject"/>
-      </p:transition>
-    </mc:Choice>
-    <mc:Fallback xmlns="">
-      <p:transition spd="slow">
-        <p:fade/>
-      </p:transition>
-    </mc:Fallback>
-  </mc:AlternateContent>
-</p:sld>
-</file>
-
-<file path=ppt/slides/slide11.xml><?xml version="1.0" encoding="utf-8"?>
-<p:sld xmlns:a="http://schemas.openxmlformats.org/drawingml/2006/main" xmlns:r="http://schemas.openxmlformats.org/officeDocument/2006/relationships" xmlns:p="http://schemas.openxmlformats.org/presentationml/2006/main">
-  <p:cSld>
-    <p:spTree>
-      <p:nvGrpSpPr>
-        <p:cNvPr id="1" name=""/>
-        <p:cNvGrpSpPr/>
-        <p:nvPr/>
-      </p:nvGrpSpPr>
-      <p:grpSpPr>
-        <a:xfrm>
-          <a:off x="0" y="0"/>
-          <a:ext cx="0" cy="0"/>
-          <a:chOff x="0" y="0"/>
-          <a:chExt cx="0" cy="0"/>
-        </a:xfrm>
-      </p:grpSpPr>
-      <p:sp>
-        <p:nvSpPr>
-          <p:cNvPr id="2" name="Title 1">
-            <a:extLst>
-              <a:ext uri="{FF2B5EF4-FFF2-40B4-BE49-F238E27FC236}">
-                <a16:creationId xmlns:a16="http://schemas.microsoft.com/office/drawing/2014/main" id="{A5742146-F306-F354-61B8-75383DFB31DD}"/>
-              </a:ext>
-            </a:extLst>
-          </p:cNvPr>
-          <p:cNvSpPr>
-            <a:spLocks noGrp="1"/>
-          </p:cNvSpPr>
-          <p:nvPr>
-            <p:ph type="title"/>
-          </p:nvPr>
-        </p:nvSpPr>
-        <p:spPr/>
-        <p:txBody>
-          <a:bodyPr/>
-          <a:lstStyle/>
-          <a:p>
-            <a:r>
-              <a:rPr lang="en-GB" sz="3200" dirty="0">
-                <a:latin typeface="Calibri" panose="020F0502020204030204" pitchFamily="34" charset="0"/>
-                <a:cs typeface="Calibri" panose="020F0502020204030204" pitchFamily="34" charset="0"/>
-              </a:rPr>
-              <a:t>Why "Notify Symptom Matches" Was Chosen:</a:t>
-            </a:r>
-            <a:br>
-              <a:rPr lang="en-GB" sz="3200" b="1" u="sng" dirty="0">
-                <a:latin typeface="Calibri" panose="020F0502020204030204" pitchFamily="34" charset="0"/>
-                <a:cs typeface="Calibri" panose="020F0502020204030204" pitchFamily="34" charset="0"/>
-              </a:rPr>
-            </a:br>
-            <a:endParaRPr lang="en-ZA" dirty="0"/>
-          </a:p>
-        </p:txBody>
-      </p:sp>
-      <p:sp>
-        <p:nvSpPr>
-          <p:cNvPr id="3" name="Content Placeholder 2">
-            <a:extLst>
-              <a:ext uri="{FF2B5EF4-FFF2-40B4-BE49-F238E27FC236}">
-                <a16:creationId xmlns:a16="http://schemas.microsoft.com/office/drawing/2014/main" id="{3A4B1F1F-BE2A-D5EB-4652-9C5600517346}"/>
+                <a16:creationId xmlns:a16="http://schemas.microsoft.com/office/drawing/2014/main" id="{E17BD53B-114C-4E73-9087-9A8A2AE83420}"/>
               </a:ext>
             </a:extLst>
           </p:cNvPr>
@@ -4589,112 +4382,93 @@
           <a:lstStyle/>
           <a:p>
             <a:r>
-              <a:rPr lang="en-GB" sz="2000" b="1" dirty="0">
-                <a:latin typeface="Calibri" panose="020F0502020204030204" pitchFamily="34" charset="0"/>
-                <a:cs typeface="Calibri" panose="020F0502020204030204" pitchFamily="34" charset="0"/>
-              </a:rPr>
-              <a:t>Proactive Identification</a:t>
-            </a:r>
-            <a:r>
-              <a:rPr lang="en-GB" sz="2000" dirty="0">
-                <a:latin typeface="Calibri" panose="020F0502020204030204" pitchFamily="34" charset="0"/>
-                <a:cs typeface="Calibri" panose="020F0502020204030204" pitchFamily="34" charset="0"/>
-              </a:rPr>
-              <a:t>: Automatically flags symptoms that match patient conditions.</a:t>
-            </a:r>
-            <a:endParaRPr lang="en-GB" sz="2000" b="1" u="sng" dirty="0">
-              <a:latin typeface="Calibri" panose="020F0502020204030204" pitchFamily="34" charset="0"/>
-              <a:cs typeface="Calibri" panose="020F0502020204030204" pitchFamily="34" charset="0"/>
-            </a:endParaRPr>
-          </a:p>
-          <a:p>
-            <a:r>
-              <a:rPr lang="en-GB" sz="2000" b="1" dirty="0">
-                <a:latin typeface="Calibri" panose="020F0502020204030204" pitchFamily="34" charset="0"/>
-                <a:cs typeface="Calibri" panose="020F0502020204030204" pitchFamily="34" charset="0"/>
-              </a:rPr>
-              <a:t>Prompt Diagnosis:</a:t>
-            </a:r>
-            <a:r>
-              <a:rPr lang="en-GB" sz="2000" dirty="0">
-                <a:latin typeface="Calibri" panose="020F0502020204030204" pitchFamily="34" charset="0"/>
-                <a:cs typeface="Calibri" panose="020F0502020204030204" pitchFamily="34" charset="0"/>
-              </a:rPr>
-              <a:t> If cancer is detected, the system suggests appropriate treatment methods or prompts referral to specialists.</a:t>
-            </a:r>
-            <a:endParaRPr lang="en-GB" sz="2000" b="1" u="sng" dirty="0">
-              <a:latin typeface="Calibri" panose="020F0502020204030204" pitchFamily="34" charset="0"/>
-              <a:cs typeface="Calibri" panose="020F0502020204030204" pitchFamily="34" charset="0"/>
-            </a:endParaRPr>
-          </a:p>
-          <a:p>
-            <a:r>
-              <a:rPr lang="en-ZA" sz="2000" b="1" dirty="0">
-                <a:highlight>
-                  <a:srgbClr val="FFFF00"/>
-                </a:highlight>
-                <a:latin typeface="Calibri" panose="020F0502020204030204" pitchFamily="34" charset="0"/>
-                <a:cs typeface="Calibri" panose="020F0502020204030204" pitchFamily="34" charset="0"/>
-              </a:rPr>
-              <a:t>Minimizing Medical Errors</a:t>
-            </a:r>
-            <a:endParaRPr lang="en-GB" sz="2000" b="1" u="sng" dirty="0">
-              <a:highlight>
-                <a:srgbClr val="FFFF00"/>
-              </a:highlight>
-              <a:latin typeface="Calibri" panose="020F0502020204030204" pitchFamily="34" charset="0"/>
-              <a:cs typeface="Calibri" panose="020F0502020204030204" pitchFamily="34" charset="0"/>
-            </a:endParaRPr>
-          </a:p>
-          <a:p>
-            <a:r>
-              <a:rPr lang="en-GB" sz="2000" b="1" dirty="0">
-                <a:latin typeface="Calibri" panose="020F0502020204030204" pitchFamily="34" charset="0"/>
-                <a:cs typeface="Calibri" panose="020F0502020204030204" pitchFamily="34" charset="0"/>
-              </a:rPr>
-              <a:t>Prevention of Delays:</a:t>
-            </a:r>
-            <a:r>
-              <a:rPr lang="en-GB" sz="2000" dirty="0">
-                <a:latin typeface="Calibri" panose="020F0502020204030204" pitchFamily="34" charset="0"/>
-                <a:cs typeface="Calibri" panose="020F0502020204030204" pitchFamily="34" charset="0"/>
-              </a:rPr>
-              <a:t> Early intervention is possible, reducing the risk of late-stage cancer diagnosis.</a:t>
-            </a:r>
-            <a:endParaRPr lang="en-GB" sz="2000" b="1" u="sng" dirty="0">
-              <a:latin typeface="Calibri" panose="020F0502020204030204" pitchFamily="34" charset="0"/>
-              <a:cs typeface="Calibri" panose="020F0502020204030204" pitchFamily="34" charset="0"/>
-            </a:endParaRPr>
-          </a:p>
-          <a:p>
-            <a:r>
-              <a:rPr lang="en-GB" sz="2000" b="1" dirty="0">
-                <a:latin typeface="Calibri" panose="020F0502020204030204" pitchFamily="34" charset="0"/>
-                <a:cs typeface="Calibri" panose="020F0502020204030204" pitchFamily="34" charset="0"/>
-              </a:rPr>
-              <a:t>Higher Patient Satisfaction:</a:t>
-            </a:r>
-            <a:r>
-              <a:rPr lang="en-GB" sz="2000" dirty="0">
-                <a:latin typeface="Calibri" panose="020F0502020204030204" pitchFamily="34" charset="0"/>
-                <a:cs typeface="Calibri" panose="020F0502020204030204" pitchFamily="34" charset="0"/>
-              </a:rPr>
-              <a:t> By improving diagnosis accuracy and speed, patient trust and satisfaction are enhanced.</a:t>
-            </a:r>
-            <a:endParaRPr lang="en-ZA" sz="2000" b="1" u="sng" dirty="0">
-              <a:latin typeface="Calibri" panose="020F0502020204030204" pitchFamily="34" charset="0"/>
-              <a:cs typeface="Calibri" panose="020F0502020204030204" pitchFamily="34" charset="0"/>
-            </a:endParaRPr>
-          </a:p>
-          <a:p>
-            <a:endParaRPr lang="en-ZA" dirty="0"/>
+              <a:rPr lang="en-US" b="1" dirty="0">
+                <a:latin typeface="Calibri" panose="020F0502020204030204" pitchFamily="34" charset="0"/>
+                <a:cs typeface="Calibri" panose="020F0502020204030204" pitchFamily="34" charset="0"/>
+              </a:rPr>
+              <a:t>Specific</a:t>
+            </a:r>
+            <a:r>
+              <a:rPr lang="en-US" dirty="0">
+                <a:latin typeface="Calibri" panose="020F0502020204030204" pitchFamily="34" charset="0"/>
+                <a:cs typeface="Calibri" panose="020F0502020204030204" pitchFamily="34" charset="0"/>
+              </a:rPr>
+              <a:t>: Shorten diagnosis time from initial symptoms by 20% within 12 months</a:t>
+            </a:r>
+          </a:p>
+          <a:p>
+            <a:r>
+              <a:rPr lang="en-US" b="1" dirty="0">
+                <a:latin typeface="Calibri" panose="020F0502020204030204" pitchFamily="34" charset="0"/>
+                <a:cs typeface="Calibri" panose="020F0502020204030204" pitchFamily="34" charset="0"/>
+              </a:rPr>
+              <a:t>Measurable</a:t>
+            </a:r>
+            <a:r>
+              <a:rPr lang="en-US" dirty="0">
+                <a:latin typeface="Calibri" panose="020F0502020204030204" pitchFamily="34" charset="0"/>
+                <a:cs typeface="Calibri" panose="020F0502020204030204" pitchFamily="34" charset="0"/>
+              </a:rPr>
+              <a:t>: Track diagnosis time before and after CDSS implementation; aim for a 20% reduction</a:t>
+            </a:r>
+          </a:p>
+          <a:p>
+            <a:r>
+              <a:rPr lang="en-US" b="1" dirty="0">
+                <a:latin typeface="Calibri" panose="020F0502020204030204" pitchFamily="34" charset="0"/>
+                <a:cs typeface="Calibri" panose="020F0502020204030204" pitchFamily="34" charset="0"/>
+              </a:rPr>
+              <a:t>Achievable</a:t>
+            </a:r>
+            <a:r>
+              <a:rPr lang="en-US" dirty="0">
+                <a:latin typeface="Calibri" panose="020F0502020204030204" pitchFamily="34" charset="0"/>
+                <a:cs typeface="Calibri" panose="020F0502020204030204" pitchFamily="34" charset="0"/>
+              </a:rPr>
+              <a:t>: CDSS designed to assist practitioners with streamlined, evidence-based decision support</a:t>
+            </a:r>
+          </a:p>
+          <a:p>
+            <a:r>
+              <a:rPr lang="en-US" b="1" dirty="0">
+                <a:latin typeface="Calibri" panose="020F0502020204030204" pitchFamily="34" charset="0"/>
+                <a:cs typeface="Calibri" panose="020F0502020204030204" pitchFamily="34" charset="0"/>
+              </a:rPr>
+              <a:t>Realistic</a:t>
+            </a:r>
+            <a:r>
+              <a:rPr lang="en-US" dirty="0">
+                <a:latin typeface="Calibri" panose="020F0502020204030204" pitchFamily="34" charset="0"/>
+                <a:cs typeface="Calibri" panose="020F0502020204030204" pitchFamily="34" charset="0"/>
+              </a:rPr>
+              <a:t>: 20% reduction goal is both feasible and impactful in improving patient outcomes</a:t>
+            </a:r>
+          </a:p>
+          <a:p>
+            <a:r>
+              <a:rPr lang="en-US" b="1" dirty="0">
+                <a:latin typeface="Calibri" panose="020F0502020204030204" pitchFamily="34" charset="0"/>
+                <a:cs typeface="Calibri" panose="020F0502020204030204" pitchFamily="34" charset="0"/>
+              </a:rPr>
+              <a:t>Timely</a:t>
+            </a:r>
+            <a:r>
+              <a:rPr lang="en-US" dirty="0">
+                <a:latin typeface="Calibri" panose="020F0502020204030204" pitchFamily="34" charset="0"/>
+                <a:cs typeface="Calibri" panose="020F0502020204030204" pitchFamily="34" charset="0"/>
+              </a:rPr>
+              <a:t>: Target completion within 10 months (February 2024 - November 2024)</a:t>
+            </a:r>
+          </a:p>
+          <a:p>
+            <a:endParaRPr lang="en-US" dirty="0"/>
           </a:p>
         </p:txBody>
       </p:sp>
     </p:spTree>
     <p:extLst>
       <p:ext uri="{BB962C8B-B14F-4D97-AF65-F5344CB8AC3E}">
-        <p14:creationId xmlns:p14="http://schemas.microsoft.com/office/powerpoint/2010/main" val="632132231"/>
+        <p14:creationId xmlns:p14="http://schemas.microsoft.com/office/powerpoint/2010/main" val="547753356"/>
       </p:ext>
     </p:extLst>
   </p:cSld>
@@ -4721,6 +4495,171 @@
 </p:sld>
 </file>
 
+<file path=ppt/slides/slide11.xml><?xml version="1.0" encoding="utf-8"?>
+<p:sld xmlns:a="http://schemas.openxmlformats.org/drawingml/2006/main" xmlns:r="http://schemas.openxmlformats.org/officeDocument/2006/relationships" xmlns:p="http://schemas.openxmlformats.org/presentationml/2006/main">
+  <p:cSld>
+    <p:spTree>
+      <p:nvGrpSpPr>
+        <p:cNvPr id="1" name=""/>
+        <p:cNvGrpSpPr/>
+        <p:nvPr/>
+      </p:nvGrpSpPr>
+      <p:grpSpPr>
+        <a:xfrm>
+          <a:off x="0" y="0"/>
+          <a:ext cx="0" cy="0"/>
+          <a:chOff x="0" y="0"/>
+          <a:chExt cx="0" cy="0"/>
+        </a:xfrm>
+      </p:grpSpPr>
+      <p:sp>
+        <p:nvSpPr>
+          <p:cNvPr id="2" name="Title 1">
+            <a:extLst>
+              <a:ext uri="{FF2B5EF4-FFF2-40B4-BE49-F238E27FC236}">
+                <a16:creationId xmlns:a16="http://schemas.microsoft.com/office/drawing/2014/main" id="{506C42D6-5862-4D55-B806-DFB9BF1A6B4A}"/>
+              </a:ext>
+            </a:extLst>
+          </p:cNvPr>
+          <p:cNvSpPr>
+            <a:spLocks noGrp="1"/>
+          </p:cNvSpPr>
+          <p:nvPr>
+            <p:ph type="title"/>
+          </p:nvPr>
+        </p:nvSpPr>
+        <p:spPr/>
+        <p:txBody>
+          <a:bodyPr/>
+          <a:lstStyle/>
+          <a:p>
+            <a:r>
+              <a:rPr lang="en-ZA" dirty="0">
+                <a:latin typeface="Calibri" panose="020F0502020204030204" pitchFamily="34" charset="0"/>
+                <a:cs typeface="Calibri" panose="020F0502020204030204" pitchFamily="34" charset="0"/>
+              </a:rPr>
+              <a:t>DECISION-MAKING CRITERIA</a:t>
+            </a:r>
+            <a:endParaRPr lang="en-US" dirty="0">
+              <a:latin typeface="Calibri" panose="020F0502020204030204" pitchFamily="34" charset="0"/>
+              <a:cs typeface="Calibri" panose="020F0502020204030204" pitchFamily="34" charset="0"/>
+            </a:endParaRPr>
+          </a:p>
+        </p:txBody>
+      </p:sp>
+      <p:sp>
+        <p:nvSpPr>
+          <p:cNvPr id="3" name="Content Placeholder 2">
+            <a:extLst>
+              <a:ext uri="{FF2B5EF4-FFF2-40B4-BE49-F238E27FC236}">
+                <a16:creationId xmlns:a16="http://schemas.microsoft.com/office/drawing/2014/main" id="{CB12AEF6-2772-420F-9676-8357C9775F9C}"/>
+              </a:ext>
+            </a:extLst>
+          </p:cNvPr>
+          <p:cNvSpPr>
+            <a:spLocks noGrp="1"/>
+          </p:cNvSpPr>
+          <p:nvPr>
+            <p:ph idx="1"/>
+          </p:nvPr>
+        </p:nvSpPr>
+        <p:spPr/>
+        <p:txBody>
+          <a:bodyPr/>
+          <a:lstStyle/>
+          <a:p>
+            <a:pPr>
+              <a:lnSpc>
+                <a:spcPct val="150000"/>
+              </a:lnSpc>
+            </a:pPr>
+            <a:r>
+              <a:rPr lang="en-US" b="1" dirty="0">
+                <a:latin typeface="Calibri" panose="020F0502020204030204" pitchFamily="34" charset="0"/>
+                <a:cs typeface="Calibri" panose="020F0502020204030204" pitchFamily="34" charset="0"/>
+              </a:rPr>
+              <a:t>Feasibility</a:t>
+            </a:r>
+            <a:r>
+              <a:rPr lang="en-US" dirty="0">
+                <a:latin typeface="Calibri" panose="020F0502020204030204" pitchFamily="34" charset="0"/>
+                <a:cs typeface="Calibri" panose="020F0502020204030204" pitchFamily="34" charset="0"/>
+              </a:rPr>
+              <a:t>: Practicality and ease of implementation</a:t>
+            </a:r>
+          </a:p>
+          <a:p>
+            <a:pPr>
+              <a:lnSpc>
+                <a:spcPct val="150000"/>
+              </a:lnSpc>
+            </a:pPr>
+            <a:r>
+              <a:rPr lang="en-US" b="1" dirty="0">
+                <a:latin typeface="Calibri" panose="020F0502020204030204" pitchFamily="34" charset="0"/>
+                <a:cs typeface="Calibri" panose="020F0502020204030204" pitchFamily="34" charset="0"/>
+              </a:rPr>
+              <a:t>Quality Management Impact</a:t>
+            </a:r>
+            <a:r>
+              <a:rPr lang="en-US" dirty="0">
+                <a:latin typeface="Calibri" panose="020F0502020204030204" pitchFamily="34" charset="0"/>
+                <a:cs typeface="Calibri" panose="020F0502020204030204" pitchFamily="34" charset="0"/>
+              </a:rPr>
+              <a:t>: System will improve diagnostic accuracy and support better patient outcomes</a:t>
+            </a:r>
+          </a:p>
+          <a:p>
+            <a:pPr>
+              <a:lnSpc>
+                <a:spcPct val="150000"/>
+              </a:lnSpc>
+            </a:pPr>
+            <a:r>
+              <a:rPr lang="en-US" b="1" dirty="0">
+                <a:latin typeface="Calibri" panose="020F0502020204030204" pitchFamily="34" charset="0"/>
+                <a:cs typeface="Calibri" panose="020F0502020204030204" pitchFamily="34" charset="0"/>
+              </a:rPr>
+              <a:t>Early Detection Aid</a:t>
+            </a:r>
+            <a:r>
+              <a:rPr lang="en-US" dirty="0">
+                <a:latin typeface="Calibri" panose="020F0502020204030204" pitchFamily="34" charset="0"/>
+                <a:cs typeface="Calibri" panose="020F0502020204030204" pitchFamily="34" charset="0"/>
+              </a:rPr>
+              <a:t>: CDSS will help patients recognize potential symptoms, encouraging timely medical consultations.</a:t>
+            </a:r>
+          </a:p>
+          <a:p>
+            <a:endParaRPr lang="en-US" dirty="0"/>
+          </a:p>
+        </p:txBody>
+      </p:sp>
+    </p:spTree>
+    <p:extLst>
+      <p:ext uri="{BB962C8B-B14F-4D97-AF65-F5344CB8AC3E}">
+        <p14:creationId xmlns:p14="http://schemas.microsoft.com/office/powerpoint/2010/main" val="2705975164"/>
+      </p:ext>
+    </p:extLst>
+  </p:cSld>
+  <p:clrMapOvr>
+    <a:masterClrMapping/>
+  </p:clrMapOvr>
+  <mc:AlternateContent xmlns:mc="http://schemas.openxmlformats.org/markup-compatibility/2006" xmlns:p159="http://schemas.microsoft.com/office/powerpoint/2015/09/main">
+    <mc:Choice Requires="p159">
+      <p:transition xmlns:p14="http://schemas.microsoft.com/office/powerpoint/2010/main" spd="slow" p14:dur="2000">
+        <p159:morph option="byObject"/>
+      </p:transition>
+    </mc:Choice>
+    <mc:Fallback xmlns="">
+      <p:transition spd="slow">
+        <p:fade/>
+      </p:transition>
+    </mc:Fallback>
+  </mc:AlternateContent>
+</p:sld>
+</file>
+
 <file path=ppt/slides/slide12.xml><?xml version="1.0" encoding="utf-8"?>
 <p:sld xmlns:a="http://schemas.openxmlformats.org/drawingml/2006/main" xmlns:r="http://schemas.openxmlformats.org/officeDocument/2006/relationships" xmlns:p="http://schemas.openxmlformats.org/presentationml/2006/main">
   <p:cSld>
@@ -4743,7 +4682,7 @@
           <p:cNvPr id="2" name="Title 1">
             <a:extLst>
               <a:ext uri="{FF2B5EF4-FFF2-40B4-BE49-F238E27FC236}">
-                <a16:creationId xmlns:a16="http://schemas.microsoft.com/office/drawing/2014/main" id="{7BD32E45-E125-47B4-93AD-10E77E4DFDF3}"/>
+                <a16:creationId xmlns:a16="http://schemas.microsoft.com/office/drawing/2014/main" id="{31E198EF-B0FC-080A-B076-1DEE0F42EB9F}"/>
               </a:ext>
             </a:extLst>
           </p:cNvPr>
@@ -4760,111 +4699,154 @@
           <a:lstStyle/>
           <a:p>
             <a:r>
-              <a:rPr lang="en-ZA" dirty="0">
-                <a:latin typeface="Calibri" panose="020F0502020204030204" pitchFamily="34" charset="0"/>
-                <a:cs typeface="Calibri" panose="020F0502020204030204" pitchFamily="34" charset="0"/>
-              </a:rPr>
-              <a:t>BENEFITS FOR PATIENTS AND PRACTITIONERS</a:t>
-            </a:r>
-            <a:endParaRPr lang="en-US" dirty="0">
+              <a:rPr lang="en-GB" dirty="0"/>
+              <a:t>Selection of the best solution</a:t>
+            </a:r>
+            <a:endParaRPr lang="en-ZA" dirty="0"/>
+          </a:p>
+        </p:txBody>
+      </p:sp>
+      <p:sp>
+        <p:nvSpPr>
+          <p:cNvPr id="3" name="Content Placeholder 2">
+            <a:extLst>
+              <a:ext uri="{FF2B5EF4-FFF2-40B4-BE49-F238E27FC236}">
+                <a16:creationId xmlns:a16="http://schemas.microsoft.com/office/drawing/2014/main" id="{5FD5929A-AEF1-8DAB-C796-6CB1D7032786}"/>
+              </a:ext>
+            </a:extLst>
+          </p:cNvPr>
+          <p:cNvSpPr>
+            <a:spLocks noGrp="1"/>
+          </p:cNvSpPr>
+          <p:nvPr>
+            <p:ph idx="1"/>
+          </p:nvPr>
+        </p:nvSpPr>
+        <p:spPr>
+          <a:xfrm>
+            <a:off x="1451579" y="2015732"/>
+            <a:ext cx="9603275" cy="4037749"/>
+          </a:xfrm>
+        </p:spPr>
+        <p:txBody>
+          <a:bodyPr>
+            <a:normAutofit fontScale="92500" lnSpcReduction="10000"/>
+          </a:bodyPr>
+          <a:lstStyle/>
+          <a:p>
+            <a:pPr marL="0" indent="0">
+              <a:buNone/>
+            </a:pPr>
+            <a:r>
+              <a:rPr lang="en-GB" sz="2400" b="1" u="sng" dirty="0">
+                <a:latin typeface="Calibri" panose="020F0502020204030204" pitchFamily="34" charset="0"/>
+                <a:cs typeface="Calibri" panose="020F0502020204030204" pitchFamily="34" charset="0"/>
+              </a:rPr>
+              <a:t>Choose the best solution from the following options:</a:t>
+            </a:r>
+          </a:p>
+          <a:p>
+            <a:r>
+              <a:rPr lang="en-GB" sz="2000" dirty="0">
+                <a:latin typeface="Calibri" panose="020F0502020204030204" pitchFamily="34" charset="0"/>
+                <a:cs typeface="Calibri" panose="020F0502020204030204" pitchFamily="34" charset="0"/>
+              </a:rPr>
+              <a:t>Notify symptom matches</a:t>
+            </a:r>
+          </a:p>
+          <a:p>
+            <a:r>
+              <a:rPr lang="en-GB" sz="2000" dirty="0">
+                <a:latin typeface="Calibri" panose="020F0502020204030204" pitchFamily="34" charset="0"/>
+                <a:cs typeface="Calibri" panose="020F0502020204030204" pitchFamily="34" charset="0"/>
+              </a:rPr>
+              <a:t>Educate on cancer</a:t>
+            </a:r>
+          </a:p>
+          <a:p>
+            <a:r>
+              <a:rPr lang="en-GB" sz="2000" dirty="0">
+                <a:latin typeface="Calibri" panose="020F0502020204030204" pitchFamily="34" charset="0"/>
+                <a:cs typeface="Calibri" panose="020F0502020204030204" pitchFamily="34" charset="0"/>
+              </a:rPr>
+              <a:t>Prompt for additional testing</a:t>
+            </a:r>
+          </a:p>
+          <a:p>
+            <a:r>
+              <a:rPr lang="en-GB" sz="2000" dirty="0">
+                <a:latin typeface="Calibri" panose="020F0502020204030204" pitchFamily="34" charset="0"/>
+                <a:cs typeface="Calibri" panose="020F0502020204030204" pitchFamily="34" charset="0"/>
+              </a:rPr>
+              <a:t>EHR for patient condition</a:t>
+            </a:r>
+          </a:p>
+          <a:p>
+            <a:r>
+              <a:rPr lang="en-GB" sz="2000" dirty="0">
+                <a:latin typeface="Calibri" panose="020F0502020204030204" pitchFamily="34" charset="0"/>
+                <a:cs typeface="Calibri" panose="020F0502020204030204" pitchFamily="34" charset="0"/>
+              </a:rPr>
+              <a:t> Symptom severity tracking</a:t>
+            </a:r>
+          </a:p>
+          <a:p>
+            <a:pPr marL="0" indent="0">
+              <a:buNone/>
+            </a:pPr>
+            <a:r>
+              <a:rPr lang="en-GB" sz="2000" b="1" u="sng" dirty="0">
+                <a:latin typeface="Calibri" panose="020F0502020204030204" pitchFamily="34" charset="0"/>
+                <a:cs typeface="Calibri" panose="020F0502020204030204" pitchFamily="34" charset="0"/>
+              </a:rPr>
+              <a:t>Decision Process:</a:t>
+            </a:r>
+          </a:p>
+          <a:p>
+            <a:r>
+              <a:rPr lang="en-GB" sz="2000" b="1" dirty="0">
+                <a:latin typeface="Calibri" panose="020F0502020204030204" pitchFamily="34" charset="0"/>
+                <a:cs typeface="Calibri" panose="020F0502020204030204" pitchFamily="34" charset="0"/>
+              </a:rPr>
+              <a:t>Voting Mechanism</a:t>
+            </a:r>
+            <a:r>
+              <a:rPr lang="en-GB" sz="2000" dirty="0">
+                <a:latin typeface="Calibri" panose="020F0502020204030204" pitchFamily="34" charset="0"/>
+                <a:cs typeface="Calibri" panose="020F0502020204030204" pitchFamily="34" charset="0"/>
+              </a:rPr>
+              <a:t>: Each team member voted on the best solution.</a:t>
+            </a:r>
+          </a:p>
+          <a:p>
+            <a:r>
+              <a:rPr lang="en-GB" sz="2000" b="1" dirty="0">
+                <a:latin typeface="Calibri" panose="020F0502020204030204" pitchFamily="34" charset="0"/>
+                <a:cs typeface="Calibri" panose="020F0502020204030204" pitchFamily="34" charset="0"/>
+              </a:rPr>
+              <a:t>Outcomes</a:t>
+            </a:r>
+            <a:r>
+              <a:rPr lang="en-GB" sz="2000" dirty="0">
+                <a:latin typeface="Calibri" panose="020F0502020204030204" pitchFamily="34" charset="0"/>
+                <a:cs typeface="Calibri" panose="020F0502020204030204" pitchFamily="34" charset="0"/>
+              </a:rPr>
+              <a:t>: The option with the highest points was "Notify Symptom Matches”.</a:t>
+            </a:r>
+            <a:endParaRPr lang="en-ZA" sz="2000" dirty="0">
               <a:latin typeface="Calibri" panose="020F0502020204030204" pitchFamily="34" charset="0"/>
               <a:cs typeface="Calibri" panose="020F0502020204030204" pitchFamily="34" charset="0"/>
             </a:endParaRPr>
           </a:p>
-        </p:txBody>
-      </p:sp>
-      <p:sp>
-        <p:nvSpPr>
-          <p:cNvPr id="3" name="Content Placeholder 2">
-            <a:extLst>
-              <a:ext uri="{FF2B5EF4-FFF2-40B4-BE49-F238E27FC236}">
-                <a16:creationId xmlns:a16="http://schemas.microsoft.com/office/drawing/2014/main" id="{D09F6149-2C80-4A65-857E-22BABF19B394}"/>
-              </a:ext>
-            </a:extLst>
-          </p:cNvPr>
-          <p:cNvSpPr>
-            <a:spLocks noGrp="1"/>
-          </p:cNvSpPr>
-          <p:nvPr>
-            <p:ph idx="1"/>
-          </p:nvPr>
-        </p:nvSpPr>
-        <p:spPr/>
-        <p:txBody>
-          <a:bodyPr/>
-          <a:lstStyle/>
-          <a:p>
-            <a:pPr>
-              <a:lnSpc>
-                <a:spcPct val="150000"/>
-              </a:lnSpc>
-            </a:pPr>
-            <a:r>
-              <a:rPr lang="en-US" b="1" dirty="0">
-                <a:latin typeface="Calibri" panose="020F0502020204030204" pitchFamily="34" charset="0"/>
-                <a:cs typeface="Calibri" panose="020F0502020204030204" pitchFamily="34" charset="0"/>
-              </a:rPr>
-              <a:t>Enhanced Awareness</a:t>
-            </a:r>
-            <a:r>
-              <a:rPr lang="en-US" dirty="0">
-                <a:latin typeface="Calibri" panose="020F0502020204030204" pitchFamily="34" charset="0"/>
-                <a:cs typeface="Calibri" panose="020F0502020204030204" pitchFamily="34" charset="0"/>
-              </a:rPr>
-              <a:t>: Patients gain insight into symptoms, leading to earlier consultation</a:t>
-            </a:r>
-          </a:p>
-          <a:p>
-            <a:pPr>
-              <a:lnSpc>
-                <a:spcPct val="150000"/>
-              </a:lnSpc>
-            </a:pPr>
-            <a:r>
-              <a:rPr lang="en-US" b="1" dirty="0">
-                <a:latin typeface="Calibri" panose="020F0502020204030204" pitchFamily="34" charset="0"/>
-                <a:cs typeface="Calibri" panose="020F0502020204030204" pitchFamily="34" charset="0"/>
-              </a:rPr>
-              <a:t>Support for Healthcare Providers</a:t>
-            </a:r>
-            <a:r>
-              <a:rPr lang="en-US" dirty="0">
-                <a:latin typeface="Calibri" panose="020F0502020204030204" pitchFamily="34" charset="0"/>
-                <a:cs typeface="Calibri" panose="020F0502020204030204" pitchFamily="34" charset="0"/>
-              </a:rPr>
-              <a:t>: Simplifies symptom analysis and referral processes</a:t>
-            </a:r>
-          </a:p>
-          <a:p>
-            <a:pPr>
-              <a:lnSpc>
-                <a:spcPct val="150000"/>
-              </a:lnSpc>
-            </a:pPr>
-            <a:r>
-              <a:rPr lang="en-US" b="1" dirty="0">
-                <a:latin typeface="Calibri" panose="020F0502020204030204" pitchFamily="34" charset="0"/>
-                <a:cs typeface="Calibri" panose="020F0502020204030204" pitchFamily="34" charset="0"/>
-              </a:rPr>
-              <a:t>Goal</a:t>
-            </a:r>
-            <a:r>
-              <a:rPr lang="en-US" dirty="0">
-                <a:latin typeface="Calibri" panose="020F0502020204030204" pitchFamily="34" charset="0"/>
-                <a:cs typeface="Calibri" panose="020F0502020204030204" pitchFamily="34" charset="0"/>
-              </a:rPr>
-              <a:t>: Enable accurate, timely diagnoses to improve survival and reduce treatment delays</a:t>
-            </a:r>
-          </a:p>
-          <a:p>
-            <a:endParaRPr lang="en-US" dirty="0"/>
+          <a:p>
+            <a:endParaRPr lang="en-ZA" dirty="0"/>
           </a:p>
         </p:txBody>
       </p:sp>
     </p:spTree>
     <p:extLst>
       <p:ext uri="{BB962C8B-B14F-4D97-AF65-F5344CB8AC3E}">
-        <p14:creationId xmlns:p14="http://schemas.microsoft.com/office/powerpoint/2010/main" val="2115248508"/>
+        <p14:creationId xmlns:p14="http://schemas.microsoft.com/office/powerpoint/2010/main" val="1843550499"/>
       </p:ext>
     </p:extLst>
   </p:cSld>
@@ -4908,6 +4890,382 @@
           <p:cNvPr id="2" name="Title 1">
             <a:extLst>
               <a:ext uri="{FF2B5EF4-FFF2-40B4-BE49-F238E27FC236}">
+                <a16:creationId xmlns:a16="http://schemas.microsoft.com/office/drawing/2014/main" id="{A5742146-F306-F354-61B8-75383DFB31DD}"/>
+              </a:ext>
+            </a:extLst>
+          </p:cNvPr>
+          <p:cNvSpPr>
+            <a:spLocks noGrp="1"/>
+          </p:cNvSpPr>
+          <p:nvPr>
+            <p:ph type="title"/>
+          </p:nvPr>
+        </p:nvSpPr>
+        <p:spPr/>
+        <p:txBody>
+          <a:bodyPr/>
+          <a:lstStyle/>
+          <a:p>
+            <a:r>
+              <a:rPr lang="en-GB" sz="3200" dirty="0">
+                <a:latin typeface="Calibri" panose="020F0502020204030204" pitchFamily="34" charset="0"/>
+                <a:cs typeface="Calibri" panose="020F0502020204030204" pitchFamily="34" charset="0"/>
+              </a:rPr>
+              <a:t>Why "Notify Symptom Matches" Was Chosen:</a:t>
+            </a:r>
+            <a:br>
+              <a:rPr lang="en-GB" sz="3200" b="1" u="sng" dirty="0">
+                <a:latin typeface="Calibri" panose="020F0502020204030204" pitchFamily="34" charset="0"/>
+                <a:cs typeface="Calibri" panose="020F0502020204030204" pitchFamily="34" charset="0"/>
+              </a:rPr>
+            </a:br>
+            <a:endParaRPr lang="en-ZA" dirty="0"/>
+          </a:p>
+        </p:txBody>
+      </p:sp>
+      <p:sp>
+        <p:nvSpPr>
+          <p:cNvPr id="3" name="Content Placeholder 2">
+            <a:extLst>
+              <a:ext uri="{FF2B5EF4-FFF2-40B4-BE49-F238E27FC236}">
+                <a16:creationId xmlns:a16="http://schemas.microsoft.com/office/drawing/2014/main" id="{3A4B1F1F-BE2A-D5EB-4652-9C5600517346}"/>
+              </a:ext>
+            </a:extLst>
+          </p:cNvPr>
+          <p:cNvSpPr>
+            <a:spLocks noGrp="1"/>
+          </p:cNvSpPr>
+          <p:nvPr>
+            <p:ph idx="1"/>
+          </p:nvPr>
+        </p:nvSpPr>
+        <p:spPr/>
+        <p:txBody>
+          <a:bodyPr>
+            <a:normAutofit lnSpcReduction="10000"/>
+          </a:bodyPr>
+          <a:lstStyle/>
+          <a:p>
+            <a:r>
+              <a:rPr lang="en-GB" sz="2000" b="1" dirty="0">
+                <a:latin typeface="Calibri" panose="020F0502020204030204" pitchFamily="34" charset="0"/>
+                <a:cs typeface="Calibri" panose="020F0502020204030204" pitchFamily="34" charset="0"/>
+              </a:rPr>
+              <a:t>Proactive Identification</a:t>
+            </a:r>
+            <a:r>
+              <a:rPr lang="en-GB" sz="2000" dirty="0">
+                <a:latin typeface="Calibri" panose="020F0502020204030204" pitchFamily="34" charset="0"/>
+                <a:cs typeface="Calibri" panose="020F0502020204030204" pitchFamily="34" charset="0"/>
+              </a:rPr>
+              <a:t>: Automatically flags symptoms that match patient conditions.</a:t>
+            </a:r>
+            <a:endParaRPr lang="en-GB" sz="2000" b="1" u="sng" dirty="0">
+              <a:latin typeface="Calibri" panose="020F0502020204030204" pitchFamily="34" charset="0"/>
+              <a:cs typeface="Calibri" panose="020F0502020204030204" pitchFamily="34" charset="0"/>
+            </a:endParaRPr>
+          </a:p>
+          <a:p>
+            <a:r>
+              <a:rPr lang="en-GB" sz="2000" b="1" dirty="0">
+                <a:latin typeface="Calibri" panose="020F0502020204030204" pitchFamily="34" charset="0"/>
+                <a:cs typeface="Calibri" panose="020F0502020204030204" pitchFamily="34" charset="0"/>
+              </a:rPr>
+              <a:t>Prompt Diagnosis:</a:t>
+            </a:r>
+            <a:r>
+              <a:rPr lang="en-GB" sz="2000" dirty="0">
+                <a:latin typeface="Calibri" panose="020F0502020204030204" pitchFamily="34" charset="0"/>
+                <a:cs typeface="Calibri" panose="020F0502020204030204" pitchFamily="34" charset="0"/>
+              </a:rPr>
+              <a:t> If cancer is detected, the system suggests appropriate treatment methods or prompts referral to specialists.</a:t>
+            </a:r>
+            <a:endParaRPr lang="en-GB" sz="2000" b="1" u="sng" dirty="0">
+              <a:latin typeface="Calibri" panose="020F0502020204030204" pitchFamily="34" charset="0"/>
+              <a:cs typeface="Calibri" panose="020F0502020204030204" pitchFamily="34" charset="0"/>
+            </a:endParaRPr>
+          </a:p>
+          <a:p>
+            <a:r>
+              <a:rPr lang="en-ZA" sz="2000" b="1" dirty="0">
+                <a:highlight>
+                  <a:srgbClr val="FFFF00"/>
+                </a:highlight>
+                <a:latin typeface="Calibri" panose="020F0502020204030204" pitchFamily="34" charset="0"/>
+                <a:cs typeface="Calibri" panose="020F0502020204030204" pitchFamily="34" charset="0"/>
+              </a:rPr>
+              <a:t>Minimizing Medical Errors</a:t>
+            </a:r>
+            <a:endParaRPr lang="en-GB" sz="2000" b="1" u="sng" dirty="0">
+              <a:highlight>
+                <a:srgbClr val="FFFF00"/>
+              </a:highlight>
+              <a:latin typeface="Calibri" panose="020F0502020204030204" pitchFamily="34" charset="0"/>
+              <a:cs typeface="Calibri" panose="020F0502020204030204" pitchFamily="34" charset="0"/>
+            </a:endParaRPr>
+          </a:p>
+          <a:p>
+            <a:r>
+              <a:rPr lang="en-GB" sz="2000" b="1" dirty="0">
+                <a:latin typeface="Calibri" panose="020F0502020204030204" pitchFamily="34" charset="0"/>
+                <a:cs typeface="Calibri" panose="020F0502020204030204" pitchFamily="34" charset="0"/>
+              </a:rPr>
+              <a:t>Prevention of Delays:</a:t>
+            </a:r>
+            <a:r>
+              <a:rPr lang="en-GB" sz="2000" dirty="0">
+                <a:latin typeface="Calibri" panose="020F0502020204030204" pitchFamily="34" charset="0"/>
+                <a:cs typeface="Calibri" panose="020F0502020204030204" pitchFamily="34" charset="0"/>
+              </a:rPr>
+              <a:t> Early intervention is possible, reducing the risk of late-stage cancer diagnosis.</a:t>
+            </a:r>
+            <a:endParaRPr lang="en-GB" sz="2000" b="1" u="sng" dirty="0">
+              <a:latin typeface="Calibri" panose="020F0502020204030204" pitchFamily="34" charset="0"/>
+              <a:cs typeface="Calibri" panose="020F0502020204030204" pitchFamily="34" charset="0"/>
+            </a:endParaRPr>
+          </a:p>
+          <a:p>
+            <a:r>
+              <a:rPr lang="en-GB" sz="2000" b="1" dirty="0">
+                <a:latin typeface="Calibri" panose="020F0502020204030204" pitchFamily="34" charset="0"/>
+                <a:cs typeface="Calibri" panose="020F0502020204030204" pitchFamily="34" charset="0"/>
+              </a:rPr>
+              <a:t>Higher Patient Satisfaction:</a:t>
+            </a:r>
+            <a:r>
+              <a:rPr lang="en-GB" sz="2000" dirty="0">
+                <a:latin typeface="Calibri" panose="020F0502020204030204" pitchFamily="34" charset="0"/>
+                <a:cs typeface="Calibri" panose="020F0502020204030204" pitchFamily="34" charset="0"/>
+              </a:rPr>
+              <a:t> By improving diagnosis accuracy and speed, patient trust and satisfaction are enhanced.</a:t>
+            </a:r>
+            <a:endParaRPr lang="en-ZA" sz="2000" b="1" u="sng" dirty="0">
+              <a:latin typeface="Calibri" panose="020F0502020204030204" pitchFamily="34" charset="0"/>
+              <a:cs typeface="Calibri" panose="020F0502020204030204" pitchFamily="34" charset="0"/>
+            </a:endParaRPr>
+          </a:p>
+          <a:p>
+            <a:endParaRPr lang="en-ZA" dirty="0"/>
+          </a:p>
+        </p:txBody>
+      </p:sp>
+    </p:spTree>
+    <p:extLst>
+      <p:ext uri="{BB962C8B-B14F-4D97-AF65-F5344CB8AC3E}">
+        <p14:creationId xmlns:p14="http://schemas.microsoft.com/office/powerpoint/2010/main" val="632132231"/>
+      </p:ext>
+    </p:extLst>
+  </p:cSld>
+  <p:clrMapOvr>
+    <a:masterClrMapping/>
+  </p:clrMapOvr>
+  <mc:AlternateContent xmlns:mc="http://schemas.openxmlformats.org/markup-compatibility/2006" xmlns:p159="http://schemas.microsoft.com/office/powerpoint/2015/09/main">
+    <mc:Choice Requires="p159">
+      <p:transition xmlns:p14="http://schemas.microsoft.com/office/powerpoint/2010/main" spd="slow" p14:dur="2000">
+        <p159:morph option="byObject"/>
+      </p:transition>
+    </mc:Choice>
+    <mc:Fallback xmlns="">
+      <p:transition spd="slow">
+        <p:fade/>
+      </p:transition>
+    </mc:Fallback>
+  </mc:AlternateContent>
+  <p:extLst>
+    <p:ext uri="{6950BFC3-D8DA-4A85-94F7-54DA5524770B}">
+      <p188:commentRel xmlns:p188="http://schemas.microsoft.com/office/powerpoint/2018/8/main" r:id="rId2"/>
+    </p:ext>
+  </p:extLst>
+</p:sld>
+</file>
+
+<file path=ppt/slides/slide14.xml><?xml version="1.0" encoding="utf-8"?>
+<p:sld xmlns:a="http://schemas.openxmlformats.org/drawingml/2006/main" xmlns:r="http://schemas.openxmlformats.org/officeDocument/2006/relationships" xmlns:p="http://schemas.openxmlformats.org/presentationml/2006/main">
+  <p:cSld>
+    <p:spTree>
+      <p:nvGrpSpPr>
+        <p:cNvPr id="1" name=""/>
+        <p:cNvGrpSpPr/>
+        <p:nvPr/>
+      </p:nvGrpSpPr>
+      <p:grpSpPr>
+        <a:xfrm>
+          <a:off x="0" y="0"/>
+          <a:ext cx="0" cy="0"/>
+          <a:chOff x="0" y="0"/>
+          <a:chExt cx="0" cy="0"/>
+        </a:xfrm>
+      </p:grpSpPr>
+      <p:sp>
+        <p:nvSpPr>
+          <p:cNvPr id="2" name="Title 1">
+            <a:extLst>
+              <a:ext uri="{FF2B5EF4-FFF2-40B4-BE49-F238E27FC236}">
+                <a16:creationId xmlns:a16="http://schemas.microsoft.com/office/drawing/2014/main" id="{7BD32E45-E125-47B4-93AD-10E77E4DFDF3}"/>
+              </a:ext>
+            </a:extLst>
+          </p:cNvPr>
+          <p:cNvSpPr>
+            <a:spLocks noGrp="1"/>
+          </p:cNvSpPr>
+          <p:nvPr>
+            <p:ph type="title"/>
+          </p:nvPr>
+        </p:nvSpPr>
+        <p:spPr/>
+        <p:txBody>
+          <a:bodyPr/>
+          <a:lstStyle/>
+          <a:p>
+            <a:r>
+              <a:rPr lang="en-ZA" dirty="0">
+                <a:latin typeface="Calibri" panose="020F0502020204030204" pitchFamily="34" charset="0"/>
+                <a:cs typeface="Calibri" panose="020F0502020204030204" pitchFamily="34" charset="0"/>
+              </a:rPr>
+              <a:t>BENEFITS FOR PATIENTS AND PRACTITIONERS</a:t>
+            </a:r>
+            <a:endParaRPr lang="en-US" dirty="0">
+              <a:latin typeface="Calibri" panose="020F0502020204030204" pitchFamily="34" charset="0"/>
+              <a:cs typeface="Calibri" panose="020F0502020204030204" pitchFamily="34" charset="0"/>
+            </a:endParaRPr>
+          </a:p>
+        </p:txBody>
+      </p:sp>
+      <p:sp>
+        <p:nvSpPr>
+          <p:cNvPr id="3" name="Content Placeholder 2">
+            <a:extLst>
+              <a:ext uri="{FF2B5EF4-FFF2-40B4-BE49-F238E27FC236}">
+                <a16:creationId xmlns:a16="http://schemas.microsoft.com/office/drawing/2014/main" id="{D09F6149-2C80-4A65-857E-22BABF19B394}"/>
+              </a:ext>
+            </a:extLst>
+          </p:cNvPr>
+          <p:cNvSpPr>
+            <a:spLocks noGrp="1"/>
+          </p:cNvSpPr>
+          <p:nvPr>
+            <p:ph idx="1"/>
+          </p:nvPr>
+        </p:nvSpPr>
+        <p:spPr/>
+        <p:txBody>
+          <a:bodyPr/>
+          <a:lstStyle/>
+          <a:p>
+            <a:pPr>
+              <a:lnSpc>
+                <a:spcPct val="150000"/>
+              </a:lnSpc>
+            </a:pPr>
+            <a:r>
+              <a:rPr lang="en-US" b="1" dirty="0">
+                <a:latin typeface="Calibri" panose="020F0502020204030204" pitchFamily="34" charset="0"/>
+                <a:cs typeface="Calibri" panose="020F0502020204030204" pitchFamily="34" charset="0"/>
+              </a:rPr>
+              <a:t>Enhanced Awareness</a:t>
+            </a:r>
+            <a:r>
+              <a:rPr lang="en-US" dirty="0">
+                <a:latin typeface="Calibri" panose="020F0502020204030204" pitchFamily="34" charset="0"/>
+                <a:cs typeface="Calibri" panose="020F0502020204030204" pitchFamily="34" charset="0"/>
+              </a:rPr>
+              <a:t>: Patients gain insight into symptoms, leading to earlier consultation</a:t>
+            </a:r>
+          </a:p>
+          <a:p>
+            <a:pPr>
+              <a:lnSpc>
+                <a:spcPct val="150000"/>
+              </a:lnSpc>
+            </a:pPr>
+            <a:r>
+              <a:rPr lang="en-US" b="1" dirty="0">
+                <a:latin typeface="Calibri" panose="020F0502020204030204" pitchFamily="34" charset="0"/>
+                <a:cs typeface="Calibri" panose="020F0502020204030204" pitchFamily="34" charset="0"/>
+              </a:rPr>
+              <a:t>Support for Healthcare Providers</a:t>
+            </a:r>
+            <a:r>
+              <a:rPr lang="en-US" dirty="0">
+                <a:latin typeface="Calibri" panose="020F0502020204030204" pitchFamily="34" charset="0"/>
+                <a:cs typeface="Calibri" panose="020F0502020204030204" pitchFamily="34" charset="0"/>
+              </a:rPr>
+              <a:t>: Simplifies symptom analysis and referral processes</a:t>
+            </a:r>
+          </a:p>
+          <a:p>
+            <a:pPr>
+              <a:lnSpc>
+                <a:spcPct val="150000"/>
+              </a:lnSpc>
+            </a:pPr>
+            <a:r>
+              <a:rPr lang="en-US" b="1" dirty="0">
+                <a:latin typeface="Calibri" panose="020F0502020204030204" pitchFamily="34" charset="0"/>
+                <a:cs typeface="Calibri" panose="020F0502020204030204" pitchFamily="34" charset="0"/>
+              </a:rPr>
+              <a:t>Goal</a:t>
+            </a:r>
+            <a:r>
+              <a:rPr lang="en-US" dirty="0">
+                <a:latin typeface="Calibri" panose="020F0502020204030204" pitchFamily="34" charset="0"/>
+                <a:cs typeface="Calibri" panose="020F0502020204030204" pitchFamily="34" charset="0"/>
+              </a:rPr>
+              <a:t>: Enable accurate, timely diagnoses to improve survival and reduce treatment delays</a:t>
+            </a:r>
+          </a:p>
+          <a:p>
+            <a:endParaRPr lang="en-US" dirty="0"/>
+          </a:p>
+        </p:txBody>
+      </p:sp>
+    </p:spTree>
+    <p:extLst>
+      <p:ext uri="{BB962C8B-B14F-4D97-AF65-F5344CB8AC3E}">
+        <p14:creationId xmlns:p14="http://schemas.microsoft.com/office/powerpoint/2010/main" val="2115248508"/>
+      </p:ext>
+    </p:extLst>
+  </p:cSld>
+  <p:clrMapOvr>
+    <a:masterClrMapping/>
+  </p:clrMapOvr>
+  <mc:AlternateContent xmlns:mc="http://schemas.openxmlformats.org/markup-compatibility/2006">
+    <mc:Choice xmlns:p159="http://schemas.microsoft.com/office/powerpoint/2015/09/main" Requires="p159">
+      <p:transition xmlns:p14="http://schemas.microsoft.com/office/powerpoint/2010/main" spd="slow" p14:dur="2000">
+        <p159:morph option="byObject"/>
+      </p:transition>
+    </mc:Choice>
+    <mc:Fallback>
+      <p:transition spd="slow">
+        <p:fade/>
+      </p:transition>
+    </mc:Fallback>
+  </mc:AlternateContent>
+</p:sld>
+</file>
+
+<file path=ppt/slides/slide15.xml><?xml version="1.0" encoding="utf-8"?>
+<p:sld xmlns:a="http://schemas.openxmlformats.org/drawingml/2006/main" xmlns:r="http://schemas.openxmlformats.org/officeDocument/2006/relationships" xmlns:p="http://schemas.openxmlformats.org/presentationml/2006/main">
+  <p:cSld>
+    <p:spTree>
+      <p:nvGrpSpPr>
+        <p:cNvPr id="1" name=""/>
+        <p:cNvGrpSpPr/>
+        <p:nvPr/>
+      </p:nvGrpSpPr>
+      <p:grpSpPr>
+        <a:xfrm>
+          <a:off x="0" y="0"/>
+          <a:ext cx="0" cy="0"/>
+          <a:chOff x="0" y="0"/>
+          <a:chExt cx="0" cy="0"/>
+        </a:xfrm>
+      </p:grpSpPr>
+      <p:sp>
+        <p:nvSpPr>
+          <p:cNvPr id="2" name="Title 1">
+            <a:extLst>
+              <a:ext uri="{FF2B5EF4-FFF2-40B4-BE49-F238E27FC236}">
                 <a16:creationId xmlns:a16="http://schemas.microsoft.com/office/drawing/2014/main" id="{FF133444-81ED-4E67-BD64-097E083A4FE6}"/>
               </a:ext>
             </a:extLst>
@@ -5032,7 +5390,7 @@
 </p:sld>
 </file>
 
-<file path=ppt/slides/slide14.xml><?xml version="1.0" encoding="utf-8"?>
+<file path=ppt/slides/slide16.xml><?xml version="1.0" encoding="utf-8"?>
 <p:sld xmlns:a="http://schemas.openxmlformats.org/drawingml/2006/main" xmlns:r="http://schemas.openxmlformats.org/officeDocument/2006/relationships" xmlns:p="http://schemas.openxmlformats.org/presentationml/2006/main">
   <p:cSld>
     <p:spTree>
@@ -5339,368 +5697,6 @@
 </p:sld>
 </file>
 
-<file path=ppt/slides/slide15.xml><?xml version="1.0" encoding="utf-8"?>
-<p:sld xmlns:a="http://schemas.openxmlformats.org/drawingml/2006/main" xmlns:r="http://schemas.openxmlformats.org/officeDocument/2006/relationships" xmlns:p="http://schemas.openxmlformats.org/presentationml/2006/main">
-  <p:cSld>
-    <p:spTree>
-      <p:nvGrpSpPr>
-        <p:cNvPr id="1" name=""/>
-        <p:cNvGrpSpPr/>
-        <p:nvPr/>
-      </p:nvGrpSpPr>
-      <p:grpSpPr>
-        <a:xfrm>
-          <a:off x="0" y="0"/>
-          <a:ext cx="0" cy="0"/>
-          <a:chOff x="0" y="0"/>
-          <a:chExt cx="0" cy="0"/>
-        </a:xfrm>
-      </p:grpSpPr>
-      <p:sp>
-        <p:nvSpPr>
-          <p:cNvPr id="2" name="Title 1">
-            <a:extLst>
-              <a:ext uri="{FF2B5EF4-FFF2-40B4-BE49-F238E27FC236}">
-                <a16:creationId xmlns:a16="http://schemas.microsoft.com/office/drawing/2014/main" id="{E724D8A5-9804-4D65-B3D2-E35ED3F35CE6}"/>
-              </a:ext>
-            </a:extLst>
-          </p:cNvPr>
-          <p:cNvSpPr>
-            <a:spLocks noGrp="1"/>
-          </p:cNvSpPr>
-          <p:nvPr>
-            <p:ph type="title"/>
-          </p:nvPr>
-        </p:nvSpPr>
-        <p:spPr/>
-        <p:txBody>
-          <a:bodyPr/>
-          <a:lstStyle/>
-          <a:p>
-            <a:r>
-              <a:rPr lang="en-ZA" dirty="0">
-                <a:latin typeface="Calibri" panose="020F0502020204030204" pitchFamily="34" charset="0"/>
-                <a:cs typeface="Calibri" panose="020F0502020204030204" pitchFamily="34" charset="0"/>
-              </a:rPr>
-              <a:t>Aspects to consider</a:t>
-            </a:r>
-            <a:endParaRPr lang="en-US" dirty="0">
-              <a:latin typeface="Calibri" panose="020F0502020204030204" pitchFamily="34" charset="0"/>
-              <a:cs typeface="Calibri" panose="020F0502020204030204" pitchFamily="34" charset="0"/>
-            </a:endParaRPr>
-          </a:p>
-        </p:txBody>
-      </p:sp>
-      <p:sp>
-        <p:nvSpPr>
-          <p:cNvPr id="3" name="Content Placeholder 2">
-            <a:extLst>
-              <a:ext uri="{FF2B5EF4-FFF2-40B4-BE49-F238E27FC236}">
-                <a16:creationId xmlns:a16="http://schemas.microsoft.com/office/drawing/2014/main" id="{2B164B75-4707-423F-B96B-0C267299FF79}"/>
-              </a:ext>
-            </a:extLst>
-          </p:cNvPr>
-          <p:cNvSpPr>
-            <a:spLocks noGrp="1"/>
-          </p:cNvSpPr>
-          <p:nvPr>
-            <p:ph idx="1"/>
-          </p:nvPr>
-        </p:nvSpPr>
-        <p:spPr/>
-        <p:txBody>
-          <a:bodyPr numCol="2"/>
-          <a:lstStyle/>
-          <a:p>
-            <a:r>
-              <a:rPr lang="en-ZA" b="1" dirty="0">
-                <a:latin typeface="Calibri" panose="020F0502020204030204" pitchFamily="34" charset="0"/>
-                <a:cs typeface="Calibri" panose="020F0502020204030204" pitchFamily="34" charset="0"/>
-              </a:rPr>
-              <a:t>CDSS</a:t>
-            </a:r>
-          </a:p>
-          <a:p>
-            <a:pPr lvl="1"/>
-            <a:r>
-              <a:rPr lang="en-ZA" dirty="0">
-                <a:latin typeface="Calibri" panose="020F0502020204030204" pitchFamily="34" charset="0"/>
-                <a:cs typeface="Calibri" panose="020F0502020204030204" pitchFamily="34" charset="0"/>
-              </a:rPr>
-              <a:t>Challenges in patient privacy</a:t>
-            </a:r>
-          </a:p>
-          <a:p>
-            <a:r>
-              <a:rPr lang="en-ZA" dirty="0">
-                <a:latin typeface="Calibri" panose="020F0502020204030204" pitchFamily="34" charset="0"/>
-                <a:cs typeface="Calibri" panose="020F0502020204030204" pitchFamily="34" charset="0"/>
-              </a:rPr>
-              <a:t>Recommendations:</a:t>
-            </a:r>
-          </a:p>
-          <a:p>
-            <a:pPr lvl="1"/>
-            <a:r>
-              <a:rPr lang="en-ZA" dirty="0">
-                <a:latin typeface="Calibri" panose="020F0502020204030204" pitchFamily="34" charset="0"/>
-                <a:cs typeface="Calibri" panose="020F0502020204030204" pitchFamily="34" charset="0"/>
-              </a:rPr>
-              <a:t>Demographics</a:t>
-            </a:r>
-          </a:p>
-          <a:p>
-            <a:pPr lvl="1"/>
-            <a:r>
-              <a:rPr lang="en-ZA" dirty="0">
-                <a:latin typeface="Calibri" panose="020F0502020204030204" pitchFamily="34" charset="0"/>
-                <a:cs typeface="Calibri" panose="020F0502020204030204" pitchFamily="34" charset="0"/>
-              </a:rPr>
-              <a:t>Health progression</a:t>
-            </a:r>
-          </a:p>
-          <a:p>
-            <a:pPr lvl="1"/>
-            <a:endParaRPr lang="en-ZA" dirty="0">
-              <a:latin typeface="Calibri" panose="020F0502020204030204" pitchFamily="34" charset="0"/>
-              <a:cs typeface="Calibri" panose="020F0502020204030204" pitchFamily="34" charset="0"/>
-            </a:endParaRPr>
-          </a:p>
-          <a:p>
-            <a:pPr lvl="1"/>
-            <a:endParaRPr lang="en-ZA" dirty="0">
-              <a:latin typeface="Calibri" panose="020F0502020204030204" pitchFamily="34" charset="0"/>
-              <a:cs typeface="Calibri" panose="020F0502020204030204" pitchFamily="34" charset="0"/>
-            </a:endParaRPr>
-          </a:p>
-          <a:p>
-            <a:pPr marL="457200" lvl="1" indent="0">
-              <a:buNone/>
-            </a:pPr>
-            <a:endParaRPr lang="en-ZA" dirty="0">
-              <a:latin typeface="Calibri" panose="020F0502020204030204" pitchFamily="34" charset="0"/>
-              <a:cs typeface="Calibri" panose="020F0502020204030204" pitchFamily="34" charset="0"/>
-            </a:endParaRPr>
-          </a:p>
-          <a:p>
-            <a:pPr lvl="1"/>
-            <a:r>
-              <a:rPr lang="en-ZA" sz="2000" b="1" dirty="0">
-                <a:latin typeface="Calibri" panose="020F0502020204030204" pitchFamily="34" charset="0"/>
-                <a:cs typeface="Calibri" panose="020F0502020204030204" pitchFamily="34" charset="0"/>
-              </a:rPr>
-              <a:t>Questionnaire</a:t>
-            </a:r>
-          </a:p>
-          <a:p>
-            <a:pPr lvl="2"/>
-            <a:r>
-              <a:rPr lang="en-ZA" sz="1800" dirty="0">
-                <a:latin typeface="Calibri" panose="020F0502020204030204" pitchFamily="34" charset="0"/>
-                <a:cs typeface="Calibri" panose="020F0502020204030204" pitchFamily="34" charset="0"/>
-              </a:rPr>
-              <a:t>Challenges in target group</a:t>
-            </a:r>
-          </a:p>
-          <a:p>
-            <a:pPr lvl="1"/>
-            <a:r>
-              <a:rPr lang="en-ZA" sz="2000" dirty="0">
-                <a:latin typeface="Calibri" panose="020F0502020204030204" pitchFamily="34" charset="0"/>
-                <a:cs typeface="Calibri" panose="020F0502020204030204" pitchFamily="34" charset="0"/>
-              </a:rPr>
-              <a:t>Recommendations:</a:t>
-            </a:r>
-          </a:p>
-          <a:p>
-            <a:pPr lvl="2"/>
-            <a:r>
-              <a:rPr lang="en-ZA" sz="1800" dirty="0">
-                <a:latin typeface="Calibri" panose="020F0502020204030204" pitchFamily="34" charset="0"/>
-                <a:cs typeface="Calibri" panose="020F0502020204030204" pitchFamily="34" charset="0"/>
-              </a:rPr>
-              <a:t>Training to use the system</a:t>
-            </a:r>
-          </a:p>
-          <a:p>
-            <a:pPr lvl="2"/>
-            <a:r>
-              <a:rPr lang="en-ZA" sz="1800" dirty="0">
-                <a:latin typeface="Calibri" panose="020F0502020204030204" pitchFamily="34" charset="0"/>
-                <a:cs typeface="Calibri" panose="020F0502020204030204" pitchFamily="34" charset="0"/>
-              </a:rPr>
-              <a:t>Raising awareness</a:t>
-            </a:r>
-            <a:endParaRPr lang="en-US" sz="1800" dirty="0">
-              <a:latin typeface="Calibri" panose="020F0502020204030204" pitchFamily="34" charset="0"/>
-              <a:cs typeface="Calibri" panose="020F0502020204030204" pitchFamily="34" charset="0"/>
-            </a:endParaRPr>
-          </a:p>
-        </p:txBody>
-      </p:sp>
-    </p:spTree>
-    <p:extLst>
-      <p:ext uri="{BB962C8B-B14F-4D97-AF65-F5344CB8AC3E}">
-        <p14:creationId xmlns:p14="http://schemas.microsoft.com/office/powerpoint/2010/main" val="3929142942"/>
-      </p:ext>
-    </p:extLst>
-  </p:cSld>
-  <p:clrMapOvr>
-    <a:masterClrMapping/>
-  </p:clrMapOvr>
-  <mc:AlternateContent xmlns:mc="http://schemas.openxmlformats.org/markup-compatibility/2006" xmlns:p159="http://schemas.microsoft.com/office/powerpoint/2015/09/main">
-    <mc:Choice Requires="p159">
-      <p:transition xmlns:p14="http://schemas.microsoft.com/office/powerpoint/2010/main" spd="slow" p14:dur="2000">
-        <p159:morph option="byObject"/>
-      </p:transition>
-    </mc:Choice>
-    <mc:Fallback xmlns="">
-      <p:transition spd="slow">
-        <p:fade/>
-      </p:transition>
-    </mc:Fallback>
-  </mc:AlternateContent>
-</p:sld>
-</file>
-
-<file path=ppt/slides/slide16.xml><?xml version="1.0" encoding="utf-8"?>
-<p:sld xmlns:a="http://schemas.openxmlformats.org/drawingml/2006/main" xmlns:r="http://schemas.openxmlformats.org/officeDocument/2006/relationships" xmlns:p="http://schemas.openxmlformats.org/presentationml/2006/main">
-  <p:cSld>
-    <p:spTree>
-      <p:nvGrpSpPr>
-        <p:cNvPr id="1" name=""/>
-        <p:cNvGrpSpPr/>
-        <p:nvPr/>
-      </p:nvGrpSpPr>
-      <p:grpSpPr>
-        <a:xfrm>
-          <a:off x="0" y="0"/>
-          <a:ext cx="0" cy="0"/>
-          <a:chOff x="0" y="0"/>
-          <a:chExt cx="0" cy="0"/>
-        </a:xfrm>
-      </p:grpSpPr>
-      <p:sp>
-        <p:nvSpPr>
-          <p:cNvPr id="2" name="Title 1">
-            <a:extLst>
-              <a:ext uri="{FF2B5EF4-FFF2-40B4-BE49-F238E27FC236}">
-                <a16:creationId xmlns:a16="http://schemas.microsoft.com/office/drawing/2014/main" id="{EB64AD43-D681-4905-9B32-844D4B54B2D6}"/>
-              </a:ext>
-            </a:extLst>
-          </p:cNvPr>
-          <p:cNvSpPr>
-            <a:spLocks noGrp="1"/>
-          </p:cNvSpPr>
-          <p:nvPr>
-            <p:ph type="title"/>
-          </p:nvPr>
-        </p:nvSpPr>
-        <p:spPr/>
-        <p:txBody>
-          <a:bodyPr/>
-          <a:lstStyle/>
-          <a:p>
-            <a:r>
-              <a:rPr lang="en-ZA" dirty="0">
-                <a:latin typeface="Calibri" panose="020F0502020204030204" pitchFamily="34" charset="0"/>
-                <a:cs typeface="Calibri" panose="020F0502020204030204" pitchFamily="34" charset="0"/>
-              </a:rPr>
-              <a:t>evaluation</a:t>
-            </a:r>
-            <a:endParaRPr lang="en-US" dirty="0">
-              <a:latin typeface="Calibri" panose="020F0502020204030204" pitchFamily="34" charset="0"/>
-              <a:cs typeface="Calibri" panose="020F0502020204030204" pitchFamily="34" charset="0"/>
-            </a:endParaRPr>
-          </a:p>
-        </p:txBody>
-      </p:sp>
-      <p:sp>
-        <p:nvSpPr>
-          <p:cNvPr id="3" name="Content Placeholder 2">
-            <a:extLst>
-              <a:ext uri="{FF2B5EF4-FFF2-40B4-BE49-F238E27FC236}">
-                <a16:creationId xmlns:a16="http://schemas.microsoft.com/office/drawing/2014/main" id="{656FBCB7-70D4-4D71-929C-C845F1C3C240}"/>
-              </a:ext>
-            </a:extLst>
-          </p:cNvPr>
-          <p:cNvSpPr>
-            <a:spLocks noGrp="1"/>
-          </p:cNvSpPr>
-          <p:nvPr>
-            <p:ph idx="1"/>
-          </p:nvPr>
-        </p:nvSpPr>
-        <p:spPr/>
-        <p:txBody>
-          <a:bodyPr/>
-          <a:lstStyle/>
-          <a:p>
-            <a:r>
-              <a:rPr lang="en-ZA" dirty="0">
-                <a:latin typeface="Calibri" panose="020F0502020204030204" pitchFamily="34" charset="0"/>
-                <a:cs typeface="Calibri" panose="020F0502020204030204" pitchFamily="34" charset="0"/>
-              </a:rPr>
-              <a:t>Goal of the potential impact implementing a CDSS</a:t>
-            </a:r>
-          </a:p>
-          <a:p>
-            <a:r>
-              <a:rPr lang="en-ZA" dirty="0">
-                <a:latin typeface="Calibri" panose="020F0502020204030204" pitchFamily="34" charset="0"/>
-                <a:cs typeface="Calibri" panose="020F0502020204030204" pitchFamily="34" charset="0"/>
-              </a:rPr>
-              <a:t>Achievements </a:t>
-            </a:r>
-          </a:p>
-          <a:p>
-            <a:r>
-              <a:rPr lang="en-ZA" dirty="0">
-                <a:latin typeface="Calibri" panose="020F0502020204030204" pitchFamily="34" charset="0"/>
-                <a:cs typeface="Calibri" panose="020F0502020204030204" pitchFamily="34" charset="0"/>
-              </a:rPr>
-              <a:t>Limitations/Constraints</a:t>
-            </a:r>
-          </a:p>
-          <a:p>
-            <a:r>
-              <a:rPr lang="en-ZA" dirty="0">
-                <a:latin typeface="Calibri" panose="020F0502020204030204" pitchFamily="34" charset="0"/>
-                <a:cs typeface="Calibri" panose="020F0502020204030204" pitchFamily="34" charset="0"/>
-              </a:rPr>
-              <a:t>Conclusion of implementation</a:t>
-            </a:r>
-          </a:p>
-          <a:p>
-            <a:endParaRPr lang="en-US" dirty="0"/>
-          </a:p>
-        </p:txBody>
-      </p:sp>
-    </p:spTree>
-    <p:extLst>
-      <p:ext uri="{BB962C8B-B14F-4D97-AF65-F5344CB8AC3E}">
-        <p14:creationId xmlns:p14="http://schemas.microsoft.com/office/powerpoint/2010/main" val="2553020786"/>
-      </p:ext>
-    </p:extLst>
-  </p:cSld>
-  <p:clrMapOvr>
-    <a:masterClrMapping/>
-  </p:clrMapOvr>
-  <mc:AlternateContent xmlns:mc="http://schemas.openxmlformats.org/markup-compatibility/2006" xmlns:p159="http://schemas.microsoft.com/office/powerpoint/2015/09/main">
-    <mc:Choice Requires="p159">
-      <p:transition xmlns:p14="http://schemas.microsoft.com/office/powerpoint/2010/main" spd="slow" p14:dur="2000">
-        <p159:morph option="byObject"/>
-      </p:transition>
-    </mc:Choice>
-    <mc:Fallback xmlns="">
-      <p:transition spd="slow">
-        <p:fade/>
-      </p:transition>
-    </mc:Fallback>
-  </mc:AlternateContent>
-</p:sld>
-</file>
-
 <file path=ppt/slides/slide17.xml><?xml version="1.0" encoding="utf-8"?>
 <p:sld xmlns:a="http://schemas.openxmlformats.org/drawingml/2006/main" xmlns:r="http://schemas.openxmlformats.org/officeDocument/2006/relationships" xmlns:p="http://schemas.openxmlformats.org/presentationml/2006/main">
   <p:cSld>
@@ -5723,7 +5719,7 @@
           <p:cNvPr id="2" name="Title 1">
             <a:extLst>
               <a:ext uri="{FF2B5EF4-FFF2-40B4-BE49-F238E27FC236}">
-                <a16:creationId xmlns:a16="http://schemas.microsoft.com/office/drawing/2014/main" id="{BF6E3046-A749-4901-97A3-84DF54EB1CDD}"/>
+                <a16:creationId xmlns:a16="http://schemas.microsoft.com/office/drawing/2014/main" id="{E724D8A5-9804-4D65-B3D2-E35ED3F35CE6}"/>
               </a:ext>
             </a:extLst>
           </p:cNvPr>
@@ -5744,87 +5740,166 @@
                 <a:latin typeface="Calibri" panose="020F0502020204030204" pitchFamily="34" charset="0"/>
                 <a:cs typeface="Calibri" panose="020F0502020204030204" pitchFamily="34" charset="0"/>
               </a:rPr>
-              <a:t>IMPACT OF THE MANAGEMENT STRATEGY</a:t>
-            </a:r>
-            <a:endParaRPr lang="en-US" dirty="0"/>
-          </a:p>
-        </p:txBody>
-      </p:sp>
-      <p:sp>
-        <p:nvSpPr>
-          <p:cNvPr id="3" name="Content Placeholder 2">
-            <a:extLst>
-              <a:ext uri="{FF2B5EF4-FFF2-40B4-BE49-F238E27FC236}">
-                <a16:creationId xmlns:a16="http://schemas.microsoft.com/office/drawing/2014/main" id="{3B7F2E75-8580-4659-9E30-8604D8B38673}"/>
-              </a:ext>
-            </a:extLst>
-          </p:cNvPr>
-          <p:cNvSpPr>
-            <a:spLocks noGrp="1"/>
-          </p:cNvSpPr>
-          <p:nvPr>
-            <p:ph idx="1"/>
-          </p:nvPr>
-        </p:nvSpPr>
-        <p:spPr/>
-        <p:txBody>
-          <a:bodyPr/>
-          <a:lstStyle/>
-          <a:p>
-            <a:r>
-              <a:rPr lang="en-ZA" b="1" dirty="0">
-                <a:latin typeface="Calibri" panose="020F0502020204030204" pitchFamily="34" charset="0"/>
-                <a:cs typeface="Calibri" panose="020F0502020204030204" pitchFamily="34" charset="0"/>
-              </a:rPr>
-              <a:t>Overview of key focus areas:</a:t>
-            </a:r>
-          </a:p>
-          <a:p>
-            <a:pPr lvl="1"/>
-            <a:r>
-              <a:rPr lang="en-ZA" dirty="0">
-                <a:latin typeface="Calibri" panose="020F0502020204030204" pitchFamily="34" charset="0"/>
-                <a:cs typeface="Calibri" panose="020F0502020204030204" pitchFamily="34" charset="0"/>
-              </a:rPr>
-              <a:t>Nursing Management.</a:t>
-            </a:r>
-          </a:p>
-          <a:p>
-            <a:pPr lvl="1"/>
-            <a:r>
-              <a:rPr lang="en-ZA" dirty="0">
-                <a:latin typeface="Calibri" panose="020F0502020204030204" pitchFamily="34" charset="0"/>
-                <a:cs typeface="Calibri" panose="020F0502020204030204" pitchFamily="34" charset="0"/>
-              </a:rPr>
-              <a:t>Nursing Care.</a:t>
-            </a:r>
-          </a:p>
-          <a:p>
-            <a:pPr lvl="1"/>
-            <a:r>
-              <a:rPr lang="en-ZA" dirty="0">
-                <a:latin typeface="Calibri" panose="020F0502020204030204" pitchFamily="34" charset="0"/>
-                <a:cs typeface="Calibri" panose="020F0502020204030204" pitchFamily="34" charset="0"/>
-              </a:rPr>
-              <a:t>Patient Outcomes.</a:t>
+              <a:t>Aspects to consider</a:t>
             </a:r>
             <a:endParaRPr lang="en-US" dirty="0">
               <a:latin typeface="Calibri" panose="020F0502020204030204" pitchFamily="34" charset="0"/>
               <a:cs typeface="Calibri" panose="020F0502020204030204" pitchFamily="34" charset="0"/>
             </a:endParaRPr>
           </a:p>
-          <a:p>
-            <a:endParaRPr lang="en-US" dirty="0"/>
-          </a:p>
-          <a:p>
-            <a:endParaRPr lang="en-US" dirty="0"/>
+        </p:txBody>
+      </p:sp>
+      <p:sp>
+        <p:nvSpPr>
+          <p:cNvPr id="3" name="Content Placeholder 2">
+            <a:extLst>
+              <a:ext uri="{FF2B5EF4-FFF2-40B4-BE49-F238E27FC236}">
+                <a16:creationId xmlns:a16="http://schemas.microsoft.com/office/drawing/2014/main" id="{2B164B75-4707-423F-B96B-0C267299FF79}"/>
+              </a:ext>
+            </a:extLst>
+          </p:cNvPr>
+          <p:cNvSpPr>
+            <a:spLocks noGrp="1"/>
+          </p:cNvSpPr>
+          <p:nvPr>
+            <p:ph idx="1"/>
+          </p:nvPr>
+        </p:nvSpPr>
+        <p:spPr/>
+        <p:txBody>
+          <a:bodyPr numCol="2"/>
+          <a:lstStyle/>
+          <a:p>
+            <a:r>
+              <a:rPr lang="en-ZA" b="1" dirty="0">
+                <a:latin typeface="Calibri" panose="020F0502020204030204" pitchFamily="34" charset="0"/>
+                <a:cs typeface="Calibri" panose="020F0502020204030204" pitchFamily="34" charset="0"/>
+              </a:rPr>
+              <a:t>CDSS</a:t>
+            </a:r>
+          </a:p>
+          <a:p>
+            <a:pPr lvl="1"/>
+            <a:r>
+              <a:rPr lang="en-ZA" dirty="0">
+                <a:latin typeface="Calibri" panose="020F0502020204030204" pitchFamily="34" charset="0"/>
+                <a:cs typeface="Calibri" panose="020F0502020204030204" pitchFamily="34" charset="0"/>
+              </a:rPr>
+              <a:t>Challenges in patient privacy</a:t>
+            </a:r>
+          </a:p>
+          <a:p>
+            <a:r>
+              <a:rPr lang="en-ZA" dirty="0">
+                <a:latin typeface="Calibri" panose="020F0502020204030204" pitchFamily="34" charset="0"/>
+                <a:cs typeface="Calibri" panose="020F0502020204030204" pitchFamily="34" charset="0"/>
+              </a:rPr>
+              <a:t>Recommendations:</a:t>
+            </a:r>
+          </a:p>
+          <a:p>
+            <a:pPr lvl="1"/>
+            <a:r>
+              <a:rPr lang="en-ZA" dirty="0">
+                <a:latin typeface="Calibri" panose="020F0502020204030204" pitchFamily="34" charset="0"/>
+                <a:cs typeface="Calibri" panose="020F0502020204030204" pitchFamily="34" charset="0"/>
+              </a:rPr>
+              <a:t>Demographics</a:t>
+            </a:r>
+          </a:p>
+          <a:p>
+            <a:pPr lvl="1"/>
+            <a:r>
+              <a:rPr lang="en-ZA" dirty="0">
+                <a:latin typeface="Calibri" panose="020F0502020204030204" pitchFamily="34" charset="0"/>
+                <a:cs typeface="Calibri" panose="020F0502020204030204" pitchFamily="34" charset="0"/>
+              </a:rPr>
+              <a:t>Health progression</a:t>
+            </a:r>
+          </a:p>
+          <a:p>
+            <a:pPr lvl="1"/>
+            <a:endParaRPr lang="en-ZA" dirty="0">
+              <a:latin typeface="Calibri" panose="020F0502020204030204" pitchFamily="34" charset="0"/>
+              <a:cs typeface="Calibri" panose="020F0502020204030204" pitchFamily="34" charset="0"/>
+            </a:endParaRPr>
+          </a:p>
+          <a:p>
+            <a:pPr lvl="1"/>
+            <a:endParaRPr lang="en-ZA" dirty="0">
+              <a:latin typeface="Calibri" panose="020F0502020204030204" pitchFamily="34" charset="0"/>
+              <a:cs typeface="Calibri" panose="020F0502020204030204" pitchFamily="34" charset="0"/>
+            </a:endParaRPr>
+          </a:p>
+          <a:p>
+            <a:pPr marL="457200" lvl="1" indent="0">
+              <a:buNone/>
+            </a:pPr>
+            <a:endParaRPr lang="en-ZA" dirty="0">
+              <a:latin typeface="Calibri" panose="020F0502020204030204" pitchFamily="34" charset="0"/>
+              <a:cs typeface="Calibri" panose="020F0502020204030204" pitchFamily="34" charset="0"/>
+            </a:endParaRPr>
+          </a:p>
+          <a:p>
+            <a:pPr lvl="1"/>
+            <a:r>
+              <a:rPr lang="en-ZA" sz="2000" b="1" dirty="0">
+                <a:latin typeface="Calibri" panose="020F0502020204030204" pitchFamily="34" charset="0"/>
+                <a:cs typeface="Calibri" panose="020F0502020204030204" pitchFamily="34" charset="0"/>
+              </a:rPr>
+              <a:t>Questionnaire</a:t>
+            </a:r>
+          </a:p>
+          <a:p>
+            <a:pPr lvl="2"/>
+            <a:r>
+              <a:rPr lang="en-ZA" sz="1800" dirty="0">
+                <a:latin typeface="Calibri" panose="020F0502020204030204" pitchFamily="34" charset="0"/>
+                <a:cs typeface="Calibri" panose="020F0502020204030204" pitchFamily="34" charset="0"/>
+              </a:rPr>
+              <a:t>Challenges in target group</a:t>
+            </a:r>
+          </a:p>
+          <a:p>
+            <a:pPr lvl="1"/>
+            <a:r>
+              <a:rPr lang="en-ZA" sz="2000" dirty="0">
+                <a:latin typeface="Calibri" panose="020F0502020204030204" pitchFamily="34" charset="0"/>
+                <a:cs typeface="Calibri" panose="020F0502020204030204" pitchFamily="34" charset="0"/>
+              </a:rPr>
+              <a:t>Recommendations:</a:t>
+            </a:r>
+          </a:p>
+          <a:p>
+            <a:pPr lvl="2"/>
+            <a:r>
+              <a:rPr lang="en-ZA" sz="1800" dirty="0">
+                <a:latin typeface="Calibri" panose="020F0502020204030204" pitchFamily="34" charset="0"/>
+                <a:cs typeface="Calibri" panose="020F0502020204030204" pitchFamily="34" charset="0"/>
+              </a:rPr>
+              <a:t>Training to use the system</a:t>
+            </a:r>
+          </a:p>
+          <a:p>
+            <a:pPr lvl="2"/>
+            <a:r>
+              <a:rPr lang="en-ZA" sz="1800" dirty="0">
+                <a:latin typeface="Calibri" panose="020F0502020204030204" pitchFamily="34" charset="0"/>
+                <a:cs typeface="Calibri" panose="020F0502020204030204" pitchFamily="34" charset="0"/>
+              </a:rPr>
+              <a:t>Raising awareness</a:t>
+            </a:r>
+            <a:endParaRPr lang="en-US" sz="1800" dirty="0">
+              <a:latin typeface="Calibri" panose="020F0502020204030204" pitchFamily="34" charset="0"/>
+              <a:cs typeface="Calibri" panose="020F0502020204030204" pitchFamily="34" charset="0"/>
+            </a:endParaRPr>
           </a:p>
         </p:txBody>
       </p:sp>
     </p:spTree>
     <p:extLst>
       <p:ext uri="{BB962C8B-B14F-4D97-AF65-F5344CB8AC3E}">
-        <p14:creationId xmlns:p14="http://schemas.microsoft.com/office/powerpoint/2010/main" val="4192928946"/>
+        <p14:creationId xmlns:p14="http://schemas.microsoft.com/office/powerpoint/2010/main" val="3929142942"/>
       </p:ext>
     </p:extLst>
   </p:cSld>
@@ -5868,7 +5943,7 @@
           <p:cNvPr id="2" name="Title 1">
             <a:extLst>
               <a:ext uri="{FF2B5EF4-FFF2-40B4-BE49-F238E27FC236}">
-                <a16:creationId xmlns:a16="http://schemas.microsoft.com/office/drawing/2014/main" id="{80E82DCD-17AE-4F53-A504-77B2BF04BBFB}"/>
+                <a16:creationId xmlns:a16="http://schemas.microsoft.com/office/drawing/2014/main" id="{EB64AD43-D681-4905-9B32-844D4B54B2D6}"/>
               </a:ext>
             </a:extLst>
           </p:cNvPr>
@@ -5889,7 +5964,7 @@
                 <a:latin typeface="Calibri" panose="020F0502020204030204" pitchFamily="34" charset="0"/>
                 <a:cs typeface="Calibri" panose="020F0502020204030204" pitchFamily="34" charset="0"/>
               </a:rPr>
-              <a:t>NURSING MANAGEMENT</a:t>
+              <a:t>evaluation</a:t>
             </a:r>
             <a:endParaRPr lang="en-US" dirty="0">
               <a:latin typeface="Calibri" panose="020F0502020204030204" pitchFamily="34" charset="0"/>
@@ -5903,7 +5978,7 @@
           <p:cNvPr id="3" name="Content Placeholder 2">
             <a:extLst>
               <a:ext uri="{FF2B5EF4-FFF2-40B4-BE49-F238E27FC236}">
-                <a16:creationId xmlns:a16="http://schemas.microsoft.com/office/drawing/2014/main" id="{F10EE886-F679-46FC-BED8-0256650F869A}"/>
+                <a16:creationId xmlns:a16="http://schemas.microsoft.com/office/drawing/2014/main" id="{656FBCB7-70D4-4D71-929C-C845F1C3C240}"/>
               </a:ext>
             </a:extLst>
           </p:cNvPr>
@@ -5919,232 +5994,39 @@
           <a:bodyPr/>
           <a:lstStyle/>
           <a:p>
-            <a:pPr marL="0" lvl="0" indent="0" eaLnBrk="0" fontAlgn="base" hangingPunct="0">
-              <a:lnSpc>
-                <a:spcPct val="100000"/>
-              </a:lnSpc>
-              <a:spcBef>
-                <a:spcPct val="0"/>
-              </a:spcBef>
-              <a:spcAft>
-                <a:spcPct val="0"/>
-              </a:spcAft>
-              <a:buClrTx/>
-              <a:buSzTx/>
-              <a:buNone/>
-            </a:pPr>
-            <a:endParaRPr lang="en-US" altLang="en-US" dirty="0">
-              <a:latin typeface="Aptos (Body)"/>
-            </a:endParaRPr>
-          </a:p>
-          <a:p>
-            <a:pPr marL="0" lvl="0" indent="0" eaLnBrk="0" fontAlgn="base" hangingPunct="0">
-              <a:lnSpc>
-                <a:spcPct val="100000"/>
-              </a:lnSpc>
-              <a:spcBef>
-                <a:spcPct val="0"/>
-              </a:spcBef>
-              <a:spcAft>
-                <a:spcPct val="0"/>
-              </a:spcAft>
-              <a:buClrTx/>
-              <a:buSzTx/>
-              <a:buFontTx/>
-              <a:buChar char="•"/>
-            </a:pPr>
-            <a:r>
-              <a:rPr lang="en-US" altLang="en-US" dirty="0">
-                <a:latin typeface="Aptos (Body)"/>
-              </a:rPr>
-              <a:t> </a:t>
-            </a:r>
-            <a:r>
-              <a:rPr lang="en-US" altLang="en-US" dirty="0">
-                <a:latin typeface="Calibri" panose="020F0502020204030204" pitchFamily="34" charset="0"/>
-                <a:cs typeface="Calibri" panose="020F0502020204030204" pitchFamily="34" charset="0"/>
-              </a:rPr>
-              <a:t>Real-time alerts and recommendations</a:t>
-            </a:r>
-          </a:p>
-          <a:p>
-            <a:pPr marL="0" lvl="0" indent="0" eaLnBrk="0" fontAlgn="base" hangingPunct="0">
-              <a:lnSpc>
-                <a:spcPct val="100000"/>
-              </a:lnSpc>
-              <a:spcBef>
-                <a:spcPct val="0"/>
-              </a:spcBef>
-              <a:spcAft>
-                <a:spcPct val="0"/>
-              </a:spcAft>
-              <a:buClrTx/>
-              <a:buSzTx/>
-              <a:buFontTx/>
-              <a:buChar char="•"/>
-            </a:pPr>
-            <a:endParaRPr lang="en-US" altLang="en-US" dirty="0">
-              <a:latin typeface="Calibri" panose="020F0502020204030204" pitchFamily="34" charset="0"/>
-              <a:cs typeface="Calibri" panose="020F0502020204030204" pitchFamily="34" charset="0"/>
-            </a:endParaRPr>
-          </a:p>
-          <a:p>
-            <a:pPr marL="0" lvl="0" indent="0" eaLnBrk="0" fontAlgn="base" hangingPunct="0">
-              <a:lnSpc>
-                <a:spcPct val="100000"/>
-              </a:lnSpc>
-              <a:spcBef>
-                <a:spcPct val="0"/>
-              </a:spcBef>
-              <a:spcAft>
-                <a:spcPct val="0"/>
-              </a:spcAft>
-              <a:buClrTx/>
-              <a:buSzTx/>
-              <a:buFontTx/>
-              <a:buChar char="•"/>
-            </a:pPr>
-            <a:r>
-              <a:rPr lang="en-US" altLang="en-US" dirty="0">
-                <a:latin typeface="Calibri" panose="020F0502020204030204" pitchFamily="34" charset="0"/>
-                <a:cs typeface="Calibri" panose="020F0502020204030204" pitchFamily="34" charset="0"/>
-              </a:rPr>
-              <a:t> Improved decision-making for nursing managers</a:t>
-            </a:r>
-          </a:p>
-          <a:p>
-            <a:pPr marL="0" lvl="0" indent="0" eaLnBrk="0" fontAlgn="base" hangingPunct="0">
-              <a:lnSpc>
-                <a:spcPct val="100000"/>
-              </a:lnSpc>
-              <a:spcBef>
-                <a:spcPct val="0"/>
-              </a:spcBef>
-              <a:spcAft>
-                <a:spcPct val="0"/>
-              </a:spcAft>
-              <a:buClrTx/>
-              <a:buSzTx/>
-              <a:buFontTx/>
-              <a:buChar char="•"/>
-            </a:pPr>
-            <a:endParaRPr lang="en-US" altLang="en-US" dirty="0">
-              <a:latin typeface="Calibri" panose="020F0502020204030204" pitchFamily="34" charset="0"/>
-              <a:cs typeface="Calibri" panose="020F0502020204030204" pitchFamily="34" charset="0"/>
-            </a:endParaRPr>
-          </a:p>
-          <a:p>
-            <a:pPr marL="0" lvl="0" indent="0" eaLnBrk="0" fontAlgn="base" hangingPunct="0">
-              <a:lnSpc>
-                <a:spcPct val="100000"/>
-              </a:lnSpc>
-              <a:spcBef>
-                <a:spcPct val="0"/>
-              </a:spcBef>
-              <a:spcAft>
-                <a:spcPct val="0"/>
-              </a:spcAft>
-              <a:buClrTx/>
-              <a:buSzTx/>
-              <a:buFontTx/>
-              <a:buChar char="•"/>
-            </a:pPr>
-            <a:r>
-              <a:rPr lang="en-US" altLang="en-US" dirty="0">
-                <a:latin typeface="Calibri" panose="020F0502020204030204" pitchFamily="34" charset="0"/>
-                <a:cs typeface="Calibri" panose="020F0502020204030204" pitchFamily="34" charset="0"/>
-              </a:rPr>
-              <a:t> Encourages collaboration among nursing staff</a:t>
-            </a:r>
-          </a:p>
-          <a:p>
-            <a:pPr marL="0" lvl="0" indent="0" eaLnBrk="0" fontAlgn="base" hangingPunct="0">
-              <a:lnSpc>
-                <a:spcPct val="100000"/>
-              </a:lnSpc>
-              <a:spcBef>
-                <a:spcPct val="0"/>
-              </a:spcBef>
-              <a:spcAft>
-                <a:spcPct val="0"/>
-              </a:spcAft>
-              <a:buClrTx/>
-              <a:buSzTx/>
-              <a:buFontTx/>
-              <a:buChar char="•"/>
-            </a:pPr>
-            <a:endParaRPr lang="en-US" altLang="en-US" dirty="0">
-              <a:latin typeface="Calibri" panose="020F0502020204030204" pitchFamily="34" charset="0"/>
-              <a:cs typeface="Calibri" panose="020F0502020204030204" pitchFamily="34" charset="0"/>
-            </a:endParaRPr>
-          </a:p>
-          <a:p>
-            <a:pPr marL="0" lvl="0" indent="0" eaLnBrk="0" fontAlgn="base" hangingPunct="0">
-              <a:lnSpc>
-                <a:spcPct val="100000"/>
-              </a:lnSpc>
-              <a:spcBef>
-                <a:spcPct val="0"/>
-              </a:spcBef>
-              <a:spcAft>
-                <a:spcPct val="0"/>
-              </a:spcAft>
-              <a:buClrTx/>
-              <a:buSzTx/>
-              <a:buFontTx/>
-              <a:buChar char="•"/>
-            </a:pPr>
-            <a:r>
-              <a:rPr lang="en-US" altLang="en-US" dirty="0">
-                <a:latin typeface="Calibri" panose="020F0502020204030204" pitchFamily="34" charset="0"/>
-                <a:cs typeface="Calibri" panose="020F0502020204030204" pitchFamily="34" charset="0"/>
-              </a:rPr>
-              <a:t> Setting guidelines and monitoring performance</a:t>
-            </a:r>
-          </a:p>
-          <a:p>
-            <a:pPr marL="0" lvl="0" indent="0" eaLnBrk="0" fontAlgn="base" hangingPunct="0">
-              <a:lnSpc>
-                <a:spcPct val="100000"/>
-              </a:lnSpc>
-              <a:spcBef>
-                <a:spcPct val="0"/>
-              </a:spcBef>
-              <a:spcAft>
-                <a:spcPct val="0"/>
-              </a:spcAft>
-              <a:buClrTx/>
-              <a:buSzTx/>
-              <a:buFontTx/>
-              <a:buChar char="•"/>
-            </a:pPr>
-            <a:endParaRPr lang="en-US" altLang="en-US" dirty="0">
-              <a:latin typeface="Calibri" panose="020F0502020204030204" pitchFamily="34" charset="0"/>
-              <a:cs typeface="Calibri" panose="020F0502020204030204" pitchFamily="34" charset="0"/>
-            </a:endParaRPr>
-          </a:p>
-          <a:p>
-            <a:pPr marL="0" lvl="0" indent="0" eaLnBrk="0" fontAlgn="base" hangingPunct="0">
-              <a:lnSpc>
-                <a:spcPct val="100000"/>
-              </a:lnSpc>
-              <a:spcBef>
-                <a:spcPct val="0"/>
-              </a:spcBef>
-              <a:spcAft>
-                <a:spcPct val="0"/>
-              </a:spcAft>
-              <a:buClrTx/>
-              <a:buSzTx/>
-              <a:buFontTx/>
-              <a:buChar char="•"/>
-            </a:pPr>
-            <a:r>
-              <a:rPr lang="en-US" altLang="en-US" dirty="0">
-                <a:latin typeface="Calibri" panose="020F0502020204030204" pitchFamily="34" charset="0"/>
-                <a:cs typeface="Calibri" panose="020F0502020204030204" pitchFamily="34" charset="0"/>
-              </a:rPr>
-              <a:t> Identifying training needs for effective CDSS use </a:t>
+            <a:r>
+              <a:rPr lang="en-ZA" dirty="0">
+                <a:latin typeface="Calibri" panose="020F0502020204030204" pitchFamily="34" charset="0"/>
+                <a:cs typeface="Calibri" panose="020F0502020204030204" pitchFamily="34" charset="0"/>
+              </a:rPr>
+              <a:t>Goal of the potential impact implementing a CDSS</a:t>
+            </a:r>
+          </a:p>
+          <a:p>
+            <a:r>
+              <a:rPr lang="en-ZA" dirty="0">
+                <a:latin typeface="Calibri" panose="020F0502020204030204" pitchFamily="34" charset="0"/>
+                <a:cs typeface="Calibri" panose="020F0502020204030204" pitchFamily="34" charset="0"/>
+              </a:rPr>
+              <a:t>Achievements </a:t>
+            </a:r>
+          </a:p>
+          <a:p>
+            <a:r>
+              <a:rPr lang="en-ZA" dirty="0">
+                <a:latin typeface="Calibri" panose="020F0502020204030204" pitchFamily="34" charset="0"/>
+                <a:cs typeface="Calibri" panose="020F0502020204030204" pitchFamily="34" charset="0"/>
+              </a:rPr>
+              <a:t>Limitations/Constraints</a:t>
+            </a:r>
+          </a:p>
+          <a:p>
+            <a:r>
+              <a:rPr lang="en-ZA" dirty="0">
+                <a:latin typeface="Calibri" panose="020F0502020204030204" pitchFamily="34" charset="0"/>
+                <a:cs typeface="Calibri" panose="020F0502020204030204" pitchFamily="34" charset="0"/>
+              </a:rPr>
+              <a:t>Conclusion of implementation</a:t>
             </a:r>
           </a:p>
           <a:p>
@@ -6155,7 +6037,7 @@
     </p:spTree>
     <p:extLst>
       <p:ext uri="{BB962C8B-B14F-4D97-AF65-F5344CB8AC3E}">
-        <p14:creationId xmlns:p14="http://schemas.microsoft.com/office/powerpoint/2010/main" val="3980299055"/>
+        <p14:creationId xmlns:p14="http://schemas.microsoft.com/office/powerpoint/2010/main" val="2553020786"/>
       </p:ext>
     </p:extLst>
   </p:cSld>
@@ -6199,7 +6081,7 @@
           <p:cNvPr id="2" name="Title 1">
             <a:extLst>
               <a:ext uri="{FF2B5EF4-FFF2-40B4-BE49-F238E27FC236}">
-                <a16:creationId xmlns:a16="http://schemas.microsoft.com/office/drawing/2014/main" id="{60C87B94-4D5C-4635-8227-867D03C6C1F1}"/>
+                <a16:creationId xmlns:a16="http://schemas.microsoft.com/office/drawing/2014/main" id="{BF6E3046-A749-4901-97A3-84DF54EB1CDD}"/>
               </a:ext>
             </a:extLst>
           </p:cNvPr>
@@ -6220,263 +6102,77 @@
                 <a:latin typeface="Calibri" panose="020F0502020204030204" pitchFamily="34" charset="0"/>
                 <a:cs typeface="Calibri" panose="020F0502020204030204" pitchFamily="34" charset="0"/>
               </a:rPr>
-              <a:t>NURSING CARE</a:t>
+              <a:t>IMPACT OF THE MANAGEMENT STRATEGY</a:t>
+            </a:r>
+            <a:endParaRPr lang="en-US" dirty="0"/>
+          </a:p>
+        </p:txBody>
+      </p:sp>
+      <p:sp>
+        <p:nvSpPr>
+          <p:cNvPr id="3" name="Content Placeholder 2">
+            <a:extLst>
+              <a:ext uri="{FF2B5EF4-FFF2-40B4-BE49-F238E27FC236}">
+                <a16:creationId xmlns:a16="http://schemas.microsoft.com/office/drawing/2014/main" id="{3B7F2E75-8580-4659-9E30-8604D8B38673}"/>
+              </a:ext>
+            </a:extLst>
+          </p:cNvPr>
+          <p:cNvSpPr>
+            <a:spLocks noGrp="1"/>
+          </p:cNvSpPr>
+          <p:nvPr>
+            <p:ph idx="1"/>
+          </p:nvPr>
+        </p:nvSpPr>
+        <p:spPr/>
+        <p:txBody>
+          <a:bodyPr/>
+          <a:lstStyle/>
+          <a:p>
+            <a:r>
+              <a:rPr lang="en-ZA" b="1" dirty="0">
+                <a:latin typeface="Calibri" panose="020F0502020204030204" pitchFamily="34" charset="0"/>
+                <a:cs typeface="Calibri" panose="020F0502020204030204" pitchFamily="34" charset="0"/>
+              </a:rPr>
+              <a:t>Overview of key focus areas:</a:t>
+            </a:r>
+          </a:p>
+          <a:p>
+            <a:pPr lvl="1"/>
+            <a:r>
+              <a:rPr lang="en-ZA" dirty="0">
+                <a:latin typeface="Calibri" panose="020F0502020204030204" pitchFamily="34" charset="0"/>
+                <a:cs typeface="Calibri" panose="020F0502020204030204" pitchFamily="34" charset="0"/>
+              </a:rPr>
+              <a:t>Nursing Management.</a:t>
+            </a:r>
+          </a:p>
+          <a:p>
+            <a:pPr lvl="1"/>
+            <a:r>
+              <a:rPr lang="en-ZA" dirty="0">
+                <a:latin typeface="Calibri" panose="020F0502020204030204" pitchFamily="34" charset="0"/>
+                <a:cs typeface="Calibri" panose="020F0502020204030204" pitchFamily="34" charset="0"/>
+              </a:rPr>
+              <a:t>Nursing Care.</a:t>
+            </a:r>
+          </a:p>
+          <a:p>
+            <a:pPr lvl="1"/>
+            <a:r>
+              <a:rPr lang="en-ZA" dirty="0">
+                <a:latin typeface="Calibri" panose="020F0502020204030204" pitchFamily="34" charset="0"/>
+                <a:cs typeface="Calibri" panose="020F0502020204030204" pitchFamily="34" charset="0"/>
+              </a:rPr>
+              <a:t>Patient Outcomes.</a:t>
             </a:r>
             <a:endParaRPr lang="en-US" dirty="0">
               <a:latin typeface="Calibri" panose="020F0502020204030204" pitchFamily="34" charset="0"/>
               <a:cs typeface="Calibri" panose="020F0502020204030204" pitchFamily="34" charset="0"/>
             </a:endParaRPr>
           </a:p>
-        </p:txBody>
-      </p:sp>
-      <p:sp>
-        <p:nvSpPr>
-          <p:cNvPr id="3" name="Content Placeholder 2">
-            <a:extLst>
-              <a:ext uri="{FF2B5EF4-FFF2-40B4-BE49-F238E27FC236}">
-                <a16:creationId xmlns:a16="http://schemas.microsoft.com/office/drawing/2014/main" id="{A7B3D3A8-AB46-4838-88C9-E1CD8A85F035}"/>
-              </a:ext>
-            </a:extLst>
-          </p:cNvPr>
-          <p:cNvSpPr>
-            <a:spLocks noGrp="1"/>
-          </p:cNvSpPr>
-          <p:nvPr>
-            <p:ph idx="1"/>
-          </p:nvPr>
-        </p:nvSpPr>
-        <p:spPr/>
-        <p:txBody>
-          <a:bodyPr/>
-          <a:lstStyle/>
-          <a:p>
-            <a:pPr marL="0" lvl="0" indent="0" eaLnBrk="0" fontAlgn="base" hangingPunct="0">
-              <a:lnSpc>
-                <a:spcPct val="100000"/>
-              </a:lnSpc>
-              <a:spcBef>
-                <a:spcPct val="0"/>
-              </a:spcBef>
-              <a:spcAft>
-                <a:spcPct val="0"/>
-              </a:spcAft>
-              <a:buClrTx/>
-              <a:buSzTx/>
-              <a:buNone/>
-            </a:pPr>
-            <a:endParaRPr lang="en-US" altLang="en-US" dirty="0">
-              <a:latin typeface="Aptos (Body)"/>
-            </a:endParaRPr>
-          </a:p>
-          <a:p>
-            <a:pPr marL="0" lvl="0" indent="0" eaLnBrk="0" fontAlgn="base" hangingPunct="0">
-              <a:lnSpc>
-                <a:spcPct val="100000"/>
-              </a:lnSpc>
-              <a:spcBef>
-                <a:spcPct val="0"/>
-              </a:spcBef>
-              <a:spcAft>
-                <a:spcPct val="0"/>
-              </a:spcAft>
-              <a:buClrTx/>
-              <a:buSzTx/>
-              <a:buFontTx/>
-              <a:buChar char="•"/>
-            </a:pPr>
-            <a:r>
-              <a:rPr lang="en-US" altLang="en-US" dirty="0">
-                <a:latin typeface="Aptos (Body)"/>
-              </a:rPr>
-              <a:t> </a:t>
-            </a:r>
-            <a:r>
-              <a:rPr lang="en-US" altLang="en-US" dirty="0">
-                <a:latin typeface="Calibri" panose="020F0502020204030204" pitchFamily="34" charset="0"/>
-                <a:cs typeface="Calibri" panose="020F0502020204030204" pitchFamily="34" charset="0"/>
-              </a:rPr>
-              <a:t>Simplified diagnosis and assessment of patients</a:t>
-            </a:r>
-          </a:p>
-          <a:p>
-            <a:pPr marL="0" lvl="0" indent="0" eaLnBrk="0" fontAlgn="base" hangingPunct="0">
-              <a:lnSpc>
-                <a:spcPct val="100000"/>
-              </a:lnSpc>
-              <a:spcBef>
-                <a:spcPct val="0"/>
-              </a:spcBef>
-              <a:spcAft>
-                <a:spcPct val="0"/>
-              </a:spcAft>
-              <a:buClrTx/>
-              <a:buSzTx/>
-              <a:buFontTx/>
-              <a:buChar char="•"/>
-            </a:pPr>
-            <a:endParaRPr lang="en-US" altLang="en-US" dirty="0">
-              <a:latin typeface="Calibri" panose="020F0502020204030204" pitchFamily="34" charset="0"/>
-              <a:cs typeface="Calibri" panose="020F0502020204030204" pitchFamily="34" charset="0"/>
-            </a:endParaRPr>
-          </a:p>
-          <a:p>
-            <a:pPr marL="0" lvl="0" indent="0" eaLnBrk="0" fontAlgn="base" hangingPunct="0">
-              <a:lnSpc>
-                <a:spcPct val="100000"/>
-              </a:lnSpc>
-              <a:spcBef>
-                <a:spcPct val="0"/>
-              </a:spcBef>
-              <a:spcAft>
-                <a:spcPct val="0"/>
-              </a:spcAft>
-              <a:buClrTx/>
-              <a:buSzTx/>
-              <a:buFontTx/>
-              <a:buChar char="•"/>
-            </a:pPr>
-            <a:r>
-              <a:rPr lang="en-US" altLang="en-US" dirty="0">
-                <a:latin typeface="Calibri" panose="020F0502020204030204" pitchFamily="34" charset="0"/>
-                <a:cs typeface="Calibri" panose="020F0502020204030204" pitchFamily="34" charset="0"/>
-              </a:rPr>
-              <a:t> Quick and accurate symptom analysis tools</a:t>
-            </a:r>
-          </a:p>
-          <a:p>
-            <a:pPr marL="0" lvl="0" indent="0" eaLnBrk="0" fontAlgn="base" hangingPunct="0">
-              <a:lnSpc>
-                <a:spcPct val="100000"/>
-              </a:lnSpc>
-              <a:spcBef>
-                <a:spcPct val="0"/>
-              </a:spcBef>
-              <a:spcAft>
-                <a:spcPct val="0"/>
-              </a:spcAft>
-              <a:buClrTx/>
-              <a:buSzTx/>
-              <a:buFontTx/>
-              <a:buChar char="•"/>
-            </a:pPr>
-            <a:endParaRPr lang="en-US" altLang="en-US" dirty="0">
-              <a:latin typeface="Calibri" panose="020F0502020204030204" pitchFamily="34" charset="0"/>
-              <a:cs typeface="Calibri" panose="020F0502020204030204" pitchFamily="34" charset="0"/>
-            </a:endParaRPr>
-          </a:p>
-          <a:p>
-            <a:pPr marL="0" lvl="0" indent="0" eaLnBrk="0" fontAlgn="base" hangingPunct="0">
-              <a:lnSpc>
-                <a:spcPct val="100000"/>
-              </a:lnSpc>
-              <a:spcBef>
-                <a:spcPct val="0"/>
-              </a:spcBef>
-              <a:spcAft>
-                <a:spcPct val="0"/>
-              </a:spcAft>
-              <a:buClrTx/>
-              <a:buSzTx/>
-              <a:buFontTx/>
-              <a:buChar char="•"/>
-            </a:pPr>
-            <a:r>
-              <a:rPr lang="en-US" altLang="en-US" dirty="0">
-                <a:latin typeface="Calibri" panose="020F0502020204030204" pitchFamily="34" charset="0"/>
-                <a:cs typeface="Calibri" panose="020F0502020204030204" pitchFamily="34" charset="0"/>
-              </a:rPr>
-              <a:t> Building trust and effective communication with patients</a:t>
-            </a:r>
-          </a:p>
-          <a:p>
-            <a:pPr marL="0" lvl="0" indent="0" eaLnBrk="0" fontAlgn="base" hangingPunct="0">
-              <a:lnSpc>
-                <a:spcPct val="100000"/>
-              </a:lnSpc>
-              <a:spcBef>
-                <a:spcPct val="0"/>
-              </a:spcBef>
-              <a:spcAft>
-                <a:spcPct val="0"/>
-              </a:spcAft>
-              <a:buClrTx/>
-              <a:buSzTx/>
-              <a:buFontTx/>
-              <a:buChar char="•"/>
-            </a:pPr>
-            <a:endParaRPr lang="en-US" altLang="en-US" dirty="0">
-              <a:latin typeface="Calibri" panose="020F0502020204030204" pitchFamily="34" charset="0"/>
-              <a:cs typeface="Calibri" panose="020F0502020204030204" pitchFamily="34" charset="0"/>
-            </a:endParaRPr>
-          </a:p>
-          <a:p>
-            <a:pPr marL="0" lvl="0" indent="0" eaLnBrk="0" fontAlgn="base" hangingPunct="0">
-              <a:lnSpc>
-                <a:spcPct val="100000"/>
-              </a:lnSpc>
-              <a:spcBef>
-                <a:spcPct val="0"/>
-              </a:spcBef>
-              <a:spcAft>
-                <a:spcPct val="0"/>
-              </a:spcAft>
-              <a:buClrTx/>
-              <a:buSzTx/>
-              <a:buFontTx/>
-              <a:buChar char="•"/>
-            </a:pPr>
-            <a:r>
-              <a:rPr lang="en-US" altLang="en-US" dirty="0">
-                <a:latin typeface="Calibri" panose="020F0502020204030204" pitchFamily="34" charset="0"/>
-                <a:cs typeface="Calibri" panose="020F0502020204030204" pitchFamily="34" charset="0"/>
-              </a:rPr>
-              <a:t> Keeping nurses updated on latest treatments and guidelines</a:t>
-            </a:r>
-          </a:p>
-          <a:p>
-            <a:pPr marL="0" lvl="0" indent="0" eaLnBrk="0" fontAlgn="base" hangingPunct="0">
-              <a:lnSpc>
-                <a:spcPct val="100000"/>
-              </a:lnSpc>
-              <a:spcBef>
-                <a:spcPct val="0"/>
-              </a:spcBef>
-              <a:spcAft>
-                <a:spcPct val="0"/>
-              </a:spcAft>
-              <a:buClrTx/>
-              <a:buSzTx/>
-              <a:buFontTx/>
-              <a:buChar char="•"/>
-            </a:pPr>
-            <a:endParaRPr lang="en-US" altLang="en-US" dirty="0">
-              <a:latin typeface="Calibri" panose="020F0502020204030204" pitchFamily="34" charset="0"/>
-              <a:cs typeface="Calibri" panose="020F0502020204030204" pitchFamily="34" charset="0"/>
-            </a:endParaRPr>
-          </a:p>
-          <a:p>
-            <a:pPr marL="0" lvl="0" indent="0" eaLnBrk="0" fontAlgn="base" hangingPunct="0">
-              <a:lnSpc>
-                <a:spcPct val="100000"/>
-              </a:lnSpc>
-              <a:spcBef>
-                <a:spcPct val="0"/>
-              </a:spcBef>
-              <a:spcAft>
-                <a:spcPct val="0"/>
-              </a:spcAft>
-              <a:buClrTx/>
-              <a:buSzTx/>
-              <a:buFontTx/>
-              <a:buChar char="•"/>
-            </a:pPr>
-            <a:r>
-              <a:rPr lang="en-US" altLang="en-US" dirty="0">
-                <a:latin typeface="Calibri" panose="020F0502020204030204" pitchFamily="34" charset="0"/>
-                <a:cs typeface="Calibri" panose="020F0502020204030204" pitchFamily="34" charset="0"/>
-              </a:rPr>
-              <a:t> Tailoring care based on patient-specific needs </a:t>
-            </a:r>
+          <a:p>
+            <a:endParaRPr lang="en-US" dirty="0"/>
           </a:p>
           <a:p>
             <a:endParaRPr lang="en-US" dirty="0"/>
@@ -6486,7 +6182,7 @@
     </p:spTree>
     <p:extLst>
       <p:ext uri="{BB962C8B-B14F-4D97-AF65-F5344CB8AC3E}">
-        <p14:creationId xmlns:p14="http://schemas.microsoft.com/office/powerpoint/2010/main" val="2703400444"/>
+        <p14:creationId xmlns:p14="http://schemas.microsoft.com/office/powerpoint/2010/main" val="4192928946"/>
       </p:ext>
     </p:extLst>
   </p:cSld>
@@ -6551,7 +6247,7 @@
                 <a:latin typeface="Calibri" panose="020F0502020204030204" pitchFamily="34" charset="0"/>
                 <a:cs typeface="Calibri" panose="020F0502020204030204" pitchFamily="34" charset="0"/>
               </a:rPr>
-              <a:t>INTRODUCTION</a:t>
+              <a:t>Team MEMBERS</a:t>
             </a:r>
             <a:endParaRPr lang="en-US" dirty="0">
               <a:latin typeface="Calibri" panose="020F0502020204030204" pitchFamily="34" charset="0"/>
@@ -6562,75 +6258,303 @@
       </p:sp>
       <p:sp>
         <p:nvSpPr>
-          <p:cNvPr id="3" name="Content Placeholder 2">
+          <p:cNvPr id="4" name="TextBox 3">
             <a:extLst>
               <a:ext uri="{FF2B5EF4-FFF2-40B4-BE49-F238E27FC236}">
-                <a16:creationId xmlns:a16="http://schemas.microsoft.com/office/drawing/2014/main" id="{0E944C43-87A0-427D-941E-F6AD1D2B0229}"/>
+                <a16:creationId xmlns:a16="http://schemas.microsoft.com/office/drawing/2014/main" id="{54AA5122-EEEB-08CA-B9F3-556D97C8BDA0}"/>
               </a:ext>
             </a:extLst>
           </p:cNvPr>
-          <p:cNvSpPr>
-            <a:spLocks noGrp="1"/>
-          </p:cNvSpPr>
-          <p:nvPr>
-            <p:ph idx="1"/>
-          </p:nvPr>
-        </p:nvSpPr>
-        <p:spPr/>
-        <p:txBody>
-          <a:bodyPr/>
+          <p:cNvSpPr txBox="1"/>
+          <p:nvPr/>
+        </p:nvSpPr>
+        <p:spPr>
+          <a:xfrm>
+            <a:off x="1451578" y="2153557"/>
+            <a:ext cx="9603275" cy="2959785"/>
+          </a:xfrm>
+          <a:prstGeom prst="rect">
+            <a:avLst/>
+          </a:prstGeom>
+          <a:noFill/>
+        </p:spPr>
+        <p:txBody>
+          <a:bodyPr wrap="square" rtlCol="0">
+            <a:spAutoFit/>
+          </a:bodyPr>
           <a:lstStyle/>
           <a:p>
-            <a:r>
-              <a:rPr lang="en-ZA" b="1" dirty="0">
-                <a:latin typeface="Calibri" panose="020F0502020204030204" pitchFamily="34" charset="0"/>
-                <a:cs typeface="Calibri" panose="020F0502020204030204" pitchFamily="34" charset="0"/>
-              </a:rPr>
-              <a:t>Background: </a:t>
-            </a:r>
-            <a:r>
-              <a:rPr lang="en-ZA" dirty="0">
-                <a:latin typeface="Calibri" panose="020F0502020204030204" pitchFamily="34" charset="0"/>
-                <a:cs typeface="Calibri" panose="020F0502020204030204" pitchFamily="34" charset="0"/>
-              </a:rPr>
-              <a:t>Cancer misdiagnosis is a critical issue, often arising from human error in assessing symptoms or ordering the right tests.</a:t>
-            </a:r>
-          </a:p>
-          <a:p>
-            <a:r>
-              <a:rPr lang="en-ZA" b="1" dirty="0">
-                <a:latin typeface="Calibri" panose="020F0502020204030204" pitchFamily="34" charset="0"/>
-                <a:cs typeface="Calibri" panose="020F0502020204030204" pitchFamily="34" charset="0"/>
-              </a:rPr>
-              <a:t>Objective of CDSS: </a:t>
-            </a:r>
-            <a:r>
-              <a:rPr lang="en-ZA" dirty="0">
-                <a:latin typeface="Calibri" panose="020F0502020204030204" pitchFamily="34" charset="0"/>
-                <a:cs typeface="Calibri" panose="020F0502020204030204" pitchFamily="34" charset="0"/>
-              </a:rPr>
-              <a:t>Develop a Clinical Support System (CDSS) that assists healthcare providers by providing evidence-based insights for diagnosing cancer</a:t>
-            </a:r>
-          </a:p>
-          <a:p>
-            <a:r>
-              <a:rPr lang="en-ZA" b="1" dirty="0">
-                <a:latin typeface="Calibri" panose="020F0502020204030204" pitchFamily="34" charset="0"/>
-                <a:cs typeface="Calibri" panose="020F0502020204030204" pitchFamily="34" charset="0"/>
-              </a:rPr>
-              <a:t>Expected Outcomes: </a:t>
-            </a:r>
-            <a:r>
-              <a:rPr lang="en-ZA" dirty="0">
-                <a:latin typeface="Calibri" panose="020F0502020204030204" pitchFamily="34" charset="0"/>
-                <a:cs typeface="Calibri" panose="020F0502020204030204" pitchFamily="34" charset="0"/>
-              </a:rPr>
-              <a:t>Improve quality of care in cancer wards by reducing diagnostic errors, speeding up diagnosis, and facilitating better patient management..</a:t>
-            </a:r>
-            <a:endParaRPr lang="en-US" b="1" dirty="0">
-              <a:latin typeface="Calibri" panose="020F0502020204030204" pitchFamily="34" charset="0"/>
-              <a:cs typeface="Calibri" panose="020F0502020204030204" pitchFamily="34" charset="0"/>
+            <a:pPr algn="ctr">
+              <a:lnSpc>
+                <a:spcPct val="150000"/>
+              </a:lnSpc>
+              <a:spcAft>
+                <a:spcPts val="800"/>
+              </a:spcAft>
+            </a:pPr>
+            <a:r>
+              <a:rPr lang="en-ZA" sz="1800" kern="100" dirty="0">
+                <a:solidFill>
+                  <a:srgbClr val="000000"/>
+                </a:solidFill>
+                <a:effectLst/>
+                <a:latin typeface="Arial" panose="020B0604020202020204" pitchFamily="34" charset="0"/>
+                <a:ea typeface="Aptos" panose="020B0004020202020204" pitchFamily="34" charset="0"/>
+                <a:cs typeface="Times New Roman" panose="02020603050405020304" pitchFamily="18" charset="0"/>
+              </a:rPr>
+              <a:t>Mr Naidoo Max Christopher</a:t>
+            </a:r>
+            <a:endParaRPr lang="en-ZA" sz="1800" kern="100" dirty="0">
+              <a:effectLst/>
+              <a:latin typeface="Aptos" panose="020B0004020202020204" pitchFamily="34" charset="0"/>
+              <a:ea typeface="Aptos" panose="020B0004020202020204" pitchFamily="34" charset="0"/>
+              <a:cs typeface="Times New Roman" panose="02020603050405020304" pitchFamily="18" charset="0"/>
             </a:endParaRPr>
+          </a:p>
+          <a:p>
+            <a:pPr algn="ctr">
+              <a:lnSpc>
+                <a:spcPct val="150000"/>
+              </a:lnSpc>
+              <a:spcAft>
+                <a:spcPts val="800"/>
+              </a:spcAft>
+            </a:pPr>
+            <a:r>
+              <a:rPr lang="en-ZA" sz="1800" kern="100" dirty="0">
+                <a:solidFill>
+                  <a:srgbClr val="000000"/>
+                </a:solidFill>
+                <a:effectLst/>
+                <a:latin typeface="Arial" panose="020B0604020202020204" pitchFamily="34" charset="0"/>
+                <a:ea typeface="Aptos" panose="020B0004020202020204" pitchFamily="34" charset="0"/>
+                <a:cs typeface="Times New Roman" panose="02020603050405020304" pitchFamily="18" charset="0"/>
+              </a:rPr>
+              <a:t>M</a:t>
+            </a:r>
+            <a:r>
+              <a:rPr lang="en-ZA" kern="100" dirty="0">
+                <a:solidFill>
+                  <a:srgbClr val="000000"/>
+                </a:solidFill>
+                <a:latin typeface="Arial" panose="020B0604020202020204" pitchFamily="34" charset="0"/>
+                <a:ea typeface="Aptos" panose="020B0004020202020204" pitchFamily="34" charset="0"/>
+                <a:cs typeface="Times New Roman" panose="02020603050405020304" pitchFamily="18" charset="0"/>
+              </a:rPr>
+              <a:t>r </a:t>
+            </a:r>
+            <a:r>
+              <a:rPr lang="en-ZA" sz="1800" kern="100" dirty="0">
+                <a:solidFill>
+                  <a:srgbClr val="000000"/>
+                </a:solidFill>
+                <a:effectLst/>
+                <a:latin typeface="Arial" panose="020B0604020202020204" pitchFamily="34" charset="0"/>
+                <a:ea typeface="Aptos" panose="020B0004020202020204" pitchFamily="34" charset="0"/>
+                <a:cs typeface="Times New Roman" panose="02020603050405020304" pitchFamily="18" charset="0"/>
+              </a:rPr>
+              <a:t>Nkanini Avela</a:t>
+            </a:r>
+            <a:endParaRPr lang="en-ZA" sz="1800" kern="100" dirty="0">
+              <a:effectLst/>
+              <a:latin typeface="Aptos" panose="020B0004020202020204" pitchFamily="34" charset="0"/>
+              <a:ea typeface="Aptos" panose="020B0004020202020204" pitchFamily="34" charset="0"/>
+              <a:cs typeface="Times New Roman" panose="02020603050405020304" pitchFamily="18" charset="0"/>
+            </a:endParaRPr>
+          </a:p>
+          <a:p>
+            <a:pPr algn="ctr">
+              <a:lnSpc>
+                <a:spcPct val="150000"/>
+              </a:lnSpc>
+              <a:spcAft>
+                <a:spcPts val="800"/>
+              </a:spcAft>
+            </a:pPr>
+            <a:r>
+              <a:rPr lang="en-ZA" sz="1800" kern="100" dirty="0">
+                <a:solidFill>
+                  <a:srgbClr val="000000"/>
+                </a:solidFill>
+                <a:effectLst/>
+                <a:latin typeface="Arial" panose="020B0604020202020204" pitchFamily="34" charset="0"/>
+                <a:ea typeface="Aptos" panose="020B0004020202020204" pitchFamily="34" charset="0"/>
+                <a:cs typeface="Times New Roman" panose="02020603050405020304" pitchFamily="18" charset="0"/>
+              </a:rPr>
+              <a:t>Mr </a:t>
+            </a:r>
+            <a:r>
+              <a:rPr lang="en-ZA" sz="1800" kern="100" dirty="0" err="1">
+                <a:solidFill>
+                  <a:srgbClr val="000000"/>
+                </a:solidFill>
+                <a:effectLst/>
+                <a:latin typeface="Arial" panose="020B0604020202020204" pitchFamily="34" charset="0"/>
+                <a:ea typeface="Aptos" panose="020B0004020202020204" pitchFamily="34" charset="0"/>
+                <a:cs typeface="Times New Roman" panose="02020603050405020304" pitchFamily="18" charset="0"/>
+              </a:rPr>
+              <a:t>Nxam</a:t>
+            </a:r>
+            <a:r>
+              <a:rPr lang="en-ZA" sz="1800" kern="100" dirty="0">
+                <a:solidFill>
+                  <a:srgbClr val="000000"/>
+                </a:solidFill>
+                <a:effectLst/>
+                <a:latin typeface="Arial" panose="020B0604020202020204" pitchFamily="34" charset="0"/>
+                <a:ea typeface="Aptos" panose="020B0004020202020204" pitchFamily="34" charset="0"/>
+                <a:cs typeface="Times New Roman" panose="02020603050405020304" pitchFamily="18" charset="0"/>
+              </a:rPr>
+              <a:t> </a:t>
+            </a:r>
+            <a:r>
+              <a:rPr lang="en-ZA" sz="1800" kern="100" dirty="0" err="1">
+                <a:solidFill>
+                  <a:srgbClr val="000000"/>
+                </a:solidFill>
+                <a:effectLst/>
+                <a:latin typeface="Arial" panose="020B0604020202020204" pitchFamily="34" charset="0"/>
+                <a:ea typeface="Aptos" panose="020B0004020202020204" pitchFamily="34" charset="0"/>
+                <a:cs typeface="Times New Roman" panose="02020603050405020304" pitchFamily="18" charset="0"/>
+              </a:rPr>
+              <a:t>Asemahle</a:t>
+            </a:r>
+            <a:endParaRPr lang="en-ZA" sz="1800" kern="100" dirty="0">
+              <a:effectLst/>
+              <a:latin typeface="Aptos" panose="020B0004020202020204" pitchFamily="34" charset="0"/>
+              <a:ea typeface="Aptos" panose="020B0004020202020204" pitchFamily="34" charset="0"/>
+              <a:cs typeface="Times New Roman" panose="02020603050405020304" pitchFamily="18" charset="0"/>
+            </a:endParaRPr>
+          </a:p>
+          <a:p>
+            <a:pPr algn="ctr">
+              <a:lnSpc>
+                <a:spcPct val="150000"/>
+              </a:lnSpc>
+              <a:spcAft>
+                <a:spcPts val="800"/>
+              </a:spcAft>
+            </a:pPr>
+            <a:r>
+              <a:rPr lang="en-ZA" sz="1800" kern="100" dirty="0">
+                <a:solidFill>
+                  <a:srgbClr val="000000"/>
+                </a:solidFill>
+                <a:effectLst/>
+                <a:latin typeface="Arial" panose="020B0604020202020204" pitchFamily="34" charset="0"/>
+                <a:ea typeface="Aptos" panose="020B0004020202020204" pitchFamily="34" charset="0"/>
+                <a:cs typeface="Times New Roman" panose="02020603050405020304" pitchFamily="18" charset="0"/>
+              </a:rPr>
+              <a:t>Mr </a:t>
+            </a:r>
+            <a:r>
+              <a:rPr lang="en-ZA" sz="1800" kern="100" dirty="0" err="1">
+                <a:solidFill>
+                  <a:srgbClr val="000000"/>
+                </a:solidFill>
+                <a:effectLst/>
+                <a:latin typeface="Arial" panose="020B0604020202020204" pitchFamily="34" charset="0"/>
+                <a:ea typeface="Aptos" panose="020B0004020202020204" pitchFamily="34" charset="0"/>
+                <a:cs typeface="Times New Roman" panose="02020603050405020304" pitchFamily="18" charset="0"/>
+              </a:rPr>
+              <a:t>Zide</a:t>
+            </a:r>
+            <a:r>
+              <a:rPr lang="en-ZA" sz="1800" kern="100" dirty="0">
+                <a:solidFill>
+                  <a:srgbClr val="000000"/>
+                </a:solidFill>
+                <a:effectLst/>
+                <a:latin typeface="Arial" panose="020B0604020202020204" pitchFamily="34" charset="0"/>
+                <a:ea typeface="Aptos" panose="020B0004020202020204" pitchFamily="34" charset="0"/>
+                <a:cs typeface="Times New Roman" panose="02020603050405020304" pitchFamily="18" charset="0"/>
+              </a:rPr>
+              <a:t> </a:t>
+            </a:r>
+            <a:r>
+              <a:rPr lang="en-ZA" sz="1800" kern="100" dirty="0" err="1">
+                <a:solidFill>
+                  <a:srgbClr val="000000"/>
+                </a:solidFill>
+                <a:effectLst/>
+                <a:latin typeface="Arial" panose="020B0604020202020204" pitchFamily="34" charset="0"/>
+                <a:ea typeface="Aptos" panose="020B0004020202020204" pitchFamily="34" charset="0"/>
+                <a:cs typeface="Times New Roman" panose="02020603050405020304" pitchFamily="18" charset="0"/>
+              </a:rPr>
+              <a:t>Yandisa</a:t>
+            </a:r>
+            <a:endParaRPr lang="en-ZA" sz="1800" kern="100" dirty="0">
+              <a:effectLst/>
+              <a:latin typeface="Aptos" panose="020B0004020202020204" pitchFamily="34" charset="0"/>
+              <a:ea typeface="Aptos" panose="020B0004020202020204" pitchFamily="34" charset="0"/>
+              <a:cs typeface="Times New Roman" panose="02020603050405020304" pitchFamily="18" charset="0"/>
+            </a:endParaRPr>
+          </a:p>
+          <a:p>
+            <a:pPr algn="ctr">
+              <a:lnSpc>
+                <a:spcPct val="150000"/>
+              </a:lnSpc>
+              <a:spcAft>
+                <a:spcPts val="800"/>
+              </a:spcAft>
+            </a:pPr>
+            <a:r>
+              <a:rPr lang="en-ZA" kern="100" dirty="0">
+                <a:solidFill>
+                  <a:srgbClr val="000000"/>
+                </a:solidFill>
+                <a:latin typeface="Arial" panose="020B0604020202020204" pitchFamily="34" charset="0"/>
+                <a:ea typeface="Aptos" panose="020B0004020202020204" pitchFamily="34" charset="0"/>
+                <a:cs typeface="Times New Roman" panose="02020603050405020304" pitchFamily="18" charset="0"/>
+              </a:rPr>
+              <a:t>Mr </a:t>
+            </a:r>
+            <a:r>
+              <a:rPr lang="en-ZA" sz="1800" kern="100" dirty="0" err="1">
+                <a:solidFill>
+                  <a:srgbClr val="000000"/>
+                </a:solidFill>
+                <a:effectLst/>
+                <a:latin typeface="Arial" panose="020B0604020202020204" pitchFamily="34" charset="0"/>
+                <a:ea typeface="Aptos" panose="020B0004020202020204" pitchFamily="34" charset="0"/>
+                <a:cs typeface="Times New Roman" panose="02020603050405020304" pitchFamily="18" charset="0"/>
+              </a:rPr>
+              <a:t>Zolwana</a:t>
+            </a:r>
+            <a:r>
+              <a:rPr lang="en-ZA" sz="1800" kern="100" dirty="0">
+                <a:solidFill>
+                  <a:srgbClr val="000000"/>
+                </a:solidFill>
+                <a:effectLst/>
+                <a:latin typeface="Arial" panose="020B0604020202020204" pitchFamily="34" charset="0"/>
+                <a:ea typeface="Aptos" panose="020B0004020202020204" pitchFamily="34" charset="0"/>
+                <a:cs typeface="Times New Roman" panose="02020603050405020304" pitchFamily="18" charset="0"/>
+              </a:rPr>
+              <a:t> </a:t>
+            </a:r>
+            <a:r>
+              <a:rPr lang="en-ZA" sz="1800" kern="100" dirty="0" err="1">
+                <a:solidFill>
+                  <a:srgbClr val="000000"/>
+                </a:solidFill>
+                <a:effectLst/>
+                <a:latin typeface="Arial" panose="020B0604020202020204" pitchFamily="34" charset="0"/>
+                <a:ea typeface="Aptos" panose="020B0004020202020204" pitchFamily="34" charset="0"/>
+                <a:cs typeface="Times New Roman" panose="02020603050405020304" pitchFamily="18" charset="0"/>
+              </a:rPr>
+              <a:t>Saneze</a:t>
+            </a:r>
+            <a:endParaRPr lang="en-ZA" sz="1800" kern="100" dirty="0">
+              <a:effectLst/>
+              <a:latin typeface="Aptos" panose="020B0004020202020204" pitchFamily="34" charset="0"/>
+              <a:ea typeface="Aptos" panose="020B0004020202020204" pitchFamily="34" charset="0"/>
+              <a:cs typeface="Times New Roman" panose="02020603050405020304" pitchFamily="18" charset="0"/>
+            </a:endParaRPr>
+          </a:p>
+          <a:p>
+            <a:endParaRPr lang="en-ZA" dirty="0"/>
           </a:p>
         </p:txBody>
       </p:sp>
@@ -6681,7 +6605,7 @@
           <p:cNvPr id="2" name="Title 1">
             <a:extLst>
               <a:ext uri="{FF2B5EF4-FFF2-40B4-BE49-F238E27FC236}">
-                <a16:creationId xmlns:a16="http://schemas.microsoft.com/office/drawing/2014/main" id="{685203E3-B8DD-4CC5-ADAF-65294C848821}"/>
+                <a16:creationId xmlns:a16="http://schemas.microsoft.com/office/drawing/2014/main" id="{80E82DCD-17AE-4F53-A504-77B2BF04BBFB}"/>
               </a:ext>
             </a:extLst>
           </p:cNvPr>
@@ -6702,7 +6626,7 @@
                 <a:latin typeface="Calibri" panose="020F0502020204030204" pitchFamily="34" charset="0"/>
                 <a:cs typeface="Calibri" panose="020F0502020204030204" pitchFamily="34" charset="0"/>
               </a:rPr>
-              <a:t>PATIENT OUTCOMES</a:t>
+              <a:t>NURSING MANAGEMENT</a:t>
             </a:r>
             <a:endParaRPr lang="en-US" dirty="0">
               <a:latin typeface="Calibri" panose="020F0502020204030204" pitchFamily="34" charset="0"/>
@@ -6716,7 +6640,7 @@
           <p:cNvPr id="3" name="Content Placeholder 2">
             <a:extLst>
               <a:ext uri="{FF2B5EF4-FFF2-40B4-BE49-F238E27FC236}">
-                <a16:creationId xmlns:a16="http://schemas.microsoft.com/office/drawing/2014/main" id="{6B90C9E9-B97E-43CA-977B-FA84D4B6F2EC}"/>
+                <a16:creationId xmlns:a16="http://schemas.microsoft.com/office/drawing/2014/main" id="{F10EE886-F679-46FC-BED8-0256650F869A}"/>
               </a:ext>
             </a:extLst>
           </p:cNvPr>
@@ -6729,9 +6653,7 @@
         </p:nvSpPr>
         <p:spPr/>
         <p:txBody>
-          <a:bodyPr>
-            <a:normAutofit/>
-          </a:bodyPr>
+          <a:bodyPr/>
           <a:lstStyle/>
           <a:p>
             <a:pPr marL="0" lvl="0" indent="0" eaLnBrk="0" fontAlgn="base" hangingPunct="0">
@@ -6772,15 +6694,12 @@
               <a:rPr lang="en-US" altLang="en-US" dirty="0">
                 <a:latin typeface="Aptos (Body)"/>
               </a:rPr>
-              <a:t> </a:t>
-            </a:r>
-            <a:r>
-              <a:rPr lang="en-US" altLang="en-US" dirty="0">
-                <a:latin typeface="Calibri" panose="020F0502020204030204" pitchFamily="34" charset="0"/>
-                <a:cs typeface="Calibri" panose="020F0502020204030204" pitchFamily="34" charset="0"/>
-              </a:rPr>
-              <a:t>Early diagnoses and appropriate treatments</a:t>
-            </a:r>
+              <a:t>Will Bring improvements to nursing management in cancer wards.</a:t>
+            </a:r>
+            <a:endParaRPr lang="en-US" altLang="en-US" dirty="0">
+              <a:latin typeface="Calibri" panose="020F0502020204030204" pitchFamily="34" charset="0"/>
+              <a:cs typeface="Calibri" panose="020F0502020204030204" pitchFamily="34" charset="0"/>
+            </a:endParaRPr>
           </a:p>
           <a:p>
             <a:pPr marL="0" lvl="0" indent="0" eaLnBrk="0" fontAlgn="base" hangingPunct="0">
@@ -6824,7 +6743,7 @@
                 <a:latin typeface="Calibri" panose="020F0502020204030204" pitchFamily="34" charset="0"/>
                 <a:cs typeface="Calibri" panose="020F0502020204030204" pitchFamily="34" charset="0"/>
               </a:rPr>
-              <a:t> Personalized treatment recommendations</a:t>
+              <a:t>Provide real time alert and recommendations that are based on patient symptoms.</a:t>
             </a:r>
           </a:p>
           <a:p>
@@ -6869,7 +6788,7 @@
                 <a:latin typeface="Calibri" panose="020F0502020204030204" pitchFamily="34" charset="0"/>
                 <a:cs typeface="Calibri" panose="020F0502020204030204" pitchFamily="34" charset="0"/>
               </a:rPr>
-              <a:t> Reducing the risk of diagnostic errors</a:t>
+              <a:t>Empower nursing managers to make informed decisions quickly.</a:t>
             </a:r>
           </a:p>
           <a:p>
@@ -6914,7 +6833,7 @@
                 <a:latin typeface="Calibri" panose="020F0502020204030204" pitchFamily="34" charset="0"/>
                 <a:cs typeface="Calibri" panose="020F0502020204030204" pitchFamily="34" charset="0"/>
               </a:rPr>
-              <a:t> Enhanced overall quality of life for patients</a:t>
+              <a:t> Encourages collaboration among nursing staff</a:t>
             </a:r>
           </a:p>
           <a:p>
@@ -6959,7 +6878,7 @@
                 <a:latin typeface="Calibri" panose="020F0502020204030204" pitchFamily="34" charset="0"/>
                 <a:cs typeface="Calibri" panose="020F0502020204030204" pitchFamily="34" charset="0"/>
               </a:rPr>
-              <a:t> More effective, efficient, and compassionate healthcare </a:t>
+              <a:t>E.g., patients presents a specific symptoms, the system will alert managers of potential issues need to be addressed before they escalate.</a:t>
             </a:r>
           </a:p>
           <a:p>
@@ -6970,7 +6889,7 @@
     </p:spTree>
     <p:extLst>
       <p:ext uri="{BB962C8B-B14F-4D97-AF65-F5344CB8AC3E}">
-        <p14:creationId xmlns:p14="http://schemas.microsoft.com/office/powerpoint/2010/main" val="1247189225"/>
+        <p14:creationId xmlns:p14="http://schemas.microsoft.com/office/powerpoint/2010/main" val="3980299055"/>
       </p:ext>
     </p:extLst>
   </p:cSld>
@@ -7014,7 +6933,7 @@
           <p:cNvPr id="2" name="Title 1">
             <a:extLst>
               <a:ext uri="{FF2B5EF4-FFF2-40B4-BE49-F238E27FC236}">
-                <a16:creationId xmlns:a16="http://schemas.microsoft.com/office/drawing/2014/main" id="{861A9C29-1B82-4803-BDF8-8542617A0BBB}"/>
+                <a16:creationId xmlns:a16="http://schemas.microsoft.com/office/drawing/2014/main" id="{60C87B94-4D5C-4635-8227-867D03C6C1F1}"/>
               </a:ext>
             </a:extLst>
           </p:cNvPr>
@@ -7035,7 +6954,7 @@
                 <a:latin typeface="Calibri" panose="020F0502020204030204" pitchFamily="34" charset="0"/>
                 <a:cs typeface="Calibri" panose="020F0502020204030204" pitchFamily="34" charset="0"/>
               </a:rPr>
-              <a:t>CONCLUSION</a:t>
+              <a:t>NURSING CARE</a:t>
             </a:r>
             <a:endParaRPr lang="en-US" dirty="0">
               <a:latin typeface="Calibri" panose="020F0502020204030204" pitchFamily="34" charset="0"/>
@@ -7049,7 +6968,7 @@
           <p:cNvPr id="3" name="Content Placeholder 2">
             <a:extLst>
               <a:ext uri="{FF2B5EF4-FFF2-40B4-BE49-F238E27FC236}">
-                <a16:creationId xmlns:a16="http://schemas.microsoft.com/office/drawing/2014/main" id="{2E910BB4-19EE-4E28-9685-D135249B7B01}"/>
+                <a16:creationId xmlns:a16="http://schemas.microsoft.com/office/drawing/2014/main" id="{A7B3D3A8-AB46-4838-88C9-E1CD8A85F035}"/>
               </a:ext>
             </a:extLst>
           </p:cNvPr>
@@ -7065,37 +6984,232 @@
           <a:bodyPr/>
           <a:lstStyle/>
           <a:p>
-            <a:r>
-              <a:rPr lang="en-ZA" dirty="0">
-                <a:latin typeface="Calibri" panose="020F0502020204030204" pitchFamily="34" charset="0"/>
-                <a:cs typeface="Calibri" panose="020F0502020204030204" pitchFamily="34" charset="0"/>
-              </a:rPr>
-              <a:t>Implementing CDSS in oncology wards can decrease diagnostic delays and enhance patient outcomes by supporting timely symptom identification and care guidance.</a:t>
-            </a:r>
-          </a:p>
-          <a:p>
-            <a:r>
-              <a:rPr lang="en-ZA" dirty="0">
-                <a:latin typeface="Calibri" panose="020F0502020204030204" pitchFamily="34" charset="0"/>
-                <a:cs typeface="Calibri" panose="020F0502020204030204" pitchFamily="34" charset="0"/>
-              </a:rPr>
-              <a:t>CDSS offers structured data that improves decision-making and minimizes human error in cancer diagnoses.</a:t>
-            </a:r>
-          </a:p>
-          <a:p>
-            <a:r>
-              <a:rPr lang="en-ZA" dirty="0">
-                <a:latin typeface="Calibri" panose="020F0502020204030204" pitchFamily="34" charset="0"/>
-                <a:cs typeface="Calibri" panose="020F0502020204030204" pitchFamily="34" charset="0"/>
-              </a:rPr>
-              <a:t>It represents a transformative tool in healthcare, promoting early detection, effective treatment, and enhance patient outcomes, particularly in cancer care.</a:t>
-            </a:r>
-            <a:endParaRPr lang="en-US" dirty="0">
+            <a:pPr marL="0" lvl="0" indent="0" eaLnBrk="0" fontAlgn="base" hangingPunct="0">
+              <a:lnSpc>
+                <a:spcPct val="100000"/>
+              </a:lnSpc>
+              <a:spcBef>
+                <a:spcPct val="0"/>
+              </a:spcBef>
+              <a:spcAft>
+                <a:spcPct val="0"/>
+              </a:spcAft>
+              <a:buClrTx/>
+              <a:buSzTx/>
+              <a:buNone/>
+            </a:pPr>
+            <a:endParaRPr lang="en-US" altLang="en-US" dirty="0">
+              <a:latin typeface="Aptos (Body)"/>
+            </a:endParaRPr>
+          </a:p>
+          <a:p>
+            <a:pPr marL="0" lvl="0" indent="0" eaLnBrk="0" fontAlgn="base" hangingPunct="0">
+              <a:lnSpc>
+                <a:spcPct val="100000"/>
+              </a:lnSpc>
+              <a:spcBef>
+                <a:spcPct val="0"/>
+              </a:spcBef>
+              <a:spcAft>
+                <a:spcPct val="0"/>
+              </a:spcAft>
+              <a:buClrTx/>
+              <a:buSzTx/>
+              <a:buFontTx/>
+              <a:buChar char="•"/>
+            </a:pPr>
+            <a:r>
+              <a:rPr lang="en-US" altLang="en-US" dirty="0">
+                <a:latin typeface="Aptos (Body)"/>
+              </a:rPr>
+              <a:t>Modernize how nurses diagnose and assess patients</a:t>
+            </a:r>
+            <a:endParaRPr lang="en-US" altLang="en-US" dirty="0">
               <a:latin typeface="Calibri" panose="020F0502020204030204" pitchFamily="34" charset="0"/>
               <a:cs typeface="Calibri" panose="020F0502020204030204" pitchFamily="34" charset="0"/>
             </a:endParaRPr>
           </a:p>
           <a:p>
+            <a:pPr marL="0" lvl="0" indent="0" eaLnBrk="0" fontAlgn="base" hangingPunct="0">
+              <a:lnSpc>
+                <a:spcPct val="100000"/>
+              </a:lnSpc>
+              <a:spcBef>
+                <a:spcPct val="0"/>
+              </a:spcBef>
+              <a:spcAft>
+                <a:spcPct val="0"/>
+              </a:spcAft>
+              <a:buClrTx/>
+              <a:buSzTx/>
+              <a:buFontTx/>
+              <a:buChar char="•"/>
+            </a:pPr>
+            <a:endParaRPr lang="en-US" altLang="en-US" dirty="0">
+              <a:latin typeface="Calibri" panose="020F0502020204030204" pitchFamily="34" charset="0"/>
+              <a:cs typeface="Calibri" panose="020F0502020204030204" pitchFamily="34" charset="0"/>
+            </a:endParaRPr>
+          </a:p>
+          <a:p>
+            <a:pPr marL="0" lvl="0" indent="0" eaLnBrk="0" fontAlgn="base" hangingPunct="0">
+              <a:lnSpc>
+                <a:spcPct val="100000"/>
+              </a:lnSpc>
+              <a:spcBef>
+                <a:spcPct val="0"/>
+              </a:spcBef>
+              <a:spcAft>
+                <a:spcPct val="0"/>
+              </a:spcAft>
+              <a:buClrTx/>
+              <a:buSzTx/>
+              <a:buFontTx/>
+              <a:buChar char="•"/>
+            </a:pPr>
+            <a:r>
+              <a:rPr lang="en-US" altLang="en-US" dirty="0">
+                <a:latin typeface="Calibri" panose="020F0502020204030204" pitchFamily="34" charset="0"/>
+                <a:cs typeface="Calibri" panose="020F0502020204030204" pitchFamily="34" charset="0"/>
+              </a:rPr>
+              <a:t>Access to advanced symptom analysis tools, nurses will be able to provide quick </a:t>
+            </a:r>
+          </a:p>
+          <a:p>
+            <a:pPr marL="0" lvl="0" indent="0" eaLnBrk="0" fontAlgn="base" hangingPunct="0">
+              <a:lnSpc>
+                <a:spcPct val="100000"/>
+              </a:lnSpc>
+              <a:spcBef>
+                <a:spcPct val="0"/>
+              </a:spcBef>
+              <a:spcAft>
+                <a:spcPct val="0"/>
+              </a:spcAft>
+              <a:buClrTx/>
+              <a:buSzTx/>
+              <a:buFontTx/>
+              <a:buChar char="•"/>
+            </a:pPr>
+            <a:endParaRPr lang="en-US" altLang="en-US" dirty="0">
+              <a:latin typeface="Calibri" panose="020F0502020204030204" pitchFamily="34" charset="0"/>
+              <a:cs typeface="Calibri" panose="020F0502020204030204" pitchFamily="34" charset="0"/>
+            </a:endParaRPr>
+          </a:p>
+          <a:p>
+            <a:pPr marL="0" lvl="0" indent="0" eaLnBrk="0" fontAlgn="base" hangingPunct="0">
+              <a:lnSpc>
+                <a:spcPct val="100000"/>
+              </a:lnSpc>
+              <a:spcBef>
+                <a:spcPct val="0"/>
+              </a:spcBef>
+              <a:spcAft>
+                <a:spcPct val="0"/>
+              </a:spcAft>
+              <a:buClrTx/>
+              <a:buSzTx/>
+              <a:buFontTx/>
+              <a:buChar char="•"/>
+            </a:pPr>
+            <a:r>
+              <a:rPr lang="en-US" altLang="en-US" dirty="0">
+                <a:latin typeface="Calibri" panose="020F0502020204030204" pitchFamily="34" charset="0"/>
+                <a:cs typeface="Calibri" panose="020F0502020204030204" pitchFamily="34" charset="0"/>
+              </a:rPr>
+              <a:t>More accurate care</a:t>
+            </a:r>
+          </a:p>
+          <a:p>
+            <a:pPr marL="0" lvl="0" indent="0" eaLnBrk="0" fontAlgn="base" hangingPunct="0">
+              <a:lnSpc>
+                <a:spcPct val="100000"/>
+              </a:lnSpc>
+              <a:spcBef>
+                <a:spcPct val="0"/>
+              </a:spcBef>
+              <a:spcAft>
+                <a:spcPct val="0"/>
+              </a:spcAft>
+              <a:buClrTx/>
+              <a:buSzTx/>
+              <a:buFontTx/>
+              <a:buChar char="•"/>
+            </a:pPr>
+            <a:endParaRPr lang="en-US" altLang="en-US" dirty="0">
+              <a:latin typeface="Calibri" panose="020F0502020204030204" pitchFamily="34" charset="0"/>
+              <a:cs typeface="Calibri" panose="020F0502020204030204" pitchFamily="34" charset="0"/>
+            </a:endParaRPr>
+          </a:p>
+          <a:p>
+            <a:pPr marL="0" lvl="0" indent="0" eaLnBrk="0" fontAlgn="base" hangingPunct="0">
+              <a:lnSpc>
+                <a:spcPct val="100000"/>
+              </a:lnSpc>
+              <a:spcBef>
+                <a:spcPct val="0"/>
+              </a:spcBef>
+              <a:spcAft>
+                <a:spcPct val="0"/>
+              </a:spcAft>
+              <a:buClrTx/>
+              <a:buSzTx/>
+              <a:buFontTx/>
+              <a:buChar char="•"/>
+            </a:pPr>
+            <a:r>
+              <a:rPr lang="en-US" altLang="en-US" dirty="0">
+                <a:latin typeface="Calibri" panose="020F0502020204030204" pitchFamily="34" charset="0"/>
+                <a:cs typeface="Calibri" panose="020F0502020204030204" pitchFamily="34" charset="0"/>
+              </a:rPr>
+              <a:t>E.g., if patient shows signs of distress the CDSS will offer immediate suggestions</a:t>
+            </a:r>
+          </a:p>
+          <a:p>
+            <a:pPr marL="0" lvl="0" indent="0" eaLnBrk="0" fontAlgn="base" hangingPunct="0">
+              <a:lnSpc>
+                <a:spcPct val="100000"/>
+              </a:lnSpc>
+              <a:spcBef>
+                <a:spcPct val="0"/>
+              </a:spcBef>
+              <a:spcAft>
+                <a:spcPct val="0"/>
+              </a:spcAft>
+              <a:buClrTx/>
+              <a:buSzTx/>
+              <a:buFontTx/>
+              <a:buChar char="•"/>
+            </a:pPr>
+            <a:endParaRPr lang="en-US" altLang="en-US" dirty="0">
+              <a:latin typeface="Calibri" panose="020F0502020204030204" pitchFamily="34" charset="0"/>
+              <a:cs typeface="Calibri" panose="020F0502020204030204" pitchFamily="34" charset="0"/>
+            </a:endParaRPr>
+          </a:p>
+          <a:p>
+            <a:pPr marL="0" lvl="0" indent="0" eaLnBrk="0" fontAlgn="base" hangingPunct="0">
+              <a:lnSpc>
+                <a:spcPct val="100000"/>
+              </a:lnSpc>
+              <a:spcBef>
+                <a:spcPct val="0"/>
+              </a:spcBef>
+              <a:spcAft>
+                <a:spcPct val="0"/>
+              </a:spcAft>
+              <a:buClrTx/>
+              <a:buSzTx/>
+              <a:buFontTx/>
+              <a:buChar char="•"/>
+            </a:pPr>
+            <a:r>
+              <a:rPr lang="en-US" altLang="en-US" dirty="0">
+                <a:latin typeface="Calibri" panose="020F0502020204030204" pitchFamily="34" charset="0"/>
+                <a:cs typeface="Calibri" panose="020F0502020204030204" pitchFamily="34" charset="0"/>
+              </a:rPr>
+              <a:t>This capability also builds stronger relationships and trust with patients.</a:t>
+            </a:r>
+          </a:p>
+          <a:p>
             <a:endParaRPr lang="en-US" dirty="0"/>
           </a:p>
         </p:txBody>
@@ -7103,7 +7217,7 @@
     </p:spTree>
     <p:extLst>
       <p:ext uri="{BB962C8B-B14F-4D97-AF65-F5344CB8AC3E}">
-        <p14:creationId xmlns:p14="http://schemas.microsoft.com/office/powerpoint/2010/main" val="4087149087"/>
+        <p14:creationId xmlns:p14="http://schemas.microsoft.com/office/powerpoint/2010/main" val="2703400444"/>
       </p:ext>
     </p:extLst>
   </p:cSld>
@@ -7147,6 +7261,480 @@
           <p:cNvPr id="2" name="Title 1">
             <a:extLst>
               <a:ext uri="{FF2B5EF4-FFF2-40B4-BE49-F238E27FC236}">
+                <a16:creationId xmlns:a16="http://schemas.microsoft.com/office/drawing/2014/main" id="{685203E3-B8DD-4CC5-ADAF-65294C848821}"/>
+              </a:ext>
+            </a:extLst>
+          </p:cNvPr>
+          <p:cNvSpPr>
+            <a:spLocks noGrp="1"/>
+          </p:cNvSpPr>
+          <p:nvPr>
+            <p:ph type="title"/>
+          </p:nvPr>
+        </p:nvSpPr>
+        <p:spPr/>
+        <p:txBody>
+          <a:bodyPr/>
+          <a:lstStyle/>
+          <a:p>
+            <a:r>
+              <a:rPr lang="en-ZA" dirty="0">
+                <a:latin typeface="Calibri" panose="020F0502020204030204" pitchFamily="34" charset="0"/>
+                <a:cs typeface="Calibri" panose="020F0502020204030204" pitchFamily="34" charset="0"/>
+              </a:rPr>
+              <a:t>PATIENT OUTCOMES</a:t>
+            </a:r>
+            <a:endParaRPr lang="en-US" dirty="0">
+              <a:latin typeface="Calibri" panose="020F0502020204030204" pitchFamily="34" charset="0"/>
+              <a:cs typeface="Calibri" panose="020F0502020204030204" pitchFamily="34" charset="0"/>
+            </a:endParaRPr>
+          </a:p>
+        </p:txBody>
+      </p:sp>
+      <p:sp>
+        <p:nvSpPr>
+          <p:cNvPr id="3" name="Content Placeholder 2">
+            <a:extLst>
+              <a:ext uri="{FF2B5EF4-FFF2-40B4-BE49-F238E27FC236}">
+                <a16:creationId xmlns:a16="http://schemas.microsoft.com/office/drawing/2014/main" id="{6B90C9E9-B97E-43CA-977B-FA84D4B6F2EC}"/>
+              </a:ext>
+            </a:extLst>
+          </p:cNvPr>
+          <p:cNvSpPr>
+            <a:spLocks noGrp="1"/>
+          </p:cNvSpPr>
+          <p:nvPr>
+            <p:ph idx="1"/>
+          </p:nvPr>
+        </p:nvSpPr>
+        <p:spPr/>
+        <p:txBody>
+          <a:bodyPr>
+            <a:normAutofit/>
+          </a:bodyPr>
+          <a:lstStyle/>
+          <a:p>
+            <a:pPr marL="0" lvl="0" indent="0" eaLnBrk="0" fontAlgn="base" hangingPunct="0">
+              <a:lnSpc>
+                <a:spcPct val="100000"/>
+              </a:lnSpc>
+              <a:spcBef>
+                <a:spcPct val="0"/>
+              </a:spcBef>
+              <a:spcAft>
+                <a:spcPct val="0"/>
+              </a:spcAft>
+              <a:buClrTx/>
+              <a:buSzTx/>
+              <a:buNone/>
+            </a:pPr>
+            <a:endParaRPr lang="en-US" altLang="en-US" dirty="0">
+              <a:latin typeface="Aptos (Body)"/>
+            </a:endParaRPr>
+          </a:p>
+          <a:p>
+            <a:pPr marL="0" lvl="0" indent="0" eaLnBrk="0" fontAlgn="base" hangingPunct="0">
+              <a:lnSpc>
+                <a:spcPct val="100000"/>
+              </a:lnSpc>
+              <a:spcBef>
+                <a:spcPct val="0"/>
+              </a:spcBef>
+              <a:spcAft>
+                <a:spcPct val="0"/>
+              </a:spcAft>
+              <a:buClrTx/>
+              <a:buSzTx/>
+              <a:buFontTx/>
+              <a:buChar char="•"/>
+            </a:pPr>
+            <a:r>
+              <a:rPr lang="en-US" altLang="en-US" dirty="0">
+                <a:latin typeface="Aptos (Body)"/>
+              </a:rPr>
+              <a:t>The CDSS is expected to improve patient outcomes</a:t>
+            </a:r>
+            <a:endParaRPr lang="en-US" altLang="en-US" dirty="0">
+              <a:latin typeface="Calibri" panose="020F0502020204030204" pitchFamily="34" charset="0"/>
+              <a:cs typeface="Calibri" panose="020F0502020204030204" pitchFamily="34" charset="0"/>
+            </a:endParaRPr>
+          </a:p>
+          <a:p>
+            <a:pPr marL="0" lvl="0" indent="0" eaLnBrk="0" fontAlgn="base" hangingPunct="0">
+              <a:lnSpc>
+                <a:spcPct val="100000"/>
+              </a:lnSpc>
+              <a:spcBef>
+                <a:spcPct val="0"/>
+              </a:spcBef>
+              <a:spcAft>
+                <a:spcPct val="0"/>
+              </a:spcAft>
+              <a:buClrTx/>
+              <a:buSzTx/>
+              <a:buFontTx/>
+              <a:buChar char="•"/>
+            </a:pPr>
+            <a:endParaRPr lang="en-US" altLang="en-US" dirty="0">
+              <a:latin typeface="Calibri" panose="020F0502020204030204" pitchFamily="34" charset="0"/>
+              <a:cs typeface="Calibri" panose="020F0502020204030204" pitchFamily="34" charset="0"/>
+            </a:endParaRPr>
+          </a:p>
+          <a:p>
+            <a:pPr marL="0" lvl="0" indent="0" eaLnBrk="0" fontAlgn="base" hangingPunct="0">
+              <a:lnSpc>
+                <a:spcPct val="100000"/>
+              </a:lnSpc>
+              <a:spcBef>
+                <a:spcPct val="0"/>
+              </a:spcBef>
+              <a:spcAft>
+                <a:spcPct val="0"/>
+              </a:spcAft>
+              <a:buClrTx/>
+              <a:buSzTx/>
+              <a:buFontTx/>
+              <a:buChar char="•"/>
+            </a:pPr>
+            <a:r>
+              <a:rPr lang="en-US" altLang="en-US" dirty="0">
+                <a:latin typeface="Calibri" panose="020F0502020204030204" pitchFamily="34" charset="0"/>
+                <a:cs typeface="Calibri" panose="020F0502020204030204" pitchFamily="34" charset="0"/>
+              </a:rPr>
+              <a:t>Features like time alerts and treatment suggestions will lead to early diagnosis</a:t>
+            </a:r>
+          </a:p>
+          <a:p>
+            <a:pPr marL="0" lvl="0" indent="0" eaLnBrk="0" fontAlgn="base" hangingPunct="0">
+              <a:lnSpc>
+                <a:spcPct val="100000"/>
+              </a:lnSpc>
+              <a:spcBef>
+                <a:spcPct val="0"/>
+              </a:spcBef>
+              <a:spcAft>
+                <a:spcPct val="0"/>
+              </a:spcAft>
+              <a:buClrTx/>
+              <a:buSzTx/>
+              <a:buFontTx/>
+              <a:buChar char="•"/>
+            </a:pPr>
+            <a:endParaRPr lang="en-US" altLang="en-US" dirty="0">
+              <a:latin typeface="Calibri" panose="020F0502020204030204" pitchFamily="34" charset="0"/>
+              <a:cs typeface="Calibri" panose="020F0502020204030204" pitchFamily="34" charset="0"/>
+            </a:endParaRPr>
+          </a:p>
+          <a:p>
+            <a:pPr marL="0" lvl="0" indent="0" eaLnBrk="0" fontAlgn="base" hangingPunct="0">
+              <a:lnSpc>
+                <a:spcPct val="100000"/>
+              </a:lnSpc>
+              <a:spcBef>
+                <a:spcPct val="0"/>
+              </a:spcBef>
+              <a:spcAft>
+                <a:spcPct val="0"/>
+              </a:spcAft>
+              <a:buClrTx/>
+              <a:buSzTx/>
+              <a:buFontTx/>
+              <a:buChar char="•"/>
+            </a:pPr>
+            <a:r>
+              <a:rPr lang="en-US" altLang="en-US" dirty="0">
+                <a:latin typeface="Calibri" panose="020F0502020204030204" pitchFamily="34" charset="0"/>
+                <a:cs typeface="Calibri" panose="020F0502020204030204" pitchFamily="34" charset="0"/>
+              </a:rPr>
+              <a:t>Improve survival rates</a:t>
+            </a:r>
+          </a:p>
+          <a:p>
+            <a:pPr marL="0" lvl="0" indent="0" eaLnBrk="0" fontAlgn="base" hangingPunct="0">
+              <a:lnSpc>
+                <a:spcPct val="100000"/>
+              </a:lnSpc>
+              <a:spcBef>
+                <a:spcPct val="0"/>
+              </a:spcBef>
+              <a:spcAft>
+                <a:spcPct val="0"/>
+              </a:spcAft>
+              <a:buClrTx/>
+              <a:buSzTx/>
+              <a:buFontTx/>
+              <a:buChar char="•"/>
+            </a:pPr>
+            <a:endParaRPr lang="en-US" altLang="en-US" dirty="0">
+              <a:latin typeface="Calibri" panose="020F0502020204030204" pitchFamily="34" charset="0"/>
+              <a:cs typeface="Calibri" panose="020F0502020204030204" pitchFamily="34" charset="0"/>
+            </a:endParaRPr>
+          </a:p>
+          <a:p>
+            <a:pPr marL="0" lvl="0" indent="0" eaLnBrk="0" fontAlgn="base" hangingPunct="0">
+              <a:lnSpc>
+                <a:spcPct val="100000"/>
+              </a:lnSpc>
+              <a:spcBef>
+                <a:spcPct val="0"/>
+              </a:spcBef>
+              <a:spcAft>
+                <a:spcPct val="0"/>
+              </a:spcAft>
+              <a:buClrTx/>
+              <a:buSzTx/>
+              <a:buFontTx/>
+              <a:buChar char="•"/>
+            </a:pPr>
+            <a:r>
+              <a:rPr lang="en-US" altLang="en-US" dirty="0">
+                <a:latin typeface="Calibri" panose="020F0502020204030204" pitchFamily="34" charset="0"/>
+                <a:cs typeface="Calibri" panose="020F0502020204030204" pitchFamily="34" charset="0"/>
+              </a:rPr>
+              <a:t>Offer personalized treatment recommendations based on symptoms </a:t>
+            </a:r>
+            <a:r>
+              <a:rPr lang="en-US" altLang="en-US" dirty="0" err="1">
+                <a:latin typeface="Calibri" panose="020F0502020204030204" pitchFamily="34" charset="0"/>
+                <a:cs typeface="Calibri" panose="020F0502020204030204" pitchFamily="34" charset="0"/>
+              </a:rPr>
+              <a:t>anaylsed</a:t>
+            </a:r>
+            <a:endParaRPr lang="en-US" altLang="en-US" dirty="0">
+              <a:latin typeface="Calibri" panose="020F0502020204030204" pitchFamily="34" charset="0"/>
+              <a:cs typeface="Calibri" panose="020F0502020204030204" pitchFamily="34" charset="0"/>
+            </a:endParaRPr>
+          </a:p>
+          <a:p>
+            <a:pPr marL="0" lvl="0" indent="0" eaLnBrk="0" fontAlgn="base" hangingPunct="0">
+              <a:lnSpc>
+                <a:spcPct val="100000"/>
+              </a:lnSpc>
+              <a:spcBef>
+                <a:spcPct val="0"/>
+              </a:spcBef>
+              <a:spcAft>
+                <a:spcPct val="0"/>
+              </a:spcAft>
+              <a:buClrTx/>
+              <a:buSzTx/>
+              <a:buFontTx/>
+              <a:buChar char="•"/>
+            </a:pPr>
+            <a:endParaRPr lang="en-US" altLang="en-US" dirty="0">
+              <a:latin typeface="Calibri" panose="020F0502020204030204" pitchFamily="34" charset="0"/>
+              <a:cs typeface="Calibri" panose="020F0502020204030204" pitchFamily="34" charset="0"/>
+            </a:endParaRPr>
+          </a:p>
+          <a:p>
+            <a:pPr marL="0" lvl="0" indent="0" eaLnBrk="0" fontAlgn="base" hangingPunct="0">
+              <a:lnSpc>
+                <a:spcPct val="100000"/>
+              </a:lnSpc>
+              <a:spcBef>
+                <a:spcPct val="0"/>
+              </a:spcBef>
+              <a:spcAft>
+                <a:spcPct val="0"/>
+              </a:spcAft>
+              <a:buClrTx/>
+              <a:buSzTx/>
+              <a:buFontTx/>
+              <a:buChar char="•"/>
+            </a:pPr>
+            <a:r>
+              <a:rPr lang="en-US" altLang="en-US" dirty="0">
+                <a:latin typeface="Calibri" panose="020F0502020204030204" pitchFamily="34" charset="0"/>
+                <a:cs typeface="Calibri" panose="020F0502020204030204" pitchFamily="34" charset="0"/>
+              </a:rPr>
+              <a:t>Reduce chances of misdiagnosis</a:t>
+            </a:r>
+          </a:p>
+          <a:p>
+            <a:endParaRPr lang="en-US" dirty="0"/>
+          </a:p>
+        </p:txBody>
+      </p:sp>
+    </p:spTree>
+    <p:extLst>
+      <p:ext uri="{BB962C8B-B14F-4D97-AF65-F5344CB8AC3E}">
+        <p14:creationId xmlns:p14="http://schemas.microsoft.com/office/powerpoint/2010/main" val="1247189225"/>
+      </p:ext>
+    </p:extLst>
+  </p:cSld>
+  <p:clrMapOvr>
+    <a:masterClrMapping/>
+  </p:clrMapOvr>
+  <mc:AlternateContent xmlns:mc="http://schemas.openxmlformats.org/markup-compatibility/2006" xmlns:p159="http://schemas.microsoft.com/office/powerpoint/2015/09/main">
+    <mc:Choice Requires="p159">
+      <p:transition xmlns:p14="http://schemas.microsoft.com/office/powerpoint/2010/main" spd="slow" p14:dur="2000">
+        <p159:morph option="byObject"/>
+      </p:transition>
+    </mc:Choice>
+    <mc:Fallback xmlns="">
+      <p:transition spd="slow">
+        <p:fade/>
+      </p:transition>
+    </mc:Fallback>
+  </mc:AlternateContent>
+</p:sld>
+</file>
+
+<file path=ppt/slides/slide23.xml><?xml version="1.0" encoding="utf-8"?>
+<p:sld xmlns:a="http://schemas.openxmlformats.org/drawingml/2006/main" xmlns:r="http://schemas.openxmlformats.org/officeDocument/2006/relationships" xmlns:p="http://schemas.openxmlformats.org/presentationml/2006/main">
+  <p:cSld>
+    <p:spTree>
+      <p:nvGrpSpPr>
+        <p:cNvPr id="1" name=""/>
+        <p:cNvGrpSpPr/>
+        <p:nvPr/>
+      </p:nvGrpSpPr>
+      <p:grpSpPr>
+        <a:xfrm>
+          <a:off x="0" y="0"/>
+          <a:ext cx="0" cy="0"/>
+          <a:chOff x="0" y="0"/>
+          <a:chExt cx="0" cy="0"/>
+        </a:xfrm>
+      </p:grpSpPr>
+      <p:sp>
+        <p:nvSpPr>
+          <p:cNvPr id="2" name="Title 1">
+            <a:extLst>
+              <a:ext uri="{FF2B5EF4-FFF2-40B4-BE49-F238E27FC236}">
+                <a16:creationId xmlns:a16="http://schemas.microsoft.com/office/drawing/2014/main" id="{861A9C29-1B82-4803-BDF8-8542617A0BBB}"/>
+              </a:ext>
+            </a:extLst>
+          </p:cNvPr>
+          <p:cNvSpPr>
+            <a:spLocks noGrp="1"/>
+          </p:cNvSpPr>
+          <p:nvPr>
+            <p:ph type="title"/>
+          </p:nvPr>
+        </p:nvSpPr>
+        <p:spPr/>
+        <p:txBody>
+          <a:bodyPr/>
+          <a:lstStyle/>
+          <a:p>
+            <a:r>
+              <a:rPr lang="en-ZA" dirty="0">
+                <a:latin typeface="Calibri" panose="020F0502020204030204" pitchFamily="34" charset="0"/>
+                <a:cs typeface="Calibri" panose="020F0502020204030204" pitchFamily="34" charset="0"/>
+              </a:rPr>
+              <a:t>CONCLUSION</a:t>
+            </a:r>
+            <a:endParaRPr lang="en-US" dirty="0">
+              <a:latin typeface="Calibri" panose="020F0502020204030204" pitchFamily="34" charset="0"/>
+              <a:cs typeface="Calibri" panose="020F0502020204030204" pitchFamily="34" charset="0"/>
+            </a:endParaRPr>
+          </a:p>
+        </p:txBody>
+      </p:sp>
+      <p:sp>
+        <p:nvSpPr>
+          <p:cNvPr id="3" name="Content Placeholder 2">
+            <a:extLst>
+              <a:ext uri="{FF2B5EF4-FFF2-40B4-BE49-F238E27FC236}">
+                <a16:creationId xmlns:a16="http://schemas.microsoft.com/office/drawing/2014/main" id="{2E910BB4-19EE-4E28-9685-D135249B7B01}"/>
+              </a:ext>
+            </a:extLst>
+          </p:cNvPr>
+          <p:cNvSpPr>
+            <a:spLocks noGrp="1"/>
+          </p:cNvSpPr>
+          <p:nvPr>
+            <p:ph idx="1"/>
+          </p:nvPr>
+        </p:nvSpPr>
+        <p:spPr/>
+        <p:txBody>
+          <a:bodyPr/>
+          <a:lstStyle/>
+          <a:p>
+            <a:r>
+              <a:rPr lang="en-ZA" dirty="0">
+                <a:latin typeface="Calibri" panose="020F0502020204030204" pitchFamily="34" charset="0"/>
+                <a:cs typeface="Calibri" panose="020F0502020204030204" pitchFamily="34" charset="0"/>
+              </a:rPr>
+              <a:t>Implementing CDSS in oncology wards can decrease diagnostic delays and enhance patient outcomes by supporting timely symptom identification and care guidance.</a:t>
+            </a:r>
+          </a:p>
+          <a:p>
+            <a:r>
+              <a:rPr lang="en-ZA" dirty="0">
+                <a:latin typeface="Calibri" panose="020F0502020204030204" pitchFamily="34" charset="0"/>
+                <a:cs typeface="Calibri" panose="020F0502020204030204" pitchFamily="34" charset="0"/>
+              </a:rPr>
+              <a:t>CDSS offers structured data that improves decision-making and minimizes human error in cancer diagnoses.</a:t>
+            </a:r>
+          </a:p>
+          <a:p>
+            <a:r>
+              <a:rPr lang="en-ZA" dirty="0">
+                <a:latin typeface="Calibri" panose="020F0502020204030204" pitchFamily="34" charset="0"/>
+                <a:cs typeface="Calibri" panose="020F0502020204030204" pitchFamily="34" charset="0"/>
+              </a:rPr>
+              <a:t>It represents a transformative tool in healthcare, promoting early detection, effective treatment, and enhance patient outcomes, particularly in cancer care.</a:t>
+            </a:r>
+            <a:endParaRPr lang="en-US" dirty="0">
+              <a:latin typeface="Calibri" panose="020F0502020204030204" pitchFamily="34" charset="0"/>
+              <a:cs typeface="Calibri" panose="020F0502020204030204" pitchFamily="34" charset="0"/>
+            </a:endParaRPr>
+          </a:p>
+          <a:p>
+            <a:endParaRPr lang="en-US" dirty="0"/>
+          </a:p>
+        </p:txBody>
+      </p:sp>
+    </p:spTree>
+    <p:extLst>
+      <p:ext uri="{BB962C8B-B14F-4D97-AF65-F5344CB8AC3E}">
+        <p14:creationId xmlns:p14="http://schemas.microsoft.com/office/powerpoint/2010/main" val="4087149087"/>
+      </p:ext>
+    </p:extLst>
+  </p:cSld>
+  <p:clrMapOvr>
+    <a:masterClrMapping/>
+  </p:clrMapOvr>
+  <mc:AlternateContent xmlns:mc="http://schemas.openxmlformats.org/markup-compatibility/2006" xmlns:p159="http://schemas.microsoft.com/office/powerpoint/2015/09/main">
+    <mc:Choice Requires="p159">
+      <p:transition xmlns:p14="http://schemas.microsoft.com/office/powerpoint/2010/main" spd="slow" p14:dur="2000">
+        <p159:morph option="byObject"/>
+      </p:transition>
+    </mc:Choice>
+    <mc:Fallback xmlns="">
+      <p:transition spd="slow">
+        <p:fade/>
+      </p:transition>
+    </mc:Fallback>
+  </mc:AlternateContent>
+</p:sld>
+</file>
+
+<file path=ppt/slides/slide24.xml><?xml version="1.0" encoding="utf-8"?>
+<p:sld xmlns:a="http://schemas.openxmlformats.org/drawingml/2006/main" xmlns:r="http://schemas.openxmlformats.org/officeDocument/2006/relationships" xmlns:p="http://schemas.openxmlformats.org/presentationml/2006/main">
+  <p:cSld>
+    <p:spTree>
+      <p:nvGrpSpPr>
+        <p:cNvPr id="1" name=""/>
+        <p:cNvGrpSpPr/>
+        <p:nvPr/>
+      </p:nvGrpSpPr>
+      <p:grpSpPr>
+        <a:xfrm>
+          <a:off x="0" y="0"/>
+          <a:ext cx="0" cy="0"/>
+          <a:chOff x="0" y="0"/>
+          <a:chExt cx="0" cy="0"/>
+        </a:xfrm>
+      </p:grpSpPr>
+      <p:sp>
+        <p:nvSpPr>
+          <p:cNvPr id="2" name="Title 1">
+            <a:extLst>
+              <a:ext uri="{FF2B5EF4-FFF2-40B4-BE49-F238E27FC236}">
                 <a16:creationId xmlns:a16="http://schemas.microsoft.com/office/drawing/2014/main" id="{075D9FAC-F937-003B-1F62-FDF603E2FDE6}"/>
               </a:ext>
             </a:extLst>
@@ -7165,36 +7753,73 @@
           <a:p>
             <a:r>
               <a:rPr lang="en-ZA" dirty="0"/>
-              <a:t>WAY forward</a:t>
-            </a:r>
-          </a:p>
-        </p:txBody>
-      </p:sp>
-      <p:sp>
-        <p:nvSpPr>
-          <p:cNvPr id="3" name="Content Placeholder 2">
+              <a:t>The System PROTOTYPE</a:t>
+            </a:r>
+          </a:p>
+        </p:txBody>
+      </p:sp>
+      <p:pic>
+        <p:nvPicPr>
+          <p:cNvPr id="4" name="Content Placeholder 3">
             <a:extLst>
               <a:ext uri="{FF2B5EF4-FFF2-40B4-BE49-F238E27FC236}">
-                <a16:creationId xmlns:a16="http://schemas.microsoft.com/office/drawing/2014/main" id="{E003490A-7068-BE71-123D-1A1D6D6B0CB1}"/>
+                <a16:creationId xmlns:a16="http://schemas.microsoft.com/office/drawing/2014/main" id="{42ED2A64-3D30-55DC-7CF0-44C9C11DCC6B}"/>
               </a:ext>
             </a:extLst>
           </p:cNvPr>
-          <p:cNvSpPr>
-            <a:spLocks noGrp="1"/>
-          </p:cNvSpPr>
+          <p:cNvPicPr>
+            <a:picLocks noGrp="1" noChangeAspect="1"/>
+          </p:cNvPicPr>
           <p:nvPr>
             <p:ph idx="1"/>
           </p:nvPr>
-        </p:nvSpPr>
-        <p:spPr/>
-        <p:txBody>
-          <a:bodyPr/>
-          <a:lstStyle/>
-          <a:p>
-            <a:endParaRPr lang="en-ZA"/>
-          </a:p>
-        </p:txBody>
-      </p:sp>
+        </p:nvPicPr>
+        <p:blipFill>
+          <a:blip r:embed="rId3"/>
+          <a:stretch>
+            <a:fillRect/>
+          </a:stretch>
+        </p:blipFill>
+        <p:spPr>
+          <a:xfrm>
+            <a:off x="1451579" y="2076086"/>
+            <a:ext cx="6364305" cy="3449638"/>
+          </a:xfrm>
+          <a:prstGeom prst="rect">
+            <a:avLst/>
+          </a:prstGeom>
+        </p:spPr>
+      </p:pic>
+      <p:pic>
+        <p:nvPicPr>
+          <p:cNvPr id="5" name="Picture 4">
+            <a:extLst>
+              <a:ext uri="{FF2B5EF4-FFF2-40B4-BE49-F238E27FC236}">
+                <a16:creationId xmlns:a16="http://schemas.microsoft.com/office/drawing/2014/main" id="{F91FB77A-DC3A-FA10-A54D-AD690503A752}"/>
+              </a:ext>
+            </a:extLst>
+          </p:cNvPr>
+          <p:cNvPicPr>
+            <a:picLocks noChangeAspect="1"/>
+          </p:cNvPicPr>
+          <p:nvPr/>
+        </p:nvPicPr>
+        <p:blipFill>
+          <a:blip r:embed="rId4"/>
+          <a:stretch>
+            <a:fillRect/>
+          </a:stretch>
+        </p:blipFill>
+        <p:spPr>
+          <a:xfrm>
+            <a:off x="8321258" y="2076085"/>
+            <a:ext cx="1917023" cy="3449637"/>
+          </a:xfrm>
+          <a:prstGeom prst="rect">
+            <a:avLst/>
+          </a:prstGeom>
+        </p:spPr>
+      </p:pic>
     </p:spTree>
     <p:extLst>
       <p:ext uri="{BB962C8B-B14F-4D97-AF65-F5344CB8AC3E}">
@@ -7225,7 +7850,253 @@
 </p:sld>
 </file>
 
-<file path=ppt/slides/slide23.xml><?xml version="1.0" encoding="utf-8"?>
+<file path=ppt/slides/slide25.xml><?xml version="1.0" encoding="utf-8"?>
+<p:sld xmlns:a="http://schemas.openxmlformats.org/drawingml/2006/main" xmlns:r="http://schemas.openxmlformats.org/officeDocument/2006/relationships" xmlns:p="http://schemas.openxmlformats.org/presentationml/2006/main">
+  <p:cSld>
+    <p:spTree>
+      <p:nvGrpSpPr>
+        <p:cNvPr id="1" name="">
+          <a:extLst>
+            <a:ext uri="{FF2B5EF4-FFF2-40B4-BE49-F238E27FC236}">
+              <a16:creationId xmlns:a16="http://schemas.microsoft.com/office/drawing/2014/main" id="{67A2B6D8-1EB4-3B7A-7069-EC4564603EEF}"/>
+            </a:ext>
+          </a:extLst>
+        </p:cNvPr>
+        <p:cNvGrpSpPr/>
+        <p:nvPr/>
+      </p:nvGrpSpPr>
+      <p:grpSpPr>
+        <a:xfrm>
+          <a:off x="0" y="0"/>
+          <a:ext cx="0" cy="0"/>
+          <a:chOff x="0" y="0"/>
+          <a:chExt cx="0" cy="0"/>
+        </a:xfrm>
+      </p:grpSpPr>
+      <p:sp>
+        <p:nvSpPr>
+          <p:cNvPr id="2" name="Title 1">
+            <a:extLst>
+              <a:ext uri="{FF2B5EF4-FFF2-40B4-BE49-F238E27FC236}">
+                <a16:creationId xmlns:a16="http://schemas.microsoft.com/office/drawing/2014/main" id="{DBDA84E3-3FAF-0682-1E9C-D3527DC9BB3F}"/>
+              </a:ext>
+            </a:extLst>
+          </p:cNvPr>
+          <p:cNvSpPr>
+            <a:spLocks noGrp="1"/>
+          </p:cNvSpPr>
+          <p:nvPr>
+            <p:ph type="title"/>
+          </p:nvPr>
+        </p:nvSpPr>
+        <p:spPr/>
+        <p:txBody>
+          <a:bodyPr/>
+          <a:lstStyle/>
+          <a:p>
+            <a:r>
+              <a:rPr lang="en-ZA" dirty="0"/>
+              <a:t>The System PROTOTYPE</a:t>
+            </a:r>
+          </a:p>
+        </p:txBody>
+      </p:sp>
+      <p:pic>
+        <p:nvPicPr>
+          <p:cNvPr id="12" name="Content Placeholder 11">
+            <a:extLst>
+              <a:ext uri="{FF2B5EF4-FFF2-40B4-BE49-F238E27FC236}">
+                <a16:creationId xmlns:a16="http://schemas.microsoft.com/office/drawing/2014/main" id="{9CB283A7-763F-5E2E-04CE-19178A12032F}"/>
+              </a:ext>
+            </a:extLst>
+          </p:cNvPr>
+          <p:cNvPicPr>
+            <a:picLocks noGrp="1" noChangeAspect="1"/>
+          </p:cNvPicPr>
+          <p:nvPr>
+            <p:ph idx="1"/>
+          </p:nvPr>
+        </p:nvPicPr>
+        <p:blipFill>
+          <a:blip r:embed="rId2"/>
+          <a:stretch>
+            <a:fillRect/>
+          </a:stretch>
+        </p:blipFill>
+        <p:spPr>
+          <a:xfrm>
+            <a:off x="1451579" y="2042623"/>
+            <a:ext cx="4198105" cy="3525417"/>
+          </a:xfrm>
+          <a:prstGeom prst="rect">
+            <a:avLst/>
+          </a:prstGeom>
+        </p:spPr>
+      </p:pic>
+      <p:pic>
+        <p:nvPicPr>
+          <p:cNvPr id="13" name="Picture 12">
+            <a:extLst>
+              <a:ext uri="{FF2B5EF4-FFF2-40B4-BE49-F238E27FC236}">
+                <a16:creationId xmlns:a16="http://schemas.microsoft.com/office/drawing/2014/main" id="{E4F81DEB-9566-9EAF-7280-9E9C4323644E}"/>
+              </a:ext>
+            </a:extLst>
+          </p:cNvPr>
+          <p:cNvPicPr>
+            <a:picLocks noChangeAspect="1"/>
+          </p:cNvPicPr>
+          <p:nvPr/>
+        </p:nvPicPr>
+        <p:blipFill>
+          <a:blip r:embed="rId3"/>
+          <a:stretch>
+            <a:fillRect/>
+          </a:stretch>
+        </p:blipFill>
+        <p:spPr>
+          <a:xfrm>
+            <a:off x="5851071" y="2042624"/>
+            <a:ext cx="5876925" cy="3525417"/>
+          </a:xfrm>
+          <a:prstGeom prst="rect">
+            <a:avLst/>
+          </a:prstGeom>
+        </p:spPr>
+      </p:pic>
+    </p:spTree>
+    <p:extLst>
+      <p:ext uri="{BB962C8B-B14F-4D97-AF65-F5344CB8AC3E}">
+        <p14:creationId xmlns:p14="http://schemas.microsoft.com/office/powerpoint/2010/main" val="475391883"/>
+      </p:ext>
+    </p:extLst>
+  </p:cSld>
+  <p:clrMapOvr>
+    <a:masterClrMapping/>
+  </p:clrMapOvr>
+  <mc:AlternateContent xmlns:mc="http://schemas.openxmlformats.org/markup-compatibility/2006">
+    <mc:Choice xmlns:p159="http://schemas.microsoft.com/office/powerpoint/2015/09/main" Requires="p159">
+      <p:transition xmlns:p14="http://schemas.microsoft.com/office/powerpoint/2010/main" spd="slow" p14:dur="2000">
+        <p159:morph option="byObject"/>
+      </p:transition>
+    </mc:Choice>
+    <mc:Fallback>
+      <p:transition spd="slow">
+        <p:fade/>
+      </p:transition>
+    </mc:Fallback>
+  </mc:AlternateContent>
+</p:sld>
+</file>
+
+<file path=ppt/slides/slide26.xml><?xml version="1.0" encoding="utf-8"?>
+<p:sld xmlns:a="http://schemas.openxmlformats.org/drawingml/2006/main" xmlns:r="http://schemas.openxmlformats.org/officeDocument/2006/relationships" xmlns:p="http://schemas.openxmlformats.org/presentationml/2006/main">
+  <p:cSld>
+    <p:spTree>
+      <p:nvGrpSpPr>
+        <p:cNvPr id="1" name="">
+          <a:extLst>
+            <a:ext uri="{FF2B5EF4-FFF2-40B4-BE49-F238E27FC236}">
+              <a16:creationId xmlns:a16="http://schemas.microsoft.com/office/drawing/2014/main" id="{D8452867-76D0-8BC5-5D6A-E7FDA2D5EBC8}"/>
+            </a:ext>
+          </a:extLst>
+        </p:cNvPr>
+        <p:cNvGrpSpPr/>
+        <p:nvPr/>
+      </p:nvGrpSpPr>
+      <p:grpSpPr>
+        <a:xfrm>
+          <a:off x="0" y="0"/>
+          <a:ext cx="0" cy="0"/>
+          <a:chOff x="0" y="0"/>
+          <a:chExt cx="0" cy="0"/>
+        </a:xfrm>
+      </p:grpSpPr>
+      <p:sp>
+        <p:nvSpPr>
+          <p:cNvPr id="2" name="Title 1">
+            <a:extLst>
+              <a:ext uri="{FF2B5EF4-FFF2-40B4-BE49-F238E27FC236}">
+                <a16:creationId xmlns:a16="http://schemas.microsoft.com/office/drawing/2014/main" id="{8AAAC449-9FCF-D64F-8178-4966386A0833}"/>
+              </a:ext>
+            </a:extLst>
+          </p:cNvPr>
+          <p:cNvSpPr>
+            <a:spLocks noGrp="1"/>
+          </p:cNvSpPr>
+          <p:nvPr>
+            <p:ph type="title"/>
+          </p:nvPr>
+        </p:nvSpPr>
+        <p:spPr/>
+        <p:txBody>
+          <a:bodyPr/>
+          <a:lstStyle/>
+          <a:p>
+            <a:r>
+              <a:rPr lang="en-ZA" dirty="0"/>
+              <a:t>The System PROTOTYPE</a:t>
+            </a:r>
+          </a:p>
+        </p:txBody>
+      </p:sp>
+      <p:pic>
+        <p:nvPicPr>
+          <p:cNvPr id="8" name="Content Placeholder 7">
+            <a:extLst>
+              <a:ext uri="{FF2B5EF4-FFF2-40B4-BE49-F238E27FC236}">
+                <a16:creationId xmlns:a16="http://schemas.microsoft.com/office/drawing/2014/main" id="{40D9ED8A-02ED-EA67-A34F-8D69883926CE}"/>
+              </a:ext>
+            </a:extLst>
+          </p:cNvPr>
+          <p:cNvPicPr>
+            <a:picLocks noGrp="1" noChangeAspect="1"/>
+          </p:cNvPicPr>
+          <p:nvPr>
+            <p:ph idx="1"/>
+          </p:nvPr>
+        </p:nvPicPr>
+        <p:blipFill>
+          <a:blip r:embed="rId2"/>
+          <a:stretch>
+            <a:fillRect/>
+          </a:stretch>
+        </p:blipFill>
+        <p:spPr>
+          <a:xfrm>
+            <a:off x="3135087" y="2076560"/>
+            <a:ext cx="6335486" cy="3556797"/>
+          </a:xfrm>
+          <a:prstGeom prst="rect">
+            <a:avLst/>
+          </a:prstGeom>
+        </p:spPr>
+      </p:pic>
+    </p:spTree>
+    <p:extLst>
+      <p:ext uri="{BB962C8B-B14F-4D97-AF65-F5344CB8AC3E}">
+        <p14:creationId xmlns:p14="http://schemas.microsoft.com/office/powerpoint/2010/main" val="3705043591"/>
+      </p:ext>
+    </p:extLst>
+  </p:cSld>
+  <p:clrMapOvr>
+    <a:masterClrMapping/>
+  </p:clrMapOvr>
+  <mc:AlternateContent xmlns:mc="http://schemas.openxmlformats.org/markup-compatibility/2006">
+    <mc:Choice xmlns:p159="http://schemas.microsoft.com/office/powerpoint/2015/09/main" Requires="p159">
+      <p:transition xmlns:p14="http://schemas.microsoft.com/office/powerpoint/2010/main" spd="slow" p14:dur="2000">
+        <p159:morph option="byObject"/>
+      </p:transition>
+    </mc:Choice>
+    <mc:Fallback>
+      <p:transition spd="slow">
+        <p:fade/>
+      </p:transition>
+    </mc:Fallback>
+  </mc:AlternateContent>
+</p:sld>
+</file>
+
+<file path=ppt/slides/slide27.xml><?xml version="1.0" encoding="utf-8"?>
 <p:sld xmlns:a="http://schemas.openxmlformats.org/drawingml/2006/main" xmlns:r="http://schemas.openxmlformats.org/officeDocument/2006/relationships" xmlns:p="http://schemas.openxmlformats.org/presentationml/2006/main">
   <p:cSld>
     <p:spTree>
@@ -7272,26 +8143,171 @@
       </p:sp>
       <p:sp>
         <p:nvSpPr>
-          <p:cNvPr id="3" name="Content Placeholder 2">
+          <p:cNvPr id="4" name="TextBox 3">
             <a:extLst>
               <a:ext uri="{FF2B5EF4-FFF2-40B4-BE49-F238E27FC236}">
-                <a16:creationId xmlns:a16="http://schemas.microsoft.com/office/drawing/2014/main" id="{871FDE1E-B18D-4258-442E-E5EADDBA625C}"/>
+                <a16:creationId xmlns:a16="http://schemas.microsoft.com/office/drawing/2014/main" id="{90C649B9-E551-B1EF-9282-B3647090BA7F}"/>
               </a:ext>
             </a:extLst>
           </p:cNvPr>
-          <p:cNvSpPr>
-            <a:spLocks noGrp="1"/>
-          </p:cNvSpPr>
-          <p:nvPr>
-            <p:ph idx="1"/>
-          </p:nvPr>
-        </p:nvSpPr>
-        <p:spPr/>
-        <p:txBody>
-          <a:bodyPr/>
+          <p:cNvSpPr txBox="1"/>
+          <p:nvPr/>
+        </p:nvSpPr>
+        <p:spPr>
+          <a:xfrm>
+            <a:off x="1451579" y="2038662"/>
+            <a:ext cx="9985916" cy="3986476"/>
+          </a:xfrm>
+          <a:prstGeom prst="rect">
+            <a:avLst/>
+          </a:prstGeom>
+          <a:noFill/>
+        </p:spPr>
+        <p:txBody>
+          <a:bodyPr wrap="square" rtlCol="0">
+            <a:spAutoFit/>
+          </a:bodyPr>
           <a:lstStyle/>
           <a:p>
-            <a:endParaRPr lang="en-ZA"/>
+            <a:pPr marL="457200" indent="-457200" algn="just">
+              <a:lnSpc>
+                <a:spcPct val="115000"/>
+              </a:lnSpc>
+              <a:spcAft>
+                <a:spcPts val="800"/>
+              </a:spcAft>
+            </a:pPr>
+            <a:r>
+              <a:rPr lang="en-ZA" sz="1700" kern="100" dirty="0">
+                <a:effectLst/>
+                <a:latin typeface="Aptos" panose="020B0004020202020204" pitchFamily="34" charset="0"/>
+                <a:ea typeface="Aptos" panose="020B0004020202020204" pitchFamily="34" charset="0"/>
+                <a:cs typeface="Times New Roman" panose="02020603050405020304" pitchFamily="18" charset="0"/>
+              </a:rPr>
+              <a:t>Council, S. A. (2020, June). </a:t>
+            </a:r>
+            <a:r>
+              <a:rPr lang="en-ZA" sz="1700" i="1" kern="100" dirty="0">
+                <a:effectLst/>
+                <a:latin typeface="Aptos" panose="020B0004020202020204" pitchFamily="34" charset="0"/>
+                <a:ea typeface="Aptos" panose="020B0004020202020204" pitchFamily="34" charset="0"/>
+                <a:cs typeface="Times New Roman" panose="02020603050405020304" pitchFamily="18" charset="0"/>
+              </a:rPr>
+              <a:t>SANC-competencies-oncology-nurse.</a:t>
+            </a:r>
+            <a:r>
+              <a:rPr lang="en-ZA" sz="1700" kern="100" dirty="0">
+                <a:effectLst/>
+                <a:latin typeface="Aptos" panose="020B0004020202020204" pitchFamily="34" charset="0"/>
+                <a:ea typeface="Aptos" panose="020B0004020202020204" pitchFamily="34" charset="0"/>
+                <a:cs typeface="Times New Roman" panose="02020603050405020304" pitchFamily="18" charset="0"/>
+              </a:rPr>
+              <a:t> Retrieved from South African Nursing Council: https://www.sanc.co.za/wp-content/uploads/2020/06/SANC-Competencies-Oncology-Nurse.pdf</a:t>
+            </a:r>
+          </a:p>
+          <a:p>
+            <a:pPr marL="457200" indent="-457200" algn="just">
+              <a:lnSpc>
+                <a:spcPct val="115000"/>
+              </a:lnSpc>
+              <a:spcAft>
+                <a:spcPts val="800"/>
+              </a:spcAft>
+            </a:pPr>
+            <a:r>
+              <a:rPr lang="en-ZA" sz="1700" kern="100" dirty="0">
+                <a:effectLst/>
+                <a:latin typeface="Aptos" panose="020B0004020202020204" pitchFamily="34" charset="0"/>
+                <a:ea typeface="Aptos" panose="020B0004020202020204" pitchFamily="34" charset="0"/>
+                <a:cs typeface="Times New Roman" panose="02020603050405020304" pitchFamily="18" charset="0"/>
+              </a:rPr>
+              <a:t>Davids, J. M. (2006, April). </a:t>
+            </a:r>
+            <a:r>
+              <a:rPr lang="en-ZA" sz="1700" i="1" kern="100" dirty="0">
+                <a:effectLst/>
+                <a:latin typeface="Aptos" panose="020B0004020202020204" pitchFamily="34" charset="0"/>
+                <a:ea typeface="Aptos" panose="020B0004020202020204" pitchFamily="34" charset="0"/>
+                <a:cs typeface="Times New Roman" panose="02020603050405020304" pitchFamily="18" charset="0"/>
+              </a:rPr>
+              <a:t>Continuing professional development in nursing.</a:t>
+            </a:r>
+            <a:r>
+              <a:rPr lang="en-ZA" sz="1700" kern="100" dirty="0">
+                <a:effectLst/>
+                <a:latin typeface="Aptos" panose="020B0004020202020204" pitchFamily="34" charset="0"/>
+                <a:ea typeface="Aptos" panose="020B0004020202020204" pitchFamily="34" charset="0"/>
+                <a:cs typeface="Times New Roman" panose="02020603050405020304" pitchFamily="18" charset="0"/>
+              </a:rPr>
+              <a:t> Retrieved from </a:t>
+            </a:r>
+            <a:r>
+              <a:rPr lang="en-ZA" sz="1700" kern="100" dirty="0" err="1">
+                <a:effectLst/>
+                <a:latin typeface="Aptos" panose="020B0004020202020204" pitchFamily="34" charset="0"/>
+                <a:ea typeface="Aptos" panose="020B0004020202020204" pitchFamily="34" charset="0"/>
+                <a:cs typeface="Times New Roman" panose="02020603050405020304" pitchFamily="18" charset="0"/>
+              </a:rPr>
+              <a:t>SunScholor</a:t>
+            </a:r>
+            <a:r>
+              <a:rPr lang="en-ZA" sz="1700" kern="100" dirty="0">
+                <a:effectLst/>
+                <a:latin typeface="Aptos" panose="020B0004020202020204" pitchFamily="34" charset="0"/>
+                <a:ea typeface="Aptos" panose="020B0004020202020204" pitchFamily="34" charset="0"/>
+                <a:cs typeface="Times New Roman" panose="02020603050405020304" pitchFamily="18" charset="0"/>
+              </a:rPr>
+              <a:t>: https://scholar.sun.ac.za/server/api/core/bitstreams/0fcdd91b-ddf7-4732-8c7b-e9add17ff700/content#:~:text=The%20primary%20aim%20of%20continuing,to%20their%20patients%20and%20clients.</a:t>
+            </a:r>
+          </a:p>
+          <a:p>
+            <a:pPr marL="457200" indent="-457200" algn="just">
+              <a:lnSpc>
+                <a:spcPct val="115000"/>
+              </a:lnSpc>
+              <a:spcAft>
+                <a:spcPts val="800"/>
+              </a:spcAft>
+            </a:pPr>
+            <a:r>
+              <a:rPr lang="en-ZA" sz="1700" kern="100" dirty="0" err="1">
+                <a:effectLst/>
+                <a:latin typeface="Aptos" panose="020B0004020202020204" pitchFamily="34" charset="0"/>
+                <a:ea typeface="Aptos" panose="020B0004020202020204" pitchFamily="34" charset="0"/>
+                <a:cs typeface="Times New Roman" panose="02020603050405020304" pitchFamily="18" charset="0"/>
+              </a:rPr>
+              <a:t>Dr.</a:t>
+            </a:r>
+            <a:r>
+              <a:rPr lang="en-ZA" sz="1700" kern="100" dirty="0">
+                <a:effectLst/>
+                <a:latin typeface="Aptos" panose="020B0004020202020204" pitchFamily="34" charset="0"/>
+                <a:ea typeface="Aptos" panose="020B0004020202020204" pitchFamily="34" charset="0"/>
+                <a:cs typeface="Times New Roman" panose="02020603050405020304" pitchFamily="18" charset="0"/>
+              </a:rPr>
+              <a:t> Tiffany Avery, C. M. (2020, August 31). Understanding evidence-based practice in oncology</a:t>
+            </a:r>
+            <a:r>
+              <a:rPr lang="en-ZA" sz="1700" i="1" kern="100" dirty="0">
+                <a:effectLst/>
+                <a:latin typeface="Aptos" panose="020B0004020202020204" pitchFamily="34" charset="0"/>
+                <a:ea typeface="Aptos" panose="020B0004020202020204" pitchFamily="34" charset="0"/>
+                <a:cs typeface="Times New Roman" panose="02020603050405020304" pitchFamily="18" charset="0"/>
+              </a:rPr>
+              <a:t>.</a:t>
+            </a:r>
+            <a:r>
+              <a:rPr lang="en-ZA" sz="1700" kern="100" dirty="0">
+                <a:effectLst/>
+                <a:latin typeface="Aptos" panose="020B0004020202020204" pitchFamily="34" charset="0"/>
+                <a:ea typeface="Aptos" panose="020B0004020202020204" pitchFamily="34" charset="0"/>
+                <a:cs typeface="Times New Roman" panose="02020603050405020304" pitchFamily="18" charset="0"/>
+              </a:rPr>
+              <a:t> Retrieved from Nant Health: https://nanthealth.com/resources/articles/evidence-based-practice-in-oncology/#:~:text=Evidence%2Dbased%20practice%20is%20the,clinical%20trials%20for%20similar%20diagnoses.</a:t>
+            </a:r>
+          </a:p>
+          <a:p>
+            <a:endParaRPr lang="en-ZA" dirty="0"/>
           </a:p>
         </p:txBody>
       </p:sp>
@@ -7325,7 +8341,7 @@
 </p:sld>
 </file>
 
-<file path=ppt/slides/slide24.xml><?xml version="1.0" encoding="utf-8"?>
+<file path=ppt/slides/slide28.xml><?xml version="1.0" encoding="utf-8"?>
 <p:sld xmlns:a="http://schemas.openxmlformats.org/drawingml/2006/main" xmlns:r="http://schemas.openxmlformats.org/officeDocument/2006/relationships" xmlns:p="http://schemas.openxmlformats.org/presentationml/2006/main">
   <p:cSld>
     <p:spTree>
@@ -7342,53 +8358,92 @@
           <a:chExt cx="0" cy="0"/>
         </a:xfrm>
       </p:grpSpPr>
-      <p:sp>
-        <p:nvSpPr>
-          <p:cNvPr id="2" name="Title 1">
+      <p:pic>
+        <p:nvPicPr>
+          <p:cNvPr id="4" name="Picture Placeholder 5" descr="People in the background shaking hands">
             <a:extLst>
               <a:ext uri="{FF2B5EF4-FFF2-40B4-BE49-F238E27FC236}">
-                <a16:creationId xmlns:a16="http://schemas.microsoft.com/office/drawing/2014/main" id="{9B0C4E11-C2C8-6A0D-067B-5EB97A83CAAF}"/>
+                <a16:creationId xmlns:a16="http://schemas.microsoft.com/office/drawing/2014/main" id="{27FCB308-1452-E014-AC36-751AF611DC7A}"/>
               </a:ext>
             </a:extLst>
           </p:cNvPr>
-          <p:cNvSpPr>
-            <a:spLocks noGrp="1"/>
-          </p:cNvSpPr>
-          <p:nvPr>
-            <p:ph type="title"/>
-          </p:nvPr>
-        </p:nvSpPr>
-        <p:spPr/>
-        <p:txBody>
-          <a:bodyPr/>
-          <a:lstStyle/>
-          <a:p>
-            <a:endParaRPr lang="en-ZA" dirty="0"/>
-          </a:p>
-        </p:txBody>
-      </p:sp>
-      <p:sp>
-        <p:nvSpPr>
-          <p:cNvPr id="3" name="Content Placeholder 2">
+          <p:cNvPicPr>
+            <a:picLocks noGrp="1" noChangeAspect="1"/>
+          </p:cNvPicPr>
+          <p:nvPr>
+            <p:ph idx="1"/>
+          </p:nvPr>
+        </p:nvPicPr>
+        <p:blipFill rotWithShape="1">
+          <a:blip r:embed="rId3" cstate="screen">
+            <a:extLst>
+              <a:ext uri="{28A0092B-C50C-407E-A947-70E740481C1C}">
+                <a14:useLocalDpi xmlns:a14="http://schemas.microsoft.com/office/drawing/2010/main" val="0"/>
+              </a:ext>
+            </a:extLst>
+          </a:blip>
+          <a:srcRect/>
+          <a:stretch/>
+        </p:blipFill>
+        <p:spPr>
+          <a:xfrm>
+            <a:off x="1541789" y="2173574"/>
+            <a:ext cx="5548560" cy="3784443"/>
+          </a:xfrm>
+        </p:spPr>
+      </p:pic>
+      <p:sp>
+        <p:nvSpPr>
+          <p:cNvPr id="5" name="Title 1">
             <a:extLst>
               <a:ext uri="{FF2B5EF4-FFF2-40B4-BE49-F238E27FC236}">
-                <a16:creationId xmlns:a16="http://schemas.microsoft.com/office/drawing/2014/main" id="{B607376B-F765-A44F-51E4-683AF0E54E04}"/>
+                <a16:creationId xmlns:a16="http://schemas.microsoft.com/office/drawing/2014/main" id="{7B952029-72DC-727C-4334-DFB9FDA76388}"/>
               </a:ext>
             </a:extLst>
           </p:cNvPr>
-          <p:cNvSpPr>
-            <a:spLocks noGrp="1"/>
-          </p:cNvSpPr>
-          <p:nvPr>
-            <p:ph idx="1"/>
-          </p:nvPr>
-        </p:nvSpPr>
-        <p:spPr/>
-        <p:txBody>
-          <a:bodyPr/>
-          <a:lstStyle/>
-          <a:p>
-            <a:endParaRPr lang="en-ZA"/>
+          <p:cNvSpPr txBox="1">
+            <a:spLocks/>
+          </p:cNvSpPr>
+          <p:nvPr/>
+        </p:nvSpPr>
+        <p:spPr>
+          <a:xfrm>
+            <a:off x="1391887" y="899983"/>
+            <a:ext cx="4824035" cy="676393"/>
+          </a:xfrm>
+          <a:prstGeom prst="rect">
+            <a:avLst/>
+          </a:prstGeom>
+        </p:spPr>
+        <p:txBody>
+          <a:bodyPr vert="horz" lIns="91440" tIns="45720" rIns="91440" bIns="45720" rtlCol="0" anchor="t">
+            <a:normAutofit/>
+          </a:bodyPr>
+          <a:lstStyle>
+            <a:lvl1pPr algn="l" defTabSz="914400" rtl="0" eaLnBrk="1" latinLnBrk="0" hangingPunct="1">
+              <a:lnSpc>
+                <a:spcPct val="90000"/>
+              </a:lnSpc>
+              <a:spcBef>
+                <a:spcPct val="0"/>
+              </a:spcBef>
+              <a:buNone/>
+              <a:defRPr sz="3200" b="0" i="0" kern="1200" cap="all">
+                <a:solidFill>
+                  <a:schemeClr val="tx1"/>
+                </a:solidFill>
+                <a:effectLst/>
+                <a:latin typeface="+mj-lt"/>
+                <a:ea typeface="+mj-ea"/>
+                <a:cs typeface="+mj-cs"/>
+              </a:defRPr>
+            </a:lvl1pPr>
+          </a:lstStyle>
+          <a:p>
+            <a:r>
+              <a:rPr lang="en-US" dirty="0"/>
+              <a:t>Thank you</a:t>
+            </a:r>
           </a:p>
         </p:txBody>
       </p:sp>
@@ -7427,7 +8482,13 @@
   <p:cSld>
     <p:spTree>
       <p:nvGrpSpPr>
-        <p:cNvPr id="1" name=""/>
+        <p:cNvPr id="1" name="">
+          <a:extLst>
+            <a:ext uri="{FF2B5EF4-FFF2-40B4-BE49-F238E27FC236}">
+              <a16:creationId xmlns:a16="http://schemas.microsoft.com/office/drawing/2014/main" id="{2EB37530-520B-D910-8CB4-1115BC00A05A}"/>
+            </a:ext>
+          </a:extLst>
+        </p:cNvPr>
         <p:cNvGrpSpPr/>
         <p:nvPr/>
       </p:nvGrpSpPr>
@@ -7444,7 +8505,7 @@
           <p:cNvPr id="2" name="Title 1">
             <a:extLst>
               <a:ext uri="{FF2B5EF4-FFF2-40B4-BE49-F238E27FC236}">
-                <a16:creationId xmlns:a16="http://schemas.microsoft.com/office/drawing/2014/main" id="{B0A5A030-3FC4-4B2C-97F7-A4547DF1D146}"/>
+                <a16:creationId xmlns:a16="http://schemas.microsoft.com/office/drawing/2014/main" id="{82C6AAFA-941F-A7AF-8B27-EFF1ECCBDBAD}"/>
               </a:ext>
             </a:extLst>
           </p:cNvPr>
@@ -7465,7 +8526,7 @@
                 <a:latin typeface="Calibri" panose="020F0502020204030204" pitchFamily="34" charset="0"/>
                 <a:cs typeface="Calibri" panose="020F0502020204030204" pitchFamily="34" charset="0"/>
               </a:rPr>
-              <a:t>QUALITY STANDARDS APPLICABLE TO THIS REPORT</a:t>
+              <a:t>INTRODUCTION</a:t>
             </a:r>
             <a:endParaRPr lang="en-US" dirty="0">
               <a:latin typeface="Calibri" panose="020F0502020204030204" pitchFamily="34" charset="0"/>
@@ -7479,7 +8540,7 @@
           <p:cNvPr id="3" name="Content Placeholder 2">
             <a:extLst>
               <a:ext uri="{FF2B5EF4-FFF2-40B4-BE49-F238E27FC236}">
-                <a16:creationId xmlns:a16="http://schemas.microsoft.com/office/drawing/2014/main" id="{6A38EC24-EC79-4D54-9915-ED753D87F29A}"/>
+                <a16:creationId xmlns:a16="http://schemas.microsoft.com/office/drawing/2014/main" id="{1B95C755-4CBD-639A-7E84-82879639CEBC}"/>
               </a:ext>
             </a:extLst>
           </p:cNvPr>
@@ -7492,9 +8553,7 @@
         </p:nvSpPr>
         <p:spPr/>
         <p:txBody>
-          <a:bodyPr>
-            <a:normAutofit lnSpcReduction="10000"/>
-          </a:bodyPr>
+          <a:bodyPr/>
           <a:lstStyle/>
           <a:p>
             <a:r>
@@ -7502,17 +8561,14 @@
                 <a:latin typeface="Calibri" panose="020F0502020204030204" pitchFamily="34" charset="0"/>
                 <a:cs typeface="Calibri" panose="020F0502020204030204" pitchFamily="34" charset="0"/>
               </a:rPr>
-              <a:t>National Cancer Control Program (NCCP)</a:t>
-            </a:r>
-          </a:p>
-          <a:p>
-            <a:pPr lvl="1"/>
+              <a:t>Background: </a:t>
+            </a:r>
             <a:r>
               <a:rPr lang="en-ZA" dirty="0">
                 <a:latin typeface="Calibri" panose="020F0502020204030204" pitchFamily="34" charset="0"/>
                 <a:cs typeface="Calibri" panose="020F0502020204030204" pitchFamily="34" charset="0"/>
               </a:rPr>
-              <a:t>Framework for cancer prevention, early detection, and treatment.</a:t>
+              <a:t>Cancer misdiagnosis is a critical issue, often arising from human error in assessing symptoms or ordering the right tests.</a:t>
             </a:r>
           </a:p>
           <a:p>
@@ -7521,17 +8577,14 @@
                 <a:latin typeface="Calibri" panose="020F0502020204030204" pitchFamily="34" charset="0"/>
                 <a:cs typeface="Calibri" panose="020F0502020204030204" pitchFamily="34" charset="0"/>
               </a:rPr>
-              <a:t>South African Nursing Council (SANC) Guidelines</a:t>
-            </a:r>
-          </a:p>
-          <a:p>
-            <a:pPr lvl="1"/>
+              <a:t>Objective of CDSS: </a:t>
+            </a:r>
             <a:r>
               <a:rPr lang="en-ZA" dirty="0">
                 <a:latin typeface="Calibri" panose="020F0502020204030204" pitchFamily="34" charset="0"/>
                 <a:cs typeface="Calibri" panose="020F0502020204030204" pitchFamily="34" charset="0"/>
               </a:rPr>
-              <a:t>Emphasis on high standards in oncology nursing.</a:t>
+              <a:t>Develop a Clinical Support System (CDSS) that assists healthcare providers by providing evidence-based insights for diagnosing cancer</a:t>
             </a:r>
           </a:p>
           <a:p>
@@ -7540,57 +8593,39 @@
                 <a:latin typeface="Calibri" panose="020F0502020204030204" pitchFamily="34" charset="0"/>
                 <a:cs typeface="Calibri" panose="020F0502020204030204" pitchFamily="34" charset="0"/>
               </a:rPr>
-              <a:t>Evidence-Based Practice (EBP)</a:t>
-            </a:r>
-          </a:p>
-          <a:p>
-            <a:pPr lvl="1"/>
+              <a:t>Expected Outcomes: </a:t>
+            </a:r>
             <a:r>
               <a:rPr lang="en-ZA" dirty="0">
                 <a:latin typeface="Calibri" panose="020F0502020204030204" pitchFamily="34" charset="0"/>
                 <a:cs typeface="Calibri" panose="020F0502020204030204" pitchFamily="34" charset="0"/>
               </a:rPr>
-              <a:t>Integrating research and clinical expertise for improved patient care.</a:t>
-            </a:r>
-          </a:p>
-          <a:p>
-            <a:r>
-              <a:rPr lang="en-ZA" b="1" dirty="0">
-                <a:latin typeface="Calibri" panose="020F0502020204030204" pitchFamily="34" charset="0"/>
-                <a:cs typeface="Calibri" panose="020F0502020204030204" pitchFamily="34" charset="0"/>
-              </a:rPr>
-              <a:t>Protection of Personal Information Act (POPIA)</a:t>
-            </a:r>
-          </a:p>
-          <a:p>
-            <a:pPr lvl="1"/>
-            <a:r>
-              <a:rPr lang="en-ZA" dirty="0">
-                <a:latin typeface="Calibri" panose="020F0502020204030204" pitchFamily="34" charset="0"/>
-                <a:cs typeface="Calibri" panose="020F0502020204030204" pitchFamily="34" charset="0"/>
-              </a:rPr>
-              <a:t>Took into consideration patient information</a:t>
-            </a:r>
+              <a:t>Improve quality of care in cancer wards by reducing diagnostic errors, speeding up diagnosis, and facilitating better patient management..</a:t>
+            </a:r>
+            <a:endParaRPr lang="en-US" b="1" dirty="0">
+              <a:latin typeface="Calibri" panose="020F0502020204030204" pitchFamily="34" charset="0"/>
+              <a:cs typeface="Calibri" panose="020F0502020204030204" pitchFamily="34" charset="0"/>
+            </a:endParaRPr>
           </a:p>
         </p:txBody>
       </p:sp>
     </p:spTree>
     <p:extLst>
       <p:ext uri="{BB962C8B-B14F-4D97-AF65-F5344CB8AC3E}">
-        <p14:creationId xmlns:p14="http://schemas.microsoft.com/office/powerpoint/2010/main" val="2597254524"/>
+        <p14:creationId xmlns:p14="http://schemas.microsoft.com/office/powerpoint/2010/main" val="2879502135"/>
       </p:ext>
     </p:extLst>
   </p:cSld>
   <p:clrMapOvr>
     <a:masterClrMapping/>
   </p:clrMapOvr>
-  <mc:AlternateContent xmlns:mc="http://schemas.openxmlformats.org/markup-compatibility/2006" xmlns:p159="http://schemas.microsoft.com/office/powerpoint/2015/09/main">
-    <mc:Choice Requires="p159">
+  <mc:AlternateContent xmlns:mc="http://schemas.openxmlformats.org/markup-compatibility/2006">
+    <mc:Choice xmlns:p159="http://schemas.microsoft.com/office/powerpoint/2015/09/main" Requires="p159">
       <p:transition xmlns:p14="http://schemas.microsoft.com/office/powerpoint/2010/main" spd="slow" p14:dur="2000">
         <p159:morph option="byObject"/>
       </p:transition>
     </mc:Choice>
-    <mc:Fallback xmlns="">
+    <mc:Fallback>
       <p:transition spd="slow">
         <p:fade/>
       </p:transition>
@@ -7621,7 +8656,7 @@
           <p:cNvPr id="2" name="Title 1">
             <a:extLst>
               <a:ext uri="{FF2B5EF4-FFF2-40B4-BE49-F238E27FC236}">
-                <a16:creationId xmlns:a16="http://schemas.microsoft.com/office/drawing/2014/main" id="{1D8EA2D1-46DA-4067-84A4-402EAC13DBC5}"/>
+                <a16:creationId xmlns:a16="http://schemas.microsoft.com/office/drawing/2014/main" id="{B0A5A030-3FC4-4B2C-97F7-A4547DF1D146}"/>
               </a:ext>
             </a:extLst>
           </p:cNvPr>
@@ -7642,7 +8677,7 @@
                 <a:latin typeface="Calibri" panose="020F0502020204030204" pitchFamily="34" charset="0"/>
                 <a:cs typeface="Calibri" panose="020F0502020204030204" pitchFamily="34" charset="0"/>
               </a:rPr>
-              <a:t>THE PROBLEM NOTED</a:t>
+              <a:t>QUALITY STANDARDS APPLICABLE TO THIS REPORT</a:t>
             </a:r>
             <a:endParaRPr lang="en-US" dirty="0">
               <a:latin typeface="Calibri" panose="020F0502020204030204" pitchFamily="34" charset="0"/>
@@ -7656,7 +8691,7 @@
           <p:cNvPr id="3" name="Content Placeholder 2">
             <a:extLst>
               <a:ext uri="{FF2B5EF4-FFF2-40B4-BE49-F238E27FC236}">
-                <a16:creationId xmlns:a16="http://schemas.microsoft.com/office/drawing/2014/main" id="{B2D6F14D-CD10-45E9-9793-EE546E26D32D}"/>
+                <a16:creationId xmlns:a16="http://schemas.microsoft.com/office/drawing/2014/main" id="{6A38EC24-EC79-4D54-9915-ED753D87F29A}"/>
               </a:ext>
             </a:extLst>
           </p:cNvPr>
@@ -7667,84 +8702,104 @@
             <p:ph idx="1"/>
           </p:nvPr>
         </p:nvSpPr>
-        <p:spPr/>
-        <p:txBody>
-          <a:bodyPr/>
+        <p:spPr>
+          <a:xfrm>
+            <a:off x="1451579" y="1952450"/>
+            <a:ext cx="10332383" cy="3750886"/>
+          </a:xfrm>
+        </p:spPr>
+        <p:txBody>
+          <a:bodyPr>
+            <a:noAutofit/>
+          </a:bodyPr>
           <a:lstStyle/>
           <a:p>
             <a:r>
-              <a:rPr lang="en-ZA" b="1" dirty="0">
-                <a:latin typeface="Calibri" panose="020F0502020204030204" pitchFamily="34" charset="0"/>
-                <a:cs typeface="Calibri" panose="020F0502020204030204" pitchFamily="34" charset="0"/>
-              </a:rPr>
-              <a:t>Primary Issue</a:t>
-            </a:r>
-          </a:p>
-          <a:p>
-            <a:pPr lvl="1"/>
-            <a:r>
-              <a:rPr lang="en-ZA" dirty="0">
-                <a:latin typeface="Calibri" panose="020F0502020204030204" pitchFamily="34" charset="0"/>
-                <a:cs typeface="Calibri" panose="020F0502020204030204" pitchFamily="34" charset="0"/>
-              </a:rPr>
-              <a:t>Delays in the diagnosis of cancer due to the limited access to specialized services and testing equipment.</a:t>
-            </a:r>
-          </a:p>
-          <a:p>
-            <a:r>
-              <a:rPr lang="en-ZA" b="1" dirty="0">
-                <a:latin typeface="Calibri" panose="020F0502020204030204" pitchFamily="34" charset="0"/>
-                <a:cs typeface="Calibri" panose="020F0502020204030204" pitchFamily="34" charset="0"/>
-              </a:rPr>
-              <a:t>Consequences Of Delayed Diagnosis: </a:t>
-            </a:r>
-          </a:p>
-          <a:p>
-            <a:pPr lvl="1"/>
-            <a:r>
-              <a:rPr lang="en-ZA" dirty="0">
-                <a:latin typeface="Calibri" panose="020F0502020204030204" pitchFamily="34" charset="0"/>
-                <a:cs typeface="Calibri" panose="020F0502020204030204" pitchFamily="34" charset="0"/>
-              </a:rPr>
-              <a:t>Prolonged pain and deterioration in the patient’s health.</a:t>
-            </a:r>
-          </a:p>
-          <a:p>
-            <a:pPr lvl="1"/>
-            <a:r>
-              <a:rPr lang="en-ZA" dirty="0">
-                <a:latin typeface="Calibri" panose="020F0502020204030204" pitchFamily="34" charset="0"/>
-                <a:cs typeface="Calibri" panose="020F0502020204030204" pitchFamily="34" charset="0"/>
-              </a:rPr>
-              <a:t>Increased need for aggressive and costly treatments.</a:t>
-            </a:r>
-          </a:p>
-          <a:p>
-            <a:pPr lvl="1"/>
-            <a:r>
-              <a:rPr lang="en-ZA" dirty="0">
-                <a:latin typeface="Calibri" panose="020F0502020204030204" pitchFamily="34" charset="0"/>
-                <a:cs typeface="Calibri" panose="020F0502020204030204" pitchFamily="34" charset="0"/>
-              </a:rPr>
-              <a:t>Slim chances of survival, especially in late-stage diagnoses.</a:t>
-            </a:r>
-            <a:endParaRPr lang="en-US" dirty="0">
+              <a:rPr lang="en-ZA" sz="1800" dirty="0">
+                <a:latin typeface="Calibri" panose="020F0502020204030204" pitchFamily="34" charset="0"/>
+                <a:cs typeface="Calibri" panose="020F0502020204030204" pitchFamily="34" charset="0"/>
+              </a:rPr>
+              <a:t>Ensure the system is reliable and there are best practice methods in diagnosis and treatment.</a:t>
+            </a:r>
+            <a:endParaRPr lang="en-ZA" sz="1800" b="1" dirty="0">
               <a:latin typeface="Calibri" panose="020F0502020204030204" pitchFamily="34" charset="0"/>
               <a:cs typeface="Calibri" panose="020F0502020204030204" pitchFamily="34" charset="0"/>
             </a:endParaRPr>
           </a:p>
           <a:p>
-            <a:endParaRPr lang="en-US" dirty="0">
-              <a:latin typeface="Calibri" panose="020F0502020204030204" pitchFamily="34" charset="0"/>
-              <a:cs typeface="Calibri" panose="020F0502020204030204" pitchFamily="34" charset="0"/>
-            </a:endParaRPr>
+            <a:r>
+              <a:rPr lang="en-ZA" b="1" dirty="0">
+                <a:latin typeface="Calibri" panose="020F0502020204030204" pitchFamily="34" charset="0"/>
+                <a:cs typeface="Calibri" panose="020F0502020204030204" pitchFamily="34" charset="0"/>
+              </a:rPr>
+              <a:t>National Cancer Control Program (NCCP)</a:t>
+            </a:r>
+          </a:p>
+          <a:p>
+            <a:pPr lvl="1"/>
+            <a:r>
+              <a:rPr lang="en-ZA" dirty="0">
+                <a:latin typeface="Calibri" panose="020F0502020204030204" pitchFamily="34" charset="0"/>
+                <a:cs typeface="Calibri" panose="020F0502020204030204" pitchFamily="34" charset="0"/>
+              </a:rPr>
+              <a:t>Focusing on prevention, early detection, and accessible across the country.</a:t>
+            </a:r>
+          </a:p>
+          <a:p>
+            <a:pPr lvl="1"/>
+            <a:r>
+              <a:rPr lang="en-ZA" dirty="0">
+                <a:latin typeface="Calibri" panose="020F0502020204030204" pitchFamily="34" charset="0"/>
+                <a:cs typeface="Calibri" panose="020F0502020204030204" pitchFamily="34" charset="0"/>
+              </a:rPr>
+              <a:t>Promotes healthy lifestyles, early screening, and research.</a:t>
+            </a:r>
+          </a:p>
+          <a:p>
+            <a:r>
+              <a:rPr lang="en-ZA" b="1" dirty="0">
+                <a:latin typeface="Calibri" panose="020F0502020204030204" pitchFamily="34" charset="0"/>
+                <a:cs typeface="Calibri" panose="020F0502020204030204" pitchFamily="34" charset="0"/>
+              </a:rPr>
+              <a:t>South African Nursing Council (SANC) Guidelines</a:t>
+            </a:r>
+          </a:p>
+          <a:p>
+            <a:pPr lvl="1"/>
+            <a:r>
+              <a:rPr lang="en-ZA" dirty="0">
+                <a:latin typeface="Calibri" panose="020F0502020204030204" pitchFamily="34" charset="0"/>
+                <a:cs typeface="Calibri" panose="020F0502020204030204" pitchFamily="34" charset="0"/>
+              </a:rPr>
+              <a:t>Set standards for oncology nurses, who receive special training and follow ethical principles.</a:t>
+            </a:r>
+          </a:p>
+          <a:p>
+            <a:pPr lvl="1"/>
+            <a:r>
+              <a:rPr lang="en-ZA" dirty="0">
+                <a:latin typeface="Calibri" panose="020F0502020204030204" pitchFamily="34" charset="0"/>
+                <a:cs typeface="Calibri" panose="020F0502020204030204" pitchFamily="34" charset="0"/>
+              </a:rPr>
+              <a:t>Support patients through informed choices and personalized care.</a:t>
+            </a:r>
+          </a:p>
+          <a:p>
+            <a:pPr lvl="1"/>
+            <a:r>
+              <a:rPr lang="en-ZA" dirty="0">
+                <a:latin typeface="Calibri" panose="020F0502020204030204" pitchFamily="34" charset="0"/>
+                <a:cs typeface="Calibri" panose="020F0502020204030204" pitchFamily="34" charset="0"/>
+              </a:rPr>
+              <a:t>Encourages continuous learning to stay informed with advances in cancer care.</a:t>
+            </a:r>
           </a:p>
         </p:txBody>
       </p:sp>
     </p:spTree>
     <p:extLst>
       <p:ext uri="{BB962C8B-B14F-4D97-AF65-F5344CB8AC3E}">
-        <p14:creationId xmlns:p14="http://schemas.microsoft.com/office/powerpoint/2010/main" val="3943933386"/>
+        <p14:creationId xmlns:p14="http://schemas.microsoft.com/office/powerpoint/2010/main" val="2597254524"/>
       </p:ext>
     </p:extLst>
   </p:cSld>
@@ -7771,7 +8826,13 @@
   <p:cSld>
     <p:spTree>
       <p:nvGrpSpPr>
-        <p:cNvPr id="1" name=""/>
+        <p:cNvPr id="1" name="">
+          <a:extLst>
+            <a:ext uri="{FF2B5EF4-FFF2-40B4-BE49-F238E27FC236}">
+              <a16:creationId xmlns:a16="http://schemas.microsoft.com/office/drawing/2014/main" id="{48DF3CEE-94FE-EBB8-54DA-C4EC1D23C464}"/>
+            </a:ext>
+          </a:extLst>
+        </p:cNvPr>
         <p:cNvGrpSpPr/>
         <p:nvPr/>
       </p:nvGrpSpPr>
@@ -7788,7 +8849,7 @@
           <p:cNvPr id="2" name="Title 1">
             <a:extLst>
               <a:ext uri="{FF2B5EF4-FFF2-40B4-BE49-F238E27FC236}">
-                <a16:creationId xmlns:a16="http://schemas.microsoft.com/office/drawing/2014/main" id="{8A648793-3833-49B4-8385-5BB38D9A523D}"/>
+                <a16:creationId xmlns:a16="http://schemas.microsoft.com/office/drawing/2014/main" id="{97C9AE82-0554-77AD-2B55-0F777677AFEA}"/>
               </a:ext>
             </a:extLst>
           </p:cNvPr>
@@ -7809,7 +8870,7 @@
                 <a:latin typeface="Calibri" panose="020F0502020204030204" pitchFamily="34" charset="0"/>
                 <a:cs typeface="Calibri" panose="020F0502020204030204" pitchFamily="34" charset="0"/>
               </a:rPr>
-              <a:t>CONTRIBUTING FACTORS</a:t>
+              <a:t>QUALITY STANDARDS APPLICABLE TO THIS REPORT</a:t>
             </a:r>
             <a:endParaRPr lang="en-US" dirty="0">
               <a:latin typeface="Calibri" panose="020F0502020204030204" pitchFamily="34" charset="0"/>
@@ -7823,7 +8884,7 @@
           <p:cNvPr id="3" name="Content Placeholder 2">
             <a:extLst>
               <a:ext uri="{FF2B5EF4-FFF2-40B4-BE49-F238E27FC236}">
-                <a16:creationId xmlns:a16="http://schemas.microsoft.com/office/drawing/2014/main" id="{CBE6EF55-4D5C-46C6-BFD1-FB495A74902D}"/>
+                <a16:creationId xmlns:a16="http://schemas.microsoft.com/office/drawing/2014/main" id="{24F5B9A1-9B49-7C9B-C34F-D02530A291A3}"/>
               </a:ext>
             </a:extLst>
           </p:cNvPr>
@@ -7834,9 +8895,16 @@
             <p:ph idx="1"/>
           </p:nvPr>
         </p:nvSpPr>
-        <p:spPr/>
-        <p:txBody>
-          <a:bodyPr/>
+        <p:spPr>
+          <a:xfrm>
+            <a:off x="1451579" y="1981946"/>
+            <a:ext cx="10332383" cy="3750886"/>
+          </a:xfrm>
+        </p:spPr>
+        <p:txBody>
+          <a:bodyPr>
+            <a:noAutofit/>
+          </a:bodyPr>
           <a:lstStyle/>
           <a:p>
             <a:r>
@@ -7844,14 +8912,27 @@
                 <a:latin typeface="Calibri" panose="020F0502020204030204" pitchFamily="34" charset="0"/>
                 <a:cs typeface="Calibri" panose="020F0502020204030204" pitchFamily="34" charset="0"/>
               </a:rPr>
-              <a:t>Healthcare Environment: </a:t>
-            </a:r>
+              <a:t>Evidence-Based Practice (EBP)</a:t>
+            </a:r>
+          </a:p>
+          <a:p>
+            <a:pPr lvl="1"/>
             <a:r>
               <a:rPr lang="en-ZA" dirty="0">
                 <a:latin typeface="Calibri" panose="020F0502020204030204" pitchFamily="34" charset="0"/>
                 <a:cs typeface="Calibri" panose="020F0502020204030204" pitchFamily="34" charset="0"/>
               </a:rPr>
-              <a:t>Long wait times, insufficient diagnostic equipment, and uneven distribution of resources, especially in rural areas.</a:t>
+              <a:t>Guide nurses in decision making by combining real-life experiences, patient needs, and research</a:t>
+            </a:r>
+          </a:p>
+          <a:p>
+            <a:pPr lvl="1"/>
+            <a:r>
+              <a:rPr lang="en-ZA" dirty="0">
+                <a:latin typeface="Calibri" panose="020F0502020204030204" pitchFamily="34" charset="0"/>
+                <a:cs typeface="Calibri" panose="020F0502020204030204" pitchFamily="34" charset="0"/>
+              </a:rPr>
+              <a:t>Allow nurse to tailor care for each patient while ensuring that practices are updated based on latest evidence.</a:t>
             </a:r>
           </a:p>
           <a:p>
@@ -7860,58 +8941,38 @@
                 <a:latin typeface="Calibri" panose="020F0502020204030204" pitchFamily="34" charset="0"/>
                 <a:cs typeface="Calibri" panose="020F0502020204030204" pitchFamily="34" charset="0"/>
               </a:rPr>
-              <a:t>Human Resources: </a:t>
-            </a:r>
+              <a:t>Protection of Personal Information Act (POPIA)</a:t>
+            </a:r>
+          </a:p>
+          <a:p>
+            <a:pPr lvl="1"/>
             <a:r>
               <a:rPr lang="en-ZA" dirty="0">
                 <a:latin typeface="Calibri" panose="020F0502020204030204" pitchFamily="34" charset="0"/>
                 <a:cs typeface="Calibri" panose="020F0502020204030204" pitchFamily="34" charset="0"/>
               </a:rPr>
-              <a:t>Limited training for healthcare providers on early cancer symptom detection.</a:t>
-            </a:r>
-          </a:p>
-          <a:p>
-            <a:r>
-              <a:rPr lang="en-ZA" b="1" dirty="0">
-                <a:latin typeface="Calibri" panose="020F0502020204030204" pitchFamily="34" charset="0"/>
-                <a:cs typeface="Calibri" panose="020F0502020204030204" pitchFamily="34" charset="0"/>
-              </a:rPr>
-              <a:t>Patient-Related Factors: </a:t>
-            </a:r>
-            <a:r>
-              <a:rPr lang="en-ZA" dirty="0">
-                <a:latin typeface="Calibri" panose="020F0502020204030204" pitchFamily="34" charset="0"/>
-                <a:cs typeface="Calibri" panose="020F0502020204030204" pitchFamily="34" charset="0"/>
-              </a:rPr>
-              <a:t>Financial barriers, lack of awareness about cancer symptoms, anxiety</a:t>
-            </a:r>
-            <a:endParaRPr lang="en-US" b="1" dirty="0">
-              <a:latin typeface="Calibri" panose="020F0502020204030204" pitchFamily="34" charset="0"/>
-              <a:cs typeface="Calibri" panose="020F0502020204030204" pitchFamily="34" charset="0"/>
-            </a:endParaRPr>
-          </a:p>
-          <a:p>
-            <a:endParaRPr lang="en-US" dirty="0"/>
+              <a:t>Ensure responsibility in handling of patient data, safeguarding privacy and confidentiality.</a:t>
+            </a:r>
           </a:p>
         </p:txBody>
       </p:sp>
     </p:spTree>
     <p:extLst>
       <p:ext uri="{BB962C8B-B14F-4D97-AF65-F5344CB8AC3E}">
-        <p14:creationId xmlns:p14="http://schemas.microsoft.com/office/powerpoint/2010/main" val="3047850439"/>
+        <p14:creationId xmlns:p14="http://schemas.microsoft.com/office/powerpoint/2010/main" val="4122591524"/>
       </p:ext>
     </p:extLst>
   </p:cSld>
   <p:clrMapOvr>
     <a:masterClrMapping/>
   </p:clrMapOvr>
-  <mc:AlternateContent xmlns:mc="http://schemas.openxmlformats.org/markup-compatibility/2006" xmlns:p159="http://schemas.microsoft.com/office/powerpoint/2015/09/main">
-    <mc:Choice Requires="p159">
+  <mc:AlternateContent xmlns:mc="http://schemas.openxmlformats.org/markup-compatibility/2006">
+    <mc:Choice xmlns:p159="http://schemas.microsoft.com/office/powerpoint/2015/09/main" Requires="p159">
       <p:transition xmlns:p14="http://schemas.microsoft.com/office/powerpoint/2010/main" spd="slow" p14:dur="2000">
         <p159:morph option="byObject"/>
       </p:transition>
     </mc:Choice>
-    <mc:Fallback xmlns="">
+    <mc:Fallback>
       <p:transition spd="slow">
         <p:fade/>
       </p:transition>
@@ -7942,7 +9003,7 @@
           <p:cNvPr id="2" name="Title 1">
             <a:extLst>
               <a:ext uri="{FF2B5EF4-FFF2-40B4-BE49-F238E27FC236}">
-                <a16:creationId xmlns:a16="http://schemas.microsoft.com/office/drawing/2014/main" id="{1A82A832-2B59-4617-9962-4D5055440DF5}"/>
+                <a16:creationId xmlns:a16="http://schemas.microsoft.com/office/drawing/2014/main" id="{1D8EA2D1-46DA-4067-84A4-402EAC13DBC5}"/>
               </a:ext>
             </a:extLst>
           </p:cNvPr>
@@ -7963,7 +9024,7 @@
                 <a:latin typeface="Calibri" panose="020F0502020204030204" pitchFamily="34" charset="0"/>
                 <a:cs typeface="Calibri" panose="020F0502020204030204" pitchFamily="34" charset="0"/>
               </a:rPr>
-              <a:t>ROOT CAUSE ANALYSIS</a:t>
+              <a:t>THE PROBLEM NOTED</a:t>
             </a:r>
             <a:endParaRPr lang="en-US" dirty="0">
               <a:latin typeface="Calibri" panose="020F0502020204030204" pitchFamily="34" charset="0"/>
@@ -7977,7 +9038,7 @@
           <p:cNvPr id="3" name="Content Placeholder 2">
             <a:extLst>
               <a:ext uri="{FF2B5EF4-FFF2-40B4-BE49-F238E27FC236}">
-                <a16:creationId xmlns:a16="http://schemas.microsoft.com/office/drawing/2014/main" id="{97414A4D-87D4-496A-996B-421E1F44DF7B}"/>
+                <a16:creationId xmlns:a16="http://schemas.microsoft.com/office/drawing/2014/main" id="{B2D6F14D-CD10-45E9-9793-EE546E26D32D}"/>
               </a:ext>
             </a:extLst>
           </p:cNvPr>
@@ -7993,81 +9054,79 @@
           <a:bodyPr/>
           <a:lstStyle/>
           <a:p>
-            <a:pPr algn="just">
-              <a:lnSpc>
-                <a:spcPct val="100000"/>
-              </a:lnSpc>
-            </a:pPr>
             <a:r>
               <a:rPr lang="en-ZA" b="1" dirty="0">
                 <a:latin typeface="Calibri" panose="020F0502020204030204" pitchFamily="34" charset="0"/>
                 <a:cs typeface="Calibri" panose="020F0502020204030204" pitchFamily="34" charset="0"/>
               </a:rPr>
-              <a:t>System Issues: </a:t>
-            </a:r>
+              <a:t>Primary Issue</a:t>
+            </a:r>
+          </a:p>
+          <a:p>
+            <a:pPr lvl="1"/>
             <a:r>
               <a:rPr lang="en-ZA" dirty="0">
                 <a:latin typeface="Calibri" panose="020F0502020204030204" pitchFamily="34" charset="0"/>
                 <a:cs typeface="Calibri" panose="020F0502020204030204" pitchFamily="34" charset="0"/>
               </a:rPr>
-              <a:t>Delays in scheduling visits with specialists and limited access to essential diagnostic equipment.</a:t>
-            </a:r>
-          </a:p>
-          <a:p>
-            <a:pPr algn="just">
-              <a:lnSpc>
-                <a:spcPct val="100000"/>
-              </a:lnSpc>
-            </a:pPr>
+              <a:t>Delays in the diagnosis of cancer due to the limited access to specialized services and testing equipment.</a:t>
+            </a:r>
+          </a:p>
+          <a:p>
             <a:r>
               <a:rPr lang="en-ZA" b="1" dirty="0">
                 <a:latin typeface="Calibri" panose="020F0502020204030204" pitchFamily="34" charset="0"/>
                 <a:cs typeface="Calibri" panose="020F0502020204030204" pitchFamily="34" charset="0"/>
               </a:rPr>
-              <a:t>Patient Challenges: </a:t>
-            </a:r>
+              <a:t>Consequences Of Delayed Diagnosis: </a:t>
+            </a:r>
+          </a:p>
+          <a:p>
+            <a:pPr lvl="1"/>
             <a:r>
               <a:rPr lang="en-ZA" dirty="0">
                 <a:latin typeface="Calibri" panose="020F0502020204030204" pitchFamily="34" charset="0"/>
                 <a:cs typeface="Calibri" panose="020F0502020204030204" pitchFamily="34" charset="0"/>
               </a:rPr>
-              <a:t>Lack of awareness of symptoms, difficulties with transportation, and hesitancy to seek medical care.</a:t>
-            </a:r>
-          </a:p>
-          <a:p>
-            <a:pPr algn="just">
-              <a:lnSpc>
-                <a:spcPct val="100000"/>
-              </a:lnSpc>
-            </a:pPr>
-            <a:r>
-              <a:rPr lang="en-ZA" b="1" dirty="0">
-                <a:latin typeface="Calibri" panose="020F0502020204030204" pitchFamily="34" charset="0"/>
-                <a:cs typeface="Calibri" panose="020F0502020204030204" pitchFamily="34" charset="0"/>
-              </a:rPr>
-              <a:t>Provider Challenges: </a:t>
-            </a:r>
+              <a:t>Prolonged pain and deterioration in the patient’s health.</a:t>
+            </a:r>
+          </a:p>
+          <a:p>
+            <a:pPr lvl="1"/>
             <a:r>
               <a:rPr lang="en-ZA" dirty="0">
                 <a:latin typeface="Calibri" panose="020F0502020204030204" pitchFamily="34" charset="0"/>
                 <a:cs typeface="Calibri" panose="020F0502020204030204" pitchFamily="34" charset="0"/>
               </a:rPr>
-              <a:t>Need for better training on symptom identification and cancer care protocols.</a:t>
-            </a:r>
-            <a:endParaRPr lang="en-US" b="1" dirty="0">
+              <a:t>Increased need for aggressive and costly treatments.</a:t>
+            </a:r>
+          </a:p>
+          <a:p>
+            <a:pPr lvl="1"/>
+            <a:r>
+              <a:rPr lang="en-ZA" dirty="0">
+                <a:latin typeface="Calibri" panose="020F0502020204030204" pitchFamily="34" charset="0"/>
+                <a:cs typeface="Calibri" panose="020F0502020204030204" pitchFamily="34" charset="0"/>
+              </a:rPr>
+              <a:t>Slim chances of survival, especially in late-stage diagnoses.</a:t>
+            </a:r>
+            <a:endParaRPr lang="en-US" dirty="0">
               <a:latin typeface="Calibri" panose="020F0502020204030204" pitchFamily="34" charset="0"/>
               <a:cs typeface="Calibri" panose="020F0502020204030204" pitchFamily="34" charset="0"/>
             </a:endParaRPr>
           </a:p>
           <a:p>
-            <a:endParaRPr lang="en-US" dirty="0"/>
+            <a:endParaRPr lang="en-US" dirty="0">
+              <a:latin typeface="Calibri" panose="020F0502020204030204" pitchFamily="34" charset="0"/>
+              <a:cs typeface="Calibri" panose="020F0502020204030204" pitchFamily="34" charset="0"/>
+            </a:endParaRPr>
           </a:p>
         </p:txBody>
       </p:sp>
     </p:spTree>
     <p:extLst>
       <p:ext uri="{BB962C8B-B14F-4D97-AF65-F5344CB8AC3E}">
-        <p14:creationId xmlns:p14="http://schemas.microsoft.com/office/powerpoint/2010/main" val="3271743300"/>
+        <p14:creationId xmlns:p14="http://schemas.microsoft.com/office/powerpoint/2010/main" val="3943933386"/>
       </p:ext>
     </p:extLst>
   </p:cSld>
@@ -8086,11 +9145,6 @@
       </p:transition>
     </mc:Fallback>
   </mc:AlternateContent>
-  <p:extLst>
-    <p:ext uri="{6950BFC3-D8DA-4A85-94F7-54DA5524770B}">
-      <p188:commentRel xmlns:p188="http://schemas.microsoft.com/office/powerpoint/2018/8/main" r:id="rId2"/>
-    </p:ext>
-  </p:extLst>
 </p:sld>
 </file>
 
@@ -8116,7 +9170,7 @@
           <p:cNvPr id="2" name="Title 1">
             <a:extLst>
               <a:ext uri="{FF2B5EF4-FFF2-40B4-BE49-F238E27FC236}">
-                <a16:creationId xmlns:a16="http://schemas.microsoft.com/office/drawing/2014/main" id="{DCAA7105-1B94-4BE4-884B-2AE38B2B463D}"/>
+                <a16:creationId xmlns:a16="http://schemas.microsoft.com/office/drawing/2014/main" id="{8A648793-3833-49B4-8385-5BB38D9A523D}"/>
               </a:ext>
             </a:extLst>
           </p:cNvPr>
@@ -8137,7 +9191,7 @@
                 <a:latin typeface="Calibri" panose="020F0502020204030204" pitchFamily="34" charset="0"/>
                 <a:cs typeface="Calibri" panose="020F0502020204030204" pitchFamily="34" charset="0"/>
               </a:rPr>
-              <a:t>PROJECT AIM AND GOAL</a:t>
+              <a:t>CONTRIBUTING FACTORS</a:t>
             </a:r>
             <a:endParaRPr lang="en-US" dirty="0">
               <a:latin typeface="Calibri" panose="020F0502020204030204" pitchFamily="34" charset="0"/>
@@ -8151,7 +9205,7 @@
           <p:cNvPr id="3" name="Content Placeholder 2">
             <a:extLst>
               <a:ext uri="{FF2B5EF4-FFF2-40B4-BE49-F238E27FC236}">
-                <a16:creationId xmlns:a16="http://schemas.microsoft.com/office/drawing/2014/main" id="{017E3445-DC80-4CB7-96F2-32469800CD94}"/>
+                <a16:creationId xmlns:a16="http://schemas.microsoft.com/office/drawing/2014/main" id="{CBE6EF55-4D5C-46C6-BFD1-FB495A74902D}"/>
               </a:ext>
             </a:extLst>
           </p:cNvPr>
@@ -8167,116 +9221,66 @@
           <a:bodyPr/>
           <a:lstStyle/>
           <a:p>
-            <a:pPr>
-              <a:lnSpc>
-                <a:spcPct val="150000"/>
-              </a:lnSpc>
-            </a:pPr>
-            <a:r>
-              <a:rPr lang="en-US" b="1" dirty="0">
-                <a:latin typeface="Calibri" panose="020F0502020204030204" pitchFamily="34" charset="0"/>
-                <a:ea typeface="ADLaM Display" panose="02010000000000000000" pitchFamily="2" charset="0"/>
-                <a:cs typeface="Calibri" panose="020F0502020204030204" pitchFamily="34" charset="0"/>
-              </a:rPr>
-              <a:t>Objective:</a:t>
-            </a:r>
-            <a:r>
-              <a:rPr lang="en-US" dirty="0">
-                <a:latin typeface="Calibri" panose="020F0502020204030204" pitchFamily="34" charset="0"/>
-                <a:ea typeface="ADLaM Display" panose="02010000000000000000" pitchFamily="2" charset="0"/>
-                <a:cs typeface="Calibri" panose="020F0502020204030204" pitchFamily="34" charset="0"/>
-              </a:rPr>
-              <a:t> Enhance diagnostic accuracy and timing in oncology</a:t>
-            </a:r>
-          </a:p>
-          <a:p>
-            <a:pPr lvl="1">
-              <a:lnSpc>
-                <a:spcPct val="150000"/>
-              </a:lnSpc>
-            </a:pPr>
-            <a:r>
-              <a:rPr lang="en-US" b="1" dirty="0">
-                <a:latin typeface="Calibri" panose="020F0502020204030204" pitchFamily="34" charset="0"/>
-                <a:ea typeface="ADLaM Display" panose="02010000000000000000" pitchFamily="2" charset="0"/>
-                <a:cs typeface="Calibri" panose="020F0502020204030204" pitchFamily="34" charset="0"/>
-              </a:rPr>
-              <a:t>Main Goal: </a:t>
-            </a:r>
-            <a:r>
-              <a:rPr lang="en-US" dirty="0">
-                <a:latin typeface="Calibri" panose="020F0502020204030204" pitchFamily="34" charset="0"/>
-                <a:ea typeface="ADLaM Display" panose="02010000000000000000" pitchFamily="2" charset="0"/>
-                <a:cs typeface="Calibri" panose="020F0502020204030204" pitchFamily="34" charset="0"/>
-              </a:rPr>
-              <a:t>Reduce diagnostic errors and delays using a Clinical Decision Support System (CDSS)</a:t>
-            </a:r>
-          </a:p>
-          <a:p>
-            <a:pPr lvl="1">
-              <a:lnSpc>
-                <a:spcPct val="150000"/>
-              </a:lnSpc>
-            </a:pPr>
-            <a:r>
-              <a:rPr lang="en-US" b="1" dirty="0">
-                <a:latin typeface="Calibri" panose="020F0502020204030204" pitchFamily="34" charset="0"/>
-                <a:ea typeface="ADLaM Display" panose="02010000000000000000" pitchFamily="2" charset="0"/>
-                <a:cs typeface="Calibri" panose="020F0502020204030204" pitchFamily="34" charset="0"/>
-              </a:rPr>
-              <a:t>Motivation:</a:t>
-            </a:r>
-            <a:r>
-              <a:rPr lang="en-US" dirty="0">
-                <a:latin typeface="Calibri" panose="020F0502020204030204" pitchFamily="34" charset="0"/>
-                <a:ea typeface="ADLaM Display" panose="02010000000000000000" pitchFamily="2" charset="0"/>
-                <a:cs typeface="Calibri" panose="020F0502020204030204" pitchFamily="34" charset="0"/>
-              </a:rPr>
-              <a:t> Counteract risks of misdiagnosis affecting patient health (Hall et al.)</a:t>
-            </a:r>
-          </a:p>
-          <a:p>
-            <a:pPr>
-              <a:lnSpc>
-                <a:spcPct val="150000"/>
-              </a:lnSpc>
-            </a:pPr>
-            <a:r>
-              <a:rPr lang="en-US" b="1" dirty="0">
-                <a:latin typeface="Calibri" panose="020F0502020204030204" pitchFamily="34" charset="0"/>
-                <a:ea typeface="ADLaM Display" panose="02010000000000000000" pitchFamily="2" charset="0"/>
-                <a:cs typeface="Calibri" panose="020F0502020204030204" pitchFamily="34" charset="0"/>
-              </a:rPr>
-              <a:t>Approach:</a:t>
-            </a:r>
-            <a:r>
-              <a:rPr lang="en-US" dirty="0">
-                <a:latin typeface="Calibri" panose="020F0502020204030204" pitchFamily="34" charset="0"/>
-                <a:ea typeface="ADLaM Display" panose="02010000000000000000" pitchFamily="2" charset="0"/>
-                <a:cs typeface="Calibri" panose="020F0502020204030204" pitchFamily="34" charset="0"/>
-              </a:rPr>
-              <a:t> Employ technology and evidence-based methods to improve diagnostic timeliness and accuracy</a:t>
-            </a:r>
-            <a:r>
-              <a:rPr lang="en-US" dirty="0">
-                <a:latin typeface="Calibri" panose="020F0502020204030204" pitchFamily="34" charset="0"/>
-                <a:cs typeface="Calibri" panose="020F0502020204030204" pitchFamily="34" charset="0"/>
-              </a:rPr>
-              <a:t>.</a:t>
-            </a:r>
-          </a:p>
-          <a:p>
-            <a:endParaRPr lang="en-US" dirty="0">
+            <a:r>
+              <a:rPr lang="en-ZA" b="1" dirty="0">
+                <a:latin typeface="Calibri" panose="020F0502020204030204" pitchFamily="34" charset="0"/>
+                <a:cs typeface="Calibri" panose="020F0502020204030204" pitchFamily="34" charset="0"/>
+              </a:rPr>
+              <a:t>Healthcare Environment: </a:t>
+            </a:r>
+            <a:r>
+              <a:rPr lang="en-ZA" dirty="0">
+                <a:latin typeface="Calibri" panose="020F0502020204030204" pitchFamily="34" charset="0"/>
+                <a:cs typeface="Calibri" panose="020F0502020204030204" pitchFamily="34" charset="0"/>
+              </a:rPr>
+              <a:t>Long wait times, insufficient diagnostic equipment, and uneven distribution of resources, especially in rural areas.</a:t>
+            </a:r>
+          </a:p>
+          <a:p>
+            <a:r>
+              <a:rPr lang="en-ZA" b="1" dirty="0">
+                <a:latin typeface="Calibri" panose="020F0502020204030204" pitchFamily="34" charset="0"/>
+                <a:cs typeface="Calibri" panose="020F0502020204030204" pitchFamily="34" charset="0"/>
+              </a:rPr>
+              <a:t>Human Resources: </a:t>
+            </a:r>
+            <a:r>
+              <a:rPr lang="en-ZA" dirty="0">
+                <a:latin typeface="Calibri" panose="020F0502020204030204" pitchFamily="34" charset="0"/>
+                <a:cs typeface="Calibri" panose="020F0502020204030204" pitchFamily="34" charset="0"/>
+              </a:rPr>
+              <a:t>Limited training for healthcare providers on early cancer symptom detection.</a:t>
+            </a:r>
+          </a:p>
+          <a:p>
+            <a:r>
+              <a:rPr lang="en-ZA" b="1" dirty="0">
+                <a:latin typeface="Calibri" panose="020F0502020204030204" pitchFamily="34" charset="0"/>
+                <a:cs typeface="Calibri" panose="020F0502020204030204" pitchFamily="34" charset="0"/>
+              </a:rPr>
+              <a:t>Patient-Related Factors: </a:t>
+            </a:r>
+            <a:r>
+              <a:rPr lang="en-ZA" dirty="0">
+                <a:latin typeface="Calibri" panose="020F0502020204030204" pitchFamily="34" charset="0"/>
+                <a:cs typeface="Calibri" panose="020F0502020204030204" pitchFamily="34" charset="0"/>
+              </a:rPr>
+              <a:t>Financial barriers, lack of awareness about cancer symptoms, anxiety</a:t>
+            </a:r>
+            <a:endParaRPr lang="en-US" b="1" dirty="0">
               <a:latin typeface="Calibri" panose="020F0502020204030204" pitchFamily="34" charset="0"/>
               <a:cs typeface="Calibri" panose="020F0502020204030204" pitchFamily="34" charset="0"/>
             </a:endParaRPr>
           </a:p>
+          <a:p>
+            <a:endParaRPr lang="en-US" dirty="0"/>
+          </a:p>
         </p:txBody>
       </p:sp>
     </p:spTree>
     <p:extLst>
       <p:ext uri="{BB962C8B-B14F-4D97-AF65-F5344CB8AC3E}">
-        <p14:creationId xmlns:p14="http://schemas.microsoft.com/office/powerpoint/2010/main" val="3329608389"/>
+        <p14:creationId xmlns:p14="http://schemas.microsoft.com/office/powerpoint/2010/main" val="3047850439"/>
       </p:ext>
     </p:extLst>
   </p:cSld>
@@ -8320,7 +9324,7 @@
           <p:cNvPr id="2" name="Title 1">
             <a:extLst>
               <a:ext uri="{FF2B5EF4-FFF2-40B4-BE49-F238E27FC236}">
-                <a16:creationId xmlns:a16="http://schemas.microsoft.com/office/drawing/2014/main" id="{2B2E57DD-A784-4687-BAAF-9E022D117FFD}"/>
+                <a16:creationId xmlns:a16="http://schemas.microsoft.com/office/drawing/2014/main" id="{1A82A832-2B59-4617-9962-4D5055440DF5}"/>
               </a:ext>
             </a:extLst>
           </p:cNvPr>
@@ -8341,7 +9345,7 @@
                 <a:latin typeface="Calibri" panose="020F0502020204030204" pitchFamily="34" charset="0"/>
                 <a:cs typeface="Calibri" panose="020F0502020204030204" pitchFamily="34" charset="0"/>
               </a:rPr>
-              <a:t>SMART GOALS</a:t>
+              <a:t>ROOT CAUSE ANALYSIS</a:t>
             </a:r>
             <a:endParaRPr lang="en-US" dirty="0">
               <a:latin typeface="Calibri" panose="020F0502020204030204" pitchFamily="34" charset="0"/>
@@ -8355,7 +9359,7 @@
           <p:cNvPr id="3" name="Content Placeholder 2">
             <a:extLst>
               <a:ext uri="{FF2B5EF4-FFF2-40B4-BE49-F238E27FC236}">
-                <a16:creationId xmlns:a16="http://schemas.microsoft.com/office/drawing/2014/main" id="{E17BD53B-114C-4E73-9087-9A8A2AE83420}"/>
+                <a16:creationId xmlns:a16="http://schemas.microsoft.com/office/drawing/2014/main" id="{97414A4D-87D4-496A-996B-421E1F44DF7B}"/>
               </a:ext>
             </a:extLst>
           </p:cNvPr>
@@ -8368,89 +9372,74 @@
         </p:nvSpPr>
         <p:spPr/>
         <p:txBody>
-          <a:bodyPr>
-            <a:normAutofit lnSpcReduction="10000"/>
-          </a:bodyPr>
+          <a:bodyPr/>
           <a:lstStyle/>
           <a:p>
-            <a:r>
-              <a:rPr lang="en-US" b="1" dirty="0">
-                <a:latin typeface="Calibri" panose="020F0502020204030204" pitchFamily="34" charset="0"/>
-                <a:cs typeface="Calibri" panose="020F0502020204030204" pitchFamily="34" charset="0"/>
-              </a:rPr>
-              <a:t>Specific</a:t>
-            </a:r>
-            <a:r>
-              <a:rPr lang="en-US" dirty="0">
-                <a:latin typeface="Calibri" panose="020F0502020204030204" pitchFamily="34" charset="0"/>
-                <a:cs typeface="Calibri" panose="020F0502020204030204" pitchFamily="34" charset="0"/>
-              </a:rPr>
-              <a:t>: Shorten diagnosis time from initial symptoms by 20% within 12 months</a:t>
-            </a:r>
-          </a:p>
-          <a:p>
-            <a:r>
-              <a:rPr lang="en-US" b="1" dirty="0">
-                <a:latin typeface="Calibri" panose="020F0502020204030204" pitchFamily="34" charset="0"/>
-                <a:cs typeface="Calibri" panose="020F0502020204030204" pitchFamily="34" charset="0"/>
-              </a:rPr>
-              <a:t>Measurable</a:t>
-            </a:r>
-            <a:r>
-              <a:rPr lang="en-US" dirty="0">
-                <a:latin typeface="Calibri" panose="020F0502020204030204" pitchFamily="34" charset="0"/>
-                <a:cs typeface="Calibri" panose="020F0502020204030204" pitchFamily="34" charset="0"/>
-              </a:rPr>
-              <a:t>: Track diagnosis time before and after CDSS implementation; aim for a 20% reduction</a:t>
-            </a:r>
-          </a:p>
-          <a:p>
-            <a:r>
-              <a:rPr lang="en-US" b="1" dirty="0">
-                <a:latin typeface="Calibri" panose="020F0502020204030204" pitchFamily="34" charset="0"/>
-                <a:cs typeface="Calibri" panose="020F0502020204030204" pitchFamily="34" charset="0"/>
-              </a:rPr>
-              <a:t>Achievable</a:t>
-            </a:r>
-            <a:r>
-              <a:rPr lang="en-US" dirty="0">
-                <a:latin typeface="Calibri" panose="020F0502020204030204" pitchFamily="34" charset="0"/>
-                <a:cs typeface="Calibri" panose="020F0502020204030204" pitchFamily="34" charset="0"/>
-              </a:rPr>
-              <a:t>: CDSS designed to assist practitioners with streamlined, evidence-based decision support</a:t>
-            </a:r>
-          </a:p>
-          <a:p>
-            <a:r>
-              <a:rPr lang="en-US" b="1" dirty="0">
-                <a:latin typeface="Calibri" panose="020F0502020204030204" pitchFamily="34" charset="0"/>
-                <a:cs typeface="Calibri" panose="020F0502020204030204" pitchFamily="34" charset="0"/>
-              </a:rPr>
-              <a:t>Realistic</a:t>
-            </a:r>
-            <a:r>
-              <a:rPr lang="en-US" dirty="0">
-                <a:latin typeface="Calibri" panose="020F0502020204030204" pitchFamily="34" charset="0"/>
-                <a:cs typeface="Calibri" panose="020F0502020204030204" pitchFamily="34" charset="0"/>
-              </a:rPr>
-              <a:t>: 20% reduction goal is both feasible and impactful in improving patient outcomes</a:t>
-            </a:r>
-          </a:p>
-          <a:p>
-            <a:r>
-              <a:rPr lang="en-US" b="1" dirty="0">
-                <a:latin typeface="Calibri" panose="020F0502020204030204" pitchFamily="34" charset="0"/>
-                <a:cs typeface="Calibri" panose="020F0502020204030204" pitchFamily="34" charset="0"/>
-              </a:rPr>
-              <a:t>Timely</a:t>
-            </a:r>
-            <a:r>
-              <a:rPr lang="en-US" dirty="0">
-                <a:latin typeface="Calibri" panose="020F0502020204030204" pitchFamily="34" charset="0"/>
-                <a:cs typeface="Calibri" panose="020F0502020204030204" pitchFamily="34" charset="0"/>
-              </a:rPr>
-              <a:t>: Target completion within 10 months (February 2024 - November 2024)</a:t>
-            </a:r>
+            <a:pPr algn="just">
+              <a:lnSpc>
+                <a:spcPct val="100000"/>
+              </a:lnSpc>
+            </a:pPr>
+            <a:r>
+              <a:rPr lang="en-ZA" b="1" dirty="0">
+                <a:latin typeface="Calibri" panose="020F0502020204030204" pitchFamily="34" charset="0"/>
+                <a:cs typeface="Calibri" panose="020F0502020204030204" pitchFamily="34" charset="0"/>
+              </a:rPr>
+              <a:t>System Issues: </a:t>
+            </a:r>
+            <a:r>
+              <a:rPr lang="en-ZA" dirty="0">
+                <a:latin typeface="Calibri" panose="020F0502020204030204" pitchFamily="34" charset="0"/>
+                <a:cs typeface="Calibri" panose="020F0502020204030204" pitchFamily="34" charset="0"/>
+              </a:rPr>
+              <a:t>Delays in scheduling visits with specialists and limited access to essential diagnostic equipment.</a:t>
+            </a:r>
+          </a:p>
+          <a:p>
+            <a:pPr algn="just">
+              <a:lnSpc>
+                <a:spcPct val="100000"/>
+              </a:lnSpc>
+            </a:pPr>
+            <a:r>
+              <a:rPr lang="en-ZA" b="1" dirty="0">
+                <a:latin typeface="Calibri" panose="020F0502020204030204" pitchFamily="34" charset="0"/>
+                <a:cs typeface="Calibri" panose="020F0502020204030204" pitchFamily="34" charset="0"/>
+              </a:rPr>
+              <a:t>Patient Challenges: </a:t>
+            </a:r>
+            <a:r>
+              <a:rPr lang="en-ZA" dirty="0">
+                <a:latin typeface="Calibri" panose="020F0502020204030204" pitchFamily="34" charset="0"/>
+                <a:cs typeface="Calibri" panose="020F0502020204030204" pitchFamily="34" charset="0"/>
+              </a:rPr>
+              <a:t>Lack of awareness of symptoms, difficulties with transportation, and hesitancy to seek medical care.</a:t>
+            </a:r>
+          </a:p>
+          <a:p>
+            <a:pPr algn="just">
+              <a:lnSpc>
+                <a:spcPct val="100000"/>
+              </a:lnSpc>
+            </a:pPr>
+            <a:r>
+              <a:rPr lang="en-ZA" b="1" dirty="0">
+                <a:latin typeface="Calibri" panose="020F0502020204030204" pitchFamily="34" charset="0"/>
+                <a:cs typeface="Calibri" panose="020F0502020204030204" pitchFamily="34" charset="0"/>
+              </a:rPr>
+              <a:t>Provider Challenges: </a:t>
+            </a:r>
+            <a:r>
+              <a:rPr lang="en-ZA" dirty="0">
+                <a:latin typeface="Calibri" panose="020F0502020204030204" pitchFamily="34" charset="0"/>
+                <a:cs typeface="Calibri" panose="020F0502020204030204" pitchFamily="34" charset="0"/>
+              </a:rPr>
+              <a:t>Need for better training on symptom identification and cancer care protocols.</a:t>
+            </a:r>
+            <a:endParaRPr lang="en-US" b="1" dirty="0">
+              <a:latin typeface="Calibri" panose="020F0502020204030204" pitchFamily="34" charset="0"/>
+              <a:cs typeface="Calibri" panose="020F0502020204030204" pitchFamily="34" charset="0"/>
+            </a:endParaRPr>
           </a:p>
           <a:p>
             <a:endParaRPr lang="en-US" dirty="0"/>
@@ -8460,7 +9449,7 @@
     </p:spTree>
     <p:extLst>
       <p:ext uri="{BB962C8B-B14F-4D97-AF65-F5344CB8AC3E}">
-        <p14:creationId xmlns:p14="http://schemas.microsoft.com/office/powerpoint/2010/main" val="547753356"/>
+        <p14:creationId xmlns:p14="http://schemas.microsoft.com/office/powerpoint/2010/main" val="3271743300"/>
       </p:ext>
     </p:extLst>
   </p:cSld>
@@ -8509,7 +9498,7 @@
           <p:cNvPr id="2" name="Title 1">
             <a:extLst>
               <a:ext uri="{FF2B5EF4-FFF2-40B4-BE49-F238E27FC236}">
-                <a16:creationId xmlns:a16="http://schemas.microsoft.com/office/drawing/2014/main" id="{506C42D6-5862-4D55-B806-DFB9BF1A6B4A}"/>
+                <a16:creationId xmlns:a16="http://schemas.microsoft.com/office/drawing/2014/main" id="{DCAA7105-1B94-4BE4-884B-2AE38B2B463D}"/>
               </a:ext>
             </a:extLst>
           </p:cNvPr>
@@ -8530,7 +9519,7 @@
                 <a:latin typeface="Calibri" panose="020F0502020204030204" pitchFamily="34" charset="0"/>
                 <a:cs typeface="Calibri" panose="020F0502020204030204" pitchFamily="34" charset="0"/>
               </a:rPr>
-              <a:t>DECISION-MAKING CRITERIA</a:t>
+              <a:t>PROJECT AIM AND GOAL</a:t>
             </a:r>
             <a:endParaRPr lang="en-US" dirty="0">
               <a:latin typeface="Calibri" panose="020F0502020204030204" pitchFamily="34" charset="0"/>
@@ -8544,7 +9533,7 @@
           <p:cNvPr id="3" name="Content Placeholder 2">
             <a:extLst>
               <a:ext uri="{FF2B5EF4-FFF2-40B4-BE49-F238E27FC236}">
-                <a16:creationId xmlns:a16="http://schemas.microsoft.com/office/drawing/2014/main" id="{CB12AEF6-2772-420F-9676-8357C9775F9C}"/>
+                <a16:creationId xmlns:a16="http://schemas.microsoft.com/office/drawing/2014/main" id="{017E3445-DC80-4CB7-96F2-32469800CD94}"/>
               </a:ext>
             </a:extLst>
           </p:cNvPr>
@@ -8568,16 +9557,64 @@
             <a:r>
               <a:rPr lang="en-US" b="1" dirty="0">
                 <a:latin typeface="Calibri" panose="020F0502020204030204" pitchFamily="34" charset="0"/>
-                <a:cs typeface="Calibri" panose="020F0502020204030204" pitchFamily="34" charset="0"/>
-              </a:rPr>
-              <a:t>Feasibility</a:t>
+                <a:ea typeface="ADLaM Display" panose="02010000000000000000" pitchFamily="2" charset="0"/>
+                <a:cs typeface="Calibri" panose="020F0502020204030204" pitchFamily="34" charset="0"/>
+              </a:rPr>
+              <a:t>Objective:</a:t>
             </a:r>
             <a:r>
               <a:rPr lang="en-US" dirty="0">
                 <a:latin typeface="Calibri" panose="020F0502020204030204" pitchFamily="34" charset="0"/>
-                <a:cs typeface="Calibri" panose="020F0502020204030204" pitchFamily="34" charset="0"/>
-              </a:rPr>
-              <a:t>: Practicality and ease of implementation</a:t>
+                <a:ea typeface="ADLaM Display" panose="02010000000000000000" pitchFamily="2" charset="0"/>
+                <a:cs typeface="Calibri" panose="020F0502020204030204" pitchFamily="34" charset="0"/>
+              </a:rPr>
+              <a:t> Enhance diagnostic accuracy and timing in oncology</a:t>
+            </a:r>
+          </a:p>
+          <a:p>
+            <a:pPr lvl="1">
+              <a:lnSpc>
+                <a:spcPct val="150000"/>
+              </a:lnSpc>
+            </a:pPr>
+            <a:r>
+              <a:rPr lang="en-US" b="1" dirty="0">
+                <a:latin typeface="Calibri" panose="020F0502020204030204" pitchFamily="34" charset="0"/>
+                <a:ea typeface="ADLaM Display" panose="02010000000000000000" pitchFamily="2" charset="0"/>
+                <a:cs typeface="Calibri" panose="020F0502020204030204" pitchFamily="34" charset="0"/>
+              </a:rPr>
+              <a:t>Main Goal: </a:t>
+            </a:r>
+            <a:r>
+              <a:rPr lang="en-US" dirty="0">
+                <a:latin typeface="Calibri" panose="020F0502020204030204" pitchFamily="34" charset="0"/>
+                <a:ea typeface="ADLaM Display" panose="02010000000000000000" pitchFamily="2" charset="0"/>
+                <a:cs typeface="Calibri" panose="020F0502020204030204" pitchFamily="34" charset="0"/>
+              </a:rPr>
+              <a:t>Reduce diagnostic errors and delays using a Clinical Decision Support System (CDSS)</a:t>
+            </a:r>
+          </a:p>
+          <a:p>
+            <a:pPr lvl="1">
+              <a:lnSpc>
+                <a:spcPct val="150000"/>
+              </a:lnSpc>
+            </a:pPr>
+            <a:r>
+              <a:rPr lang="en-US" b="1" dirty="0">
+                <a:latin typeface="Calibri" panose="020F0502020204030204" pitchFamily="34" charset="0"/>
+                <a:ea typeface="ADLaM Display" panose="02010000000000000000" pitchFamily="2" charset="0"/>
+                <a:cs typeface="Calibri" panose="020F0502020204030204" pitchFamily="34" charset="0"/>
+              </a:rPr>
+              <a:t>Motivation:</a:t>
+            </a:r>
+            <a:r>
+              <a:rPr lang="en-US" dirty="0">
+                <a:latin typeface="Calibri" panose="020F0502020204030204" pitchFamily="34" charset="0"/>
+                <a:ea typeface="ADLaM Display" panose="02010000000000000000" pitchFamily="2" charset="0"/>
+                <a:cs typeface="Calibri" panose="020F0502020204030204" pitchFamily="34" charset="0"/>
+              </a:rPr>
+              <a:t> Counteract risks of misdiagnosis affecting patient health (Hall et al.)</a:t>
             </a:r>
           </a:p>
           <a:p>
@@ -8589,48 +9626,39 @@
             <a:r>
               <a:rPr lang="en-US" b="1" dirty="0">
                 <a:latin typeface="Calibri" panose="020F0502020204030204" pitchFamily="34" charset="0"/>
-                <a:cs typeface="Calibri" panose="020F0502020204030204" pitchFamily="34" charset="0"/>
-              </a:rPr>
-              <a:t>Quality Management Impact</a:t>
+                <a:ea typeface="ADLaM Display" panose="02010000000000000000" pitchFamily="2" charset="0"/>
+                <a:cs typeface="Calibri" panose="020F0502020204030204" pitchFamily="34" charset="0"/>
+              </a:rPr>
+              <a:t>Approach:</a:t>
             </a:r>
             <a:r>
               <a:rPr lang="en-US" dirty="0">
                 <a:latin typeface="Calibri" panose="020F0502020204030204" pitchFamily="34" charset="0"/>
-                <a:cs typeface="Calibri" panose="020F0502020204030204" pitchFamily="34" charset="0"/>
-              </a:rPr>
-              <a:t>: System will improve diagnostic accuracy and support better patient outcomes</a:t>
-            </a:r>
-          </a:p>
-          <a:p>
-            <a:pPr>
-              <a:lnSpc>
-                <a:spcPct val="150000"/>
-              </a:lnSpc>
-            </a:pPr>
-            <a:r>
-              <a:rPr lang="en-US" b="1" dirty="0">
-                <a:latin typeface="Calibri" panose="020F0502020204030204" pitchFamily="34" charset="0"/>
-                <a:cs typeface="Calibri" panose="020F0502020204030204" pitchFamily="34" charset="0"/>
-              </a:rPr>
-              <a:t>Early Detection Aid</a:t>
+                <a:ea typeface="ADLaM Display" panose="02010000000000000000" pitchFamily="2" charset="0"/>
+                <a:cs typeface="Calibri" panose="020F0502020204030204" pitchFamily="34" charset="0"/>
+              </a:rPr>
+              <a:t> Employ technology and evidence-based methods to improve diagnostic timeliness and accuracy</a:t>
             </a:r>
             <a:r>
               <a:rPr lang="en-US" dirty="0">
                 <a:latin typeface="Calibri" panose="020F0502020204030204" pitchFamily="34" charset="0"/>
                 <a:cs typeface="Calibri" panose="020F0502020204030204" pitchFamily="34" charset="0"/>
               </a:rPr>
-              <a:t>: CDSS will help patients recognize potential symptoms, encouraging timely medical consultations.</a:t>
-            </a:r>
-          </a:p>
-          <a:p>
-            <a:endParaRPr lang="en-US" dirty="0"/>
+              <a:t>.</a:t>
+            </a:r>
+          </a:p>
+          <a:p>
+            <a:endParaRPr lang="en-US" dirty="0">
+              <a:latin typeface="Calibri" panose="020F0502020204030204" pitchFamily="34" charset="0"/>
+              <a:cs typeface="Calibri" panose="020F0502020204030204" pitchFamily="34" charset="0"/>
+            </a:endParaRPr>
           </a:p>
         </p:txBody>
       </p:sp>
     </p:spTree>
     <p:extLst>
       <p:ext uri="{BB962C8B-B14F-4D97-AF65-F5344CB8AC3E}">
-        <p14:creationId xmlns:p14="http://schemas.microsoft.com/office/powerpoint/2010/main" val="2705975164"/>
+        <p14:creationId xmlns:p14="http://schemas.microsoft.com/office/powerpoint/2010/main" val="3329608389"/>
       </p:ext>
     </p:extLst>
   </p:cSld>

--- a/Presentation/QIP Presentation_BIT group_Updated.pptx
+++ b/Presentation/QIP Presentation_BIT group_Updated.pptx
@@ -362,6 +362,1203 @@
 </pc:chgInfo>
 </file>
 
+<file path=ppt/charts/chart1.xml><?xml version="1.0" encoding="utf-8"?>
+<c:chartSpace xmlns:c="http://schemas.openxmlformats.org/drawingml/2006/chart" xmlns:a="http://schemas.openxmlformats.org/drawingml/2006/main" xmlns:r="http://schemas.openxmlformats.org/officeDocument/2006/relationships" xmlns:c16r2="http://schemas.microsoft.com/office/drawing/2015/06/chart">
+  <c:date1904 val="0"/>
+  <c:lang val="en-US"/>
+  <c:roundedCorners val="0"/>
+  <mc:AlternateContent xmlns:mc="http://schemas.openxmlformats.org/markup-compatibility/2006">
+    <mc:Choice xmlns:c14="http://schemas.microsoft.com/office/drawing/2007/8/2/chart" Requires="c14">
+      <c14:style val="102"/>
+    </mc:Choice>
+    <mc:Fallback>
+      <c:style val="2"/>
+    </mc:Fallback>
+  </mc:AlternateContent>
+  <c:chart>
+    <c:title>
+      <c:tx>
+        <c:rich>
+          <a:bodyPr rot="0" spcFirstLastPara="1" vertOverflow="ellipsis" vert="horz" wrap="square" anchor="ctr" anchorCtr="1"/>
+          <a:lstStyle/>
+          <a:p>
+            <a:pPr>
+              <a:defRPr sz="1862" b="0" i="0" u="none" strike="noStrike" kern="1200" spc="0" baseline="0">
+                <a:solidFill>
+                  <a:schemeClr val="tx1">
+                    <a:lumMod val="65000"/>
+                    <a:lumOff val="35000"/>
+                  </a:schemeClr>
+                </a:solidFill>
+                <a:latin typeface="+mn-lt"/>
+                <a:ea typeface="+mn-ea"/>
+                <a:cs typeface="+mn-cs"/>
+              </a:defRPr>
+            </a:pPr>
+            <a:r>
+              <a:rPr lang="en-ZA" dirty="0"/>
+              <a:t>Summary</a:t>
+            </a:r>
+            <a:r>
+              <a:rPr lang="en-ZA" baseline="0" dirty="0"/>
+              <a:t> of results from questionnaire</a:t>
+            </a:r>
+            <a:endParaRPr lang="en-ZA" dirty="0"/>
+          </a:p>
+        </c:rich>
+      </c:tx>
+      <c:overlay val="0"/>
+      <c:spPr>
+        <a:noFill/>
+        <a:ln>
+          <a:noFill/>
+        </a:ln>
+        <a:effectLst/>
+      </c:spPr>
+      <c:txPr>
+        <a:bodyPr rot="0" spcFirstLastPara="1" vertOverflow="ellipsis" vert="horz" wrap="square" anchor="ctr" anchorCtr="1"/>
+        <a:lstStyle/>
+        <a:p>
+          <a:pPr>
+            <a:defRPr sz="1862" b="0" i="0" u="none" strike="noStrike" kern="1200" spc="0" baseline="0">
+              <a:solidFill>
+                <a:schemeClr val="tx1">
+                  <a:lumMod val="65000"/>
+                  <a:lumOff val="35000"/>
+                </a:schemeClr>
+              </a:solidFill>
+              <a:latin typeface="+mn-lt"/>
+              <a:ea typeface="+mn-ea"/>
+              <a:cs typeface="+mn-cs"/>
+            </a:defRPr>
+          </a:pPr>
+          <a:endParaRPr lang="en-US"/>
+        </a:p>
+      </c:txPr>
+    </c:title>
+    <c:autoTitleDeleted val="0"/>
+    <c:plotArea>
+      <c:layout/>
+      <c:barChart>
+        <c:barDir val="col"/>
+        <c:grouping val="clustered"/>
+        <c:varyColors val="0"/>
+        <c:ser>
+          <c:idx val="0"/>
+          <c:order val="0"/>
+          <c:tx>
+            <c:strRef>
+              <c:f>Sheet1!$B$1</c:f>
+              <c:strCache>
+                <c:ptCount val="1"/>
+                <c:pt idx="0">
+                  <c:v>Strongly Agree</c:v>
+                </c:pt>
+              </c:strCache>
+            </c:strRef>
+          </c:tx>
+          <c:spPr>
+            <a:solidFill>
+              <a:schemeClr val="accent1"/>
+            </a:solidFill>
+            <a:ln>
+              <a:noFill/>
+            </a:ln>
+            <a:effectLst/>
+          </c:spPr>
+          <c:invertIfNegative val="0"/>
+          <c:cat>
+            <c:strRef>
+              <c:f>Sheet1!$A$2:$A$6</c:f>
+              <c:strCache>
+                <c:ptCount val="5"/>
+                <c:pt idx="0">
+                  <c:v>Experience with CDSS</c:v>
+                </c:pt>
+                <c:pt idx="1">
+                  <c:v>Assist in care delivery</c:v>
+                </c:pt>
+                <c:pt idx="2">
+                  <c:v>Implementation easiness</c:v>
+                </c:pt>
+                <c:pt idx="3">
+                  <c:v>Positively impact</c:v>
+                </c:pt>
+                <c:pt idx="4">
+                  <c:v>Helpful in engaging</c:v>
+                </c:pt>
+              </c:strCache>
+            </c:strRef>
+          </c:cat>
+          <c:val>
+            <c:numRef>
+              <c:f>Sheet1!$B$2:$B$6</c:f>
+              <c:numCache>
+                <c:formatCode>General</c:formatCode>
+                <c:ptCount val="5"/>
+                <c:pt idx="1">
+                  <c:v>2</c:v>
+                </c:pt>
+                <c:pt idx="2">
+                  <c:v>0</c:v>
+                </c:pt>
+                <c:pt idx="3">
+                  <c:v>2</c:v>
+                </c:pt>
+                <c:pt idx="4">
+                  <c:v>3</c:v>
+                </c:pt>
+              </c:numCache>
+            </c:numRef>
+          </c:val>
+          <c:extLst>
+            <c:ext xmlns:c16="http://schemas.microsoft.com/office/drawing/2014/chart" uri="{C3380CC4-5D6E-409C-BE32-E72D297353CC}">
+              <c16:uniqueId val="{00000000-3E75-459D-9273-45746DE3DD45}"/>
+            </c:ext>
+          </c:extLst>
+        </c:ser>
+        <c:ser>
+          <c:idx val="1"/>
+          <c:order val="1"/>
+          <c:tx>
+            <c:strRef>
+              <c:f>Sheet1!$C$1</c:f>
+              <c:strCache>
+                <c:ptCount val="1"/>
+                <c:pt idx="0">
+                  <c:v>Agree</c:v>
+                </c:pt>
+              </c:strCache>
+            </c:strRef>
+          </c:tx>
+          <c:spPr>
+            <a:solidFill>
+              <a:schemeClr val="accent2"/>
+            </a:solidFill>
+            <a:ln>
+              <a:noFill/>
+            </a:ln>
+            <a:effectLst/>
+          </c:spPr>
+          <c:invertIfNegative val="0"/>
+          <c:cat>
+            <c:strRef>
+              <c:f>Sheet1!$A$2:$A$6</c:f>
+              <c:strCache>
+                <c:ptCount val="5"/>
+                <c:pt idx="0">
+                  <c:v>Experience with CDSS</c:v>
+                </c:pt>
+                <c:pt idx="1">
+                  <c:v>Assist in care delivery</c:v>
+                </c:pt>
+                <c:pt idx="2">
+                  <c:v>Implementation easiness</c:v>
+                </c:pt>
+                <c:pt idx="3">
+                  <c:v>Positively impact</c:v>
+                </c:pt>
+                <c:pt idx="4">
+                  <c:v>Helpful in engaging</c:v>
+                </c:pt>
+              </c:strCache>
+            </c:strRef>
+          </c:cat>
+          <c:val>
+            <c:numRef>
+              <c:f>Sheet1!$C$2:$C$6</c:f>
+              <c:numCache>
+                <c:formatCode>General</c:formatCode>
+                <c:ptCount val="5"/>
+                <c:pt idx="1">
+                  <c:v>3</c:v>
+                </c:pt>
+                <c:pt idx="2">
+                  <c:v>1</c:v>
+                </c:pt>
+                <c:pt idx="3">
+                  <c:v>3</c:v>
+                </c:pt>
+                <c:pt idx="4">
+                  <c:v>2</c:v>
+                </c:pt>
+              </c:numCache>
+            </c:numRef>
+          </c:val>
+          <c:extLst>
+            <c:ext xmlns:c16="http://schemas.microsoft.com/office/drawing/2014/chart" uri="{C3380CC4-5D6E-409C-BE32-E72D297353CC}">
+              <c16:uniqueId val="{00000001-3E75-459D-9273-45746DE3DD45}"/>
+            </c:ext>
+          </c:extLst>
+        </c:ser>
+        <c:ser>
+          <c:idx val="2"/>
+          <c:order val="2"/>
+          <c:tx>
+            <c:strRef>
+              <c:f>Sheet1!$D$1</c:f>
+              <c:strCache>
+                <c:ptCount val="1"/>
+                <c:pt idx="0">
+                  <c:v>Neutral</c:v>
+                </c:pt>
+              </c:strCache>
+            </c:strRef>
+          </c:tx>
+          <c:spPr>
+            <a:solidFill>
+              <a:schemeClr val="accent3"/>
+            </a:solidFill>
+            <a:ln>
+              <a:noFill/>
+            </a:ln>
+            <a:effectLst/>
+          </c:spPr>
+          <c:invertIfNegative val="0"/>
+          <c:cat>
+            <c:strRef>
+              <c:f>Sheet1!$A$2:$A$6</c:f>
+              <c:strCache>
+                <c:ptCount val="5"/>
+                <c:pt idx="0">
+                  <c:v>Experience with CDSS</c:v>
+                </c:pt>
+                <c:pt idx="1">
+                  <c:v>Assist in care delivery</c:v>
+                </c:pt>
+                <c:pt idx="2">
+                  <c:v>Implementation easiness</c:v>
+                </c:pt>
+                <c:pt idx="3">
+                  <c:v>Positively impact</c:v>
+                </c:pt>
+                <c:pt idx="4">
+                  <c:v>Helpful in engaging</c:v>
+                </c:pt>
+              </c:strCache>
+            </c:strRef>
+          </c:cat>
+          <c:val>
+            <c:numRef>
+              <c:f>Sheet1!$D$2:$D$6</c:f>
+              <c:numCache>
+                <c:formatCode>General</c:formatCode>
+                <c:ptCount val="5"/>
+                <c:pt idx="0">
+                  <c:v>2</c:v>
+                </c:pt>
+                <c:pt idx="1">
+                  <c:v>0</c:v>
+                </c:pt>
+                <c:pt idx="2">
+                  <c:v>2</c:v>
+                </c:pt>
+                <c:pt idx="3">
+                  <c:v>0</c:v>
+                </c:pt>
+                <c:pt idx="4">
+                  <c:v>0</c:v>
+                </c:pt>
+              </c:numCache>
+            </c:numRef>
+          </c:val>
+          <c:extLst>
+            <c:ext xmlns:c16="http://schemas.microsoft.com/office/drawing/2014/chart" uri="{C3380CC4-5D6E-409C-BE32-E72D297353CC}">
+              <c16:uniqueId val="{00000002-3E75-459D-9273-45746DE3DD45}"/>
+            </c:ext>
+          </c:extLst>
+        </c:ser>
+        <c:ser>
+          <c:idx val="3"/>
+          <c:order val="3"/>
+          <c:tx>
+            <c:strRef>
+              <c:f>Sheet1!$E$1</c:f>
+              <c:strCache>
+                <c:ptCount val="1"/>
+                <c:pt idx="0">
+                  <c:v>Disagree</c:v>
+                </c:pt>
+              </c:strCache>
+            </c:strRef>
+          </c:tx>
+          <c:spPr>
+            <a:solidFill>
+              <a:schemeClr val="accent4"/>
+            </a:solidFill>
+            <a:ln>
+              <a:noFill/>
+            </a:ln>
+            <a:effectLst/>
+          </c:spPr>
+          <c:invertIfNegative val="0"/>
+          <c:cat>
+            <c:strRef>
+              <c:f>Sheet1!$A$2:$A$6</c:f>
+              <c:strCache>
+                <c:ptCount val="5"/>
+                <c:pt idx="0">
+                  <c:v>Experience with CDSS</c:v>
+                </c:pt>
+                <c:pt idx="1">
+                  <c:v>Assist in care delivery</c:v>
+                </c:pt>
+                <c:pt idx="2">
+                  <c:v>Implementation easiness</c:v>
+                </c:pt>
+                <c:pt idx="3">
+                  <c:v>Positively impact</c:v>
+                </c:pt>
+                <c:pt idx="4">
+                  <c:v>Helpful in engaging</c:v>
+                </c:pt>
+              </c:strCache>
+            </c:strRef>
+          </c:cat>
+          <c:val>
+            <c:numRef>
+              <c:f>Sheet1!$E$2:$E$6</c:f>
+              <c:numCache>
+                <c:formatCode>General</c:formatCode>
+                <c:ptCount val="5"/>
+                <c:pt idx="0">
+                  <c:v>2</c:v>
+                </c:pt>
+                <c:pt idx="1">
+                  <c:v>0</c:v>
+                </c:pt>
+                <c:pt idx="2">
+                  <c:v>2</c:v>
+                </c:pt>
+                <c:pt idx="3">
+                  <c:v>0</c:v>
+                </c:pt>
+                <c:pt idx="4">
+                  <c:v>0</c:v>
+                </c:pt>
+              </c:numCache>
+            </c:numRef>
+          </c:val>
+          <c:extLst>
+            <c:ext xmlns:c16="http://schemas.microsoft.com/office/drawing/2014/chart" uri="{C3380CC4-5D6E-409C-BE32-E72D297353CC}">
+              <c16:uniqueId val="{00000003-3E75-459D-9273-45746DE3DD45}"/>
+            </c:ext>
+          </c:extLst>
+        </c:ser>
+        <c:ser>
+          <c:idx val="4"/>
+          <c:order val="4"/>
+          <c:tx>
+            <c:strRef>
+              <c:f>Sheet1!$F$1</c:f>
+              <c:strCache>
+                <c:ptCount val="1"/>
+                <c:pt idx="0">
+                  <c:v>Strongly Disagree</c:v>
+                </c:pt>
+              </c:strCache>
+            </c:strRef>
+          </c:tx>
+          <c:spPr>
+            <a:solidFill>
+              <a:schemeClr val="accent5"/>
+            </a:solidFill>
+            <a:ln>
+              <a:noFill/>
+            </a:ln>
+            <a:effectLst/>
+          </c:spPr>
+          <c:invertIfNegative val="0"/>
+          <c:cat>
+            <c:strRef>
+              <c:f>Sheet1!$A$2:$A$6</c:f>
+              <c:strCache>
+                <c:ptCount val="5"/>
+                <c:pt idx="0">
+                  <c:v>Experience with CDSS</c:v>
+                </c:pt>
+                <c:pt idx="1">
+                  <c:v>Assist in care delivery</c:v>
+                </c:pt>
+                <c:pt idx="2">
+                  <c:v>Implementation easiness</c:v>
+                </c:pt>
+                <c:pt idx="3">
+                  <c:v>Positively impact</c:v>
+                </c:pt>
+                <c:pt idx="4">
+                  <c:v>Helpful in engaging</c:v>
+                </c:pt>
+              </c:strCache>
+            </c:strRef>
+          </c:cat>
+          <c:val>
+            <c:numRef>
+              <c:f>Sheet1!$F$2:$F$6</c:f>
+              <c:numCache>
+                <c:formatCode>General</c:formatCode>
+                <c:ptCount val="5"/>
+                <c:pt idx="0">
+                  <c:v>1</c:v>
+                </c:pt>
+                <c:pt idx="1">
+                  <c:v>0</c:v>
+                </c:pt>
+                <c:pt idx="2">
+                  <c:v>0</c:v>
+                </c:pt>
+                <c:pt idx="3">
+                  <c:v>0</c:v>
+                </c:pt>
+                <c:pt idx="4">
+                  <c:v>0</c:v>
+                </c:pt>
+              </c:numCache>
+            </c:numRef>
+          </c:val>
+          <c:extLst>
+            <c:ext xmlns:c16="http://schemas.microsoft.com/office/drawing/2014/chart" uri="{C3380CC4-5D6E-409C-BE32-E72D297353CC}">
+              <c16:uniqueId val="{00000004-3E75-459D-9273-45746DE3DD45}"/>
+            </c:ext>
+          </c:extLst>
+        </c:ser>
+        <c:dLbls>
+          <c:showLegendKey val="0"/>
+          <c:showVal val="0"/>
+          <c:showCatName val="0"/>
+          <c:showSerName val="0"/>
+          <c:showPercent val="0"/>
+          <c:showBubbleSize val="0"/>
+        </c:dLbls>
+        <c:gapWidth val="219"/>
+        <c:overlap val="-27"/>
+        <c:axId val="560972752"/>
+        <c:axId val="560974672"/>
+      </c:barChart>
+      <c:catAx>
+        <c:axId val="560972752"/>
+        <c:scaling>
+          <c:orientation val="minMax"/>
+        </c:scaling>
+        <c:delete val="0"/>
+        <c:axPos val="b"/>
+        <c:numFmt formatCode="General" sourceLinked="1"/>
+        <c:majorTickMark val="out"/>
+        <c:minorTickMark val="none"/>
+        <c:tickLblPos val="nextTo"/>
+        <c:spPr>
+          <a:noFill/>
+          <a:ln w="9525" cap="flat" cmpd="sng" algn="ctr">
+            <a:solidFill>
+              <a:schemeClr val="tx1">
+                <a:lumMod val="15000"/>
+                <a:lumOff val="85000"/>
+              </a:schemeClr>
+            </a:solidFill>
+            <a:round/>
+          </a:ln>
+          <a:effectLst/>
+        </c:spPr>
+        <c:txPr>
+          <a:bodyPr rot="-60000000" spcFirstLastPara="1" vertOverflow="ellipsis" vert="horz" wrap="square" anchor="ctr" anchorCtr="1"/>
+          <a:lstStyle/>
+          <a:p>
+            <a:pPr>
+              <a:defRPr sz="1197" b="0" i="0" u="none" strike="noStrike" kern="1200" baseline="0">
+                <a:solidFill>
+                  <a:schemeClr val="tx1">
+                    <a:lumMod val="65000"/>
+                    <a:lumOff val="35000"/>
+                  </a:schemeClr>
+                </a:solidFill>
+                <a:latin typeface="+mn-lt"/>
+                <a:ea typeface="+mn-ea"/>
+                <a:cs typeface="+mn-cs"/>
+              </a:defRPr>
+            </a:pPr>
+            <a:endParaRPr lang="en-US"/>
+          </a:p>
+        </c:txPr>
+        <c:crossAx val="560974672"/>
+        <c:crosses val="autoZero"/>
+        <c:auto val="1"/>
+        <c:lblAlgn val="ctr"/>
+        <c:lblOffset val="100"/>
+        <c:noMultiLvlLbl val="0"/>
+      </c:catAx>
+      <c:valAx>
+        <c:axId val="560974672"/>
+        <c:scaling>
+          <c:orientation val="minMax"/>
+          <c:max val="3"/>
+        </c:scaling>
+        <c:delete val="0"/>
+        <c:axPos val="l"/>
+        <c:majorGridlines>
+          <c:spPr>
+            <a:ln w="9525" cap="flat" cmpd="sng" algn="ctr">
+              <a:solidFill>
+                <a:schemeClr val="tx1">
+                  <a:lumMod val="15000"/>
+                  <a:lumOff val="85000"/>
+                </a:schemeClr>
+              </a:solidFill>
+              <a:round/>
+            </a:ln>
+            <a:effectLst/>
+          </c:spPr>
+        </c:majorGridlines>
+        <c:numFmt formatCode="General" sourceLinked="1"/>
+        <c:majorTickMark val="out"/>
+        <c:minorTickMark val="none"/>
+        <c:tickLblPos val="nextTo"/>
+        <c:spPr>
+          <a:noFill/>
+          <a:ln>
+            <a:noFill/>
+          </a:ln>
+          <a:effectLst/>
+        </c:spPr>
+        <c:txPr>
+          <a:bodyPr rot="-60000000" spcFirstLastPara="1" vertOverflow="ellipsis" vert="horz" wrap="square" anchor="ctr" anchorCtr="1"/>
+          <a:lstStyle/>
+          <a:p>
+            <a:pPr>
+              <a:defRPr sz="1197" b="0" i="0" u="none" strike="noStrike" kern="1200" baseline="0">
+                <a:solidFill>
+                  <a:schemeClr val="tx1">
+                    <a:lumMod val="65000"/>
+                    <a:lumOff val="35000"/>
+                  </a:schemeClr>
+                </a:solidFill>
+                <a:latin typeface="+mn-lt"/>
+                <a:ea typeface="+mn-ea"/>
+                <a:cs typeface="+mn-cs"/>
+              </a:defRPr>
+            </a:pPr>
+            <a:endParaRPr lang="en-US"/>
+          </a:p>
+        </c:txPr>
+        <c:crossAx val="560972752"/>
+        <c:crosses val="autoZero"/>
+        <c:crossBetween val="between"/>
+      </c:valAx>
+      <c:spPr>
+        <a:noFill/>
+        <a:ln>
+          <a:noFill/>
+        </a:ln>
+        <a:effectLst/>
+      </c:spPr>
+    </c:plotArea>
+    <c:legend>
+      <c:legendPos val="b"/>
+      <c:overlay val="0"/>
+      <c:spPr>
+        <a:noFill/>
+        <a:ln>
+          <a:noFill/>
+        </a:ln>
+        <a:effectLst/>
+      </c:spPr>
+      <c:txPr>
+        <a:bodyPr rot="0" spcFirstLastPara="1" vertOverflow="ellipsis" vert="horz" wrap="square" anchor="ctr" anchorCtr="1"/>
+        <a:lstStyle/>
+        <a:p>
+          <a:pPr>
+            <a:defRPr sz="1197" b="0" i="0" u="none" strike="noStrike" kern="1200" baseline="0">
+              <a:solidFill>
+                <a:schemeClr val="tx1">
+                  <a:lumMod val="65000"/>
+                  <a:lumOff val="35000"/>
+                </a:schemeClr>
+              </a:solidFill>
+              <a:latin typeface="+mn-lt"/>
+              <a:ea typeface="+mn-ea"/>
+              <a:cs typeface="+mn-cs"/>
+            </a:defRPr>
+          </a:pPr>
+          <a:endParaRPr lang="en-US"/>
+        </a:p>
+      </c:txPr>
+    </c:legend>
+    <c:plotVisOnly val="1"/>
+    <c:dispBlanksAs val="gap"/>
+    <c:extLst>
+      <c:ext xmlns:c16r3="http://schemas.microsoft.com/office/drawing/2017/03/chart" uri="{56B9EC1D-385E-4148-901F-78D8002777C0}">
+        <c16r3:dataDisplayOptions16>
+          <c16r3:dispNaAsBlank val="1"/>
+        </c16r3:dataDisplayOptions16>
+      </c:ext>
+    </c:extLst>
+    <c:showDLblsOverMax val="0"/>
+  </c:chart>
+  <c:spPr>
+    <a:noFill/>
+    <a:ln>
+      <a:noFill/>
+    </a:ln>
+    <a:effectLst/>
+  </c:spPr>
+  <c:txPr>
+    <a:bodyPr/>
+    <a:lstStyle/>
+    <a:p>
+      <a:pPr>
+        <a:defRPr/>
+      </a:pPr>
+      <a:endParaRPr lang="en-US"/>
+    </a:p>
+  </c:txPr>
+  <c:externalData r:id="rId3">
+    <c:autoUpdate val="0"/>
+  </c:externalData>
+</c:chartSpace>
+</file>
+
+<file path=ppt/charts/colors1.xml><?xml version="1.0" encoding="utf-8"?>
+<cs:colorStyle xmlns:cs="http://schemas.microsoft.com/office/drawing/2012/chartStyle" xmlns:a="http://schemas.openxmlformats.org/drawingml/2006/main" meth="cycle" id="10">
+  <a:schemeClr val="accent1"/>
+  <a:schemeClr val="accent2"/>
+  <a:schemeClr val="accent3"/>
+  <a:schemeClr val="accent4"/>
+  <a:schemeClr val="accent5"/>
+  <a:schemeClr val="accent6"/>
+  <cs:variation/>
+  <cs:variation>
+    <a:lumMod val="60000"/>
+  </cs:variation>
+  <cs:variation>
+    <a:lumMod val="80000"/>
+    <a:lumOff val="20000"/>
+  </cs:variation>
+  <cs:variation>
+    <a:lumMod val="80000"/>
+  </cs:variation>
+  <cs:variation>
+    <a:lumMod val="60000"/>
+    <a:lumOff val="40000"/>
+  </cs:variation>
+  <cs:variation>
+    <a:lumMod val="50000"/>
+  </cs:variation>
+  <cs:variation>
+    <a:lumMod val="70000"/>
+    <a:lumOff val="30000"/>
+  </cs:variation>
+  <cs:variation>
+    <a:lumMod val="70000"/>
+  </cs:variation>
+  <cs:variation>
+    <a:lumMod val="50000"/>
+    <a:lumOff val="50000"/>
+  </cs:variation>
+</cs:colorStyle>
+</file>
+
+<file path=ppt/charts/style1.xml><?xml version="1.0" encoding="utf-8"?>
+<cs:chartStyle xmlns:cs="http://schemas.microsoft.com/office/drawing/2012/chartStyle" xmlns:a="http://schemas.openxmlformats.org/drawingml/2006/main" id="201">
+  <cs:axisTitle>
+    <cs:lnRef idx="0"/>
+    <cs:fillRef idx="0"/>
+    <cs:effectRef idx="0"/>
+    <cs:fontRef idx="minor">
+      <a:schemeClr val="tx1">
+        <a:lumMod val="65000"/>
+        <a:lumOff val="35000"/>
+      </a:schemeClr>
+    </cs:fontRef>
+    <cs:defRPr sz="1330" kern="1200"/>
+  </cs:axisTitle>
+  <cs:categoryAxis>
+    <cs:lnRef idx="0"/>
+    <cs:fillRef idx="0"/>
+    <cs:effectRef idx="0"/>
+    <cs:fontRef idx="minor">
+      <a:schemeClr val="tx1">
+        <a:lumMod val="65000"/>
+        <a:lumOff val="35000"/>
+      </a:schemeClr>
+    </cs:fontRef>
+    <cs:spPr>
+      <a:ln w="9525" cap="flat" cmpd="sng" algn="ctr">
+        <a:solidFill>
+          <a:schemeClr val="tx1">
+            <a:lumMod val="15000"/>
+            <a:lumOff val="85000"/>
+          </a:schemeClr>
+        </a:solidFill>
+        <a:round/>
+      </a:ln>
+    </cs:spPr>
+    <cs:defRPr sz="1197" kern="1200"/>
+  </cs:categoryAxis>
+  <cs:chartArea mods="allowNoFillOverride allowNoLineOverride">
+    <cs:lnRef idx="0"/>
+    <cs:fillRef idx="0"/>
+    <cs:effectRef idx="0"/>
+    <cs:fontRef idx="minor">
+      <a:schemeClr val="tx1"/>
+    </cs:fontRef>
+    <cs:spPr>
+      <a:solidFill>
+        <a:schemeClr val="bg1"/>
+      </a:solidFill>
+      <a:ln w="9525" cap="flat" cmpd="sng" algn="ctr">
+        <a:solidFill>
+          <a:schemeClr val="tx1">
+            <a:lumMod val="15000"/>
+            <a:lumOff val="85000"/>
+          </a:schemeClr>
+        </a:solidFill>
+        <a:round/>
+      </a:ln>
+    </cs:spPr>
+    <cs:defRPr sz="1330" kern="1200"/>
+  </cs:chartArea>
+  <cs:dataLabel>
+    <cs:lnRef idx="0"/>
+    <cs:fillRef idx="0"/>
+    <cs:effectRef idx="0"/>
+    <cs:fontRef idx="minor">
+      <a:schemeClr val="tx1">
+        <a:lumMod val="75000"/>
+        <a:lumOff val="25000"/>
+      </a:schemeClr>
+    </cs:fontRef>
+    <cs:defRPr sz="1197" kern="1200"/>
+  </cs:dataLabel>
+  <cs:dataLabelCallout>
+    <cs:lnRef idx="0"/>
+    <cs:fillRef idx="0"/>
+    <cs:effectRef idx="0"/>
+    <cs:fontRef idx="minor">
+      <a:schemeClr val="dk1">
+        <a:lumMod val="65000"/>
+        <a:lumOff val="35000"/>
+      </a:schemeClr>
+    </cs:fontRef>
+    <cs:spPr>
+      <a:solidFill>
+        <a:schemeClr val="lt1"/>
+      </a:solidFill>
+      <a:ln>
+        <a:solidFill>
+          <a:schemeClr val="dk1">
+            <a:lumMod val="25000"/>
+            <a:lumOff val="75000"/>
+          </a:schemeClr>
+        </a:solidFill>
+      </a:ln>
+    </cs:spPr>
+    <cs:defRPr sz="1197" kern="1200"/>
+    <cs:bodyPr rot="0" spcFirstLastPara="1" vertOverflow="clip" horzOverflow="clip" vert="horz" wrap="square" lIns="36576" tIns="18288" rIns="36576" bIns="18288" anchor="ctr" anchorCtr="1">
+      <a:spAutoFit/>
+    </cs:bodyPr>
+  </cs:dataLabelCallout>
+  <cs:dataPoint>
+    <cs:lnRef idx="0"/>
+    <cs:fillRef idx="1">
+      <cs:styleClr val="auto"/>
+    </cs:fillRef>
+    <cs:effectRef idx="0"/>
+    <cs:fontRef idx="minor">
+      <a:schemeClr val="tx1"/>
+    </cs:fontRef>
+  </cs:dataPoint>
+  <cs:dataPoint3D>
+    <cs:lnRef idx="0"/>
+    <cs:fillRef idx="1">
+      <cs:styleClr val="auto"/>
+    </cs:fillRef>
+    <cs:effectRef idx="0"/>
+    <cs:fontRef idx="minor">
+      <a:schemeClr val="tx1"/>
+    </cs:fontRef>
+  </cs:dataPoint3D>
+  <cs:dataPointLine>
+    <cs:lnRef idx="0">
+      <cs:styleClr val="auto"/>
+    </cs:lnRef>
+    <cs:fillRef idx="1"/>
+    <cs:effectRef idx="0"/>
+    <cs:fontRef idx="minor">
+      <a:schemeClr val="tx1"/>
+    </cs:fontRef>
+    <cs:spPr>
+      <a:ln w="28575" cap="rnd">
+        <a:solidFill>
+          <a:schemeClr val="phClr"/>
+        </a:solidFill>
+        <a:round/>
+      </a:ln>
+    </cs:spPr>
+  </cs:dataPointLine>
+  <cs:dataPointMarker>
+    <cs:lnRef idx="0">
+      <cs:styleClr val="auto"/>
+    </cs:lnRef>
+    <cs:fillRef idx="1">
+      <cs:styleClr val="auto"/>
+    </cs:fillRef>
+    <cs:effectRef idx="0"/>
+    <cs:fontRef idx="minor">
+      <a:schemeClr val="tx1"/>
+    </cs:fontRef>
+    <cs:spPr>
+      <a:ln w="9525">
+        <a:solidFill>
+          <a:schemeClr val="phClr"/>
+        </a:solidFill>
+      </a:ln>
+    </cs:spPr>
+  </cs:dataPointMarker>
+  <cs:dataPointMarkerLayout symbol="circle" size="5"/>
+  <cs:dataPointWireframe>
+    <cs:lnRef idx="0">
+      <cs:styleClr val="auto"/>
+    </cs:lnRef>
+    <cs:fillRef idx="1"/>
+    <cs:effectRef idx="0"/>
+    <cs:fontRef idx="minor">
+      <a:schemeClr val="tx1"/>
+    </cs:fontRef>
+    <cs:spPr>
+      <a:ln w="9525" cap="rnd">
+        <a:solidFill>
+          <a:schemeClr val="phClr"/>
+        </a:solidFill>
+        <a:round/>
+      </a:ln>
+    </cs:spPr>
+  </cs:dataPointWireframe>
+  <cs:dataTable>
+    <cs:lnRef idx="0"/>
+    <cs:fillRef idx="0"/>
+    <cs:effectRef idx="0"/>
+    <cs:fontRef idx="minor">
+      <a:schemeClr val="tx1">
+        <a:lumMod val="65000"/>
+        <a:lumOff val="35000"/>
+      </a:schemeClr>
+    </cs:fontRef>
+    <cs:spPr>
+      <a:noFill/>
+      <a:ln w="9525" cap="flat" cmpd="sng" algn="ctr">
+        <a:solidFill>
+          <a:schemeClr val="tx1">
+            <a:lumMod val="15000"/>
+            <a:lumOff val="85000"/>
+          </a:schemeClr>
+        </a:solidFill>
+        <a:round/>
+      </a:ln>
+    </cs:spPr>
+    <cs:defRPr sz="1197" kern="1200"/>
+  </cs:dataTable>
+  <cs:downBar>
+    <cs:lnRef idx="0"/>
+    <cs:fillRef idx="0"/>
+    <cs:effectRef idx="0"/>
+    <cs:fontRef idx="minor">
+      <a:schemeClr val="dk1"/>
+    </cs:fontRef>
+    <cs:spPr>
+      <a:solidFill>
+        <a:schemeClr val="dk1">
+          <a:lumMod val="65000"/>
+          <a:lumOff val="35000"/>
+        </a:schemeClr>
+      </a:solidFill>
+      <a:ln w="9525">
+        <a:solidFill>
+          <a:schemeClr val="tx1">
+            <a:lumMod val="65000"/>
+            <a:lumOff val="35000"/>
+          </a:schemeClr>
+        </a:solidFill>
+      </a:ln>
+    </cs:spPr>
+  </cs:downBar>
+  <cs:dropLine>
+    <cs:lnRef idx="0"/>
+    <cs:fillRef idx="0"/>
+    <cs:effectRef idx="0"/>
+    <cs:fontRef idx="minor">
+      <a:schemeClr val="tx1"/>
+    </cs:fontRef>
+    <cs:spPr>
+      <a:ln w="9525" cap="flat" cmpd="sng" algn="ctr">
+        <a:solidFill>
+          <a:schemeClr val="tx1">
+            <a:lumMod val="35000"/>
+            <a:lumOff val="65000"/>
+          </a:schemeClr>
+        </a:solidFill>
+        <a:round/>
+      </a:ln>
+    </cs:spPr>
+  </cs:dropLine>
+  <cs:errorBar>
+    <cs:lnRef idx="0"/>
+    <cs:fillRef idx="0"/>
+    <cs:effectRef idx="0"/>
+    <cs:fontRef idx="minor">
+      <a:schemeClr val="tx1"/>
+    </cs:fontRef>
+    <cs:spPr>
+      <a:ln w="9525" cap="flat" cmpd="sng" algn="ctr">
+        <a:solidFill>
+          <a:schemeClr val="tx1">
+            <a:lumMod val="65000"/>
+            <a:lumOff val="35000"/>
+          </a:schemeClr>
+        </a:solidFill>
+        <a:round/>
+      </a:ln>
+    </cs:spPr>
+  </cs:errorBar>
+  <cs:floor>
+    <cs:lnRef idx="0"/>
+    <cs:fillRef idx="0"/>
+    <cs:effectRef idx="0"/>
+    <cs:fontRef idx="minor">
+      <a:schemeClr val="tx1"/>
+    </cs:fontRef>
+    <cs:spPr>
+      <a:noFill/>
+      <a:ln>
+        <a:noFill/>
+      </a:ln>
+    </cs:spPr>
+  </cs:floor>
+  <cs:gridlineMajor>
+    <cs:lnRef idx="0"/>
+    <cs:fillRef idx="0"/>
+    <cs:effectRef idx="0"/>
+    <cs:fontRef idx="minor">
+      <a:schemeClr val="tx1"/>
+    </cs:fontRef>
+    <cs:spPr>
+      <a:ln w="9525" cap="flat" cmpd="sng" algn="ctr">
+        <a:solidFill>
+          <a:schemeClr val="tx1">
+            <a:lumMod val="15000"/>
+            <a:lumOff val="85000"/>
+          </a:schemeClr>
+        </a:solidFill>
+        <a:round/>
+      </a:ln>
+    </cs:spPr>
+  </cs:gridlineMajor>
+  <cs:gridlineMinor>
+    <cs:lnRef idx="0"/>
+    <cs:fillRef idx="0"/>
+    <cs:effectRef idx="0"/>
+    <cs:fontRef idx="minor">
+      <a:schemeClr val="tx1"/>
+    </cs:fontRef>
+    <cs:spPr>
+      <a:ln w="9525" cap="flat" cmpd="sng" algn="ctr">
+        <a:solidFill>
+          <a:schemeClr val="tx1">
+            <a:lumMod val="5000"/>
+            <a:lumOff val="95000"/>
+          </a:schemeClr>
+        </a:solidFill>
+        <a:round/>
+      </a:ln>
+    </cs:spPr>
+  </cs:gridlineMinor>
+  <cs:hiLoLine>
+    <cs:lnRef idx="0"/>
+    <cs:fillRef idx="0"/>
+    <cs:effectRef idx="0"/>
+    <cs:fontRef idx="minor">
+      <a:schemeClr val="tx1"/>
+    </cs:fontRef>
+    <cs:spPr>
+      <a:ln w="9525" cap="flat" cmpd="sng" algn="ctr">
+        <a:solidFill>
+          <a:schemeClr val="tx1">
+            <a:lumMod val="75000"/>
+            <a:lumOff val="25000"/>
+          </a:schemeClr>
+        </a:solidFill>
+        <a:round/>
+      </a:ln>
+    </cs:spPr>
+  </cs:hiLoLine>
+  <cs:leaderLine>
+    <cs:lnRef idx="0"/>
+    <cs:fillRef idx="0"/>
+    <cs:effectRef idx="0"/>
+    <cs:fontRef idx="minor">
+      <a:schemeClr val="tx1"/>
+    </cs:fontRef>
+    <cs:spPr>
+      <a:ln w="9525" cap="flat" cmpd="sng" algn="ctr">
+        <a:solidFill>
+          <a:schemeClr val="tx1">
+            <a:lumMod val="35000"/>
+            <a:lumOff val="65000"/>
+          </a:schemeClr>
+        </a:solidFill>
+        <a:round/>
+      </a:ln>
+    </cs:spPr>
+  </cs:leaderLine>
+  <cs:legend>
+    <cs:lnRef idx="0"/>
+    <cs:fillRef idx="0"/>
+    <cs:effectRef idx="0"/>
+    <cs:fontRef idx="minor">
+      <a:schemeClr val="tx1">
+        <a:lumMod val="65000"/>
+        <a:lumOff val="35000"/>
+      </a:schemeClr>
+    </cs:fontRef>
+    <cs:defRPr sz="1197" kern="1200"/>
+  </cs:legend>
+  <cs:plotArea mods="allowNoFillOverride allowNoLineOverride">
+    <cs:lnRef idx="0"/>
+    <cs:fillRef idx="0"/>
+    <cs:effectRef idx="0"/>
+    <cs:fontRef idx="minor">
+      <a:schemeClr val="tx1"/>
+    </cs:fontRef>
+  </cs:plotArea>
+  <cs:plotArea3D mods="allowNoFillOverride allowNoLineOverride">
+    <cs:lnRef idx="0"/>
+    <cs:fillRef idx="0"/>
+    <cs:effectRef idx="0"/>
+    <cs:fontRef idx="minor">
+      <a:schemeClr val="tx1"/>
+    </cs:fontRef>
+  </cs:plotArea3D>
+  <cs:seriesAxis>
+    <cs:lnRef idx="0"/>
+    <cs:fillRef idx="0"/>
+    <cs:effectRef idx="0"/>
+    <cs:fontRef idx="minor">
+      <a:schemeClr val="tx1">
+        <a:lumMod val="65000"/>
+        <a:lumOff val="35000"/>
+      </a:schemeClr>
+    </cs:fontRef>
+    <cs:defRPr sz="1197" kern="1200"/>
+  </cs:seriesAxis>
+  <cs:seriesLine>
+    <cs:lnRef idx="0"/>
+    <cs:fillRef idx="0"/>
+    <cs:effectRef idx="0"/>
+    <cs:fontRef idx="minor">
+      <a:schemeClr val="tx1"/>
+    </cs:fontRef>
+    <cs:spPr>
+      <a:ln w="9525" cap="flat" cmpd="sng" algn="ctr">
+        <a:solidFill>
+          <a:schemeClr val="tx1">
+            <a:lumMod val="35000"/>
+            <a:lumOff val="65000"/>
+          </a:schemeClr>
+        </a:solidFill>
+        <a:round/>
+      </a:ln>
+    </cs:spPr>
+  </cs:seriesLine>
+  <cs:title>
+    <cs:lnRef idx="0"/>
+    <cs:fillRef idx="0"/>
+    <cs:effectRef idx="0"/>
+    <cs:fontRef idx="minor">
+      <a:schemeClr val="tx1">
+        <a:lumMod val="65000"/>
+        <a:lumOff val="35000"/>
+      </a:schemeClr>
+    </cs:fontRef>
+    <cs:defRPr sz="1862" b="0" kern="1200" spc="0" baseline="0"/>
+  </cs:title>
+  <cs:trendline>
+    <cs:lnRef idx="0">
+      <cs:styleClr val="auto"/>
+    </cs:lnRef>
+    <cs:fillRef idx="0"/>
+    <cs:effectRef idx="0"/>
+    <cs:fontRef idx="minor">
+      <a:schemeClr val="tx1"/>
+    </cs:fontRef>
+    <cs:spPr>
+      <a:ln w="19050" cap="rnd">
+        <a:solidFill>
+          <a:schemeClr val="phClr"/>
+        </a:solidFill>
+        <a:prstDash val="sysDot"/>
+      </a:ln>
+    </cs:spPr>
+  </cs:trendline>
+  <cs:trendlineLabel>
+    <cs:lnRef idx="0"/>
+    <cs:fillRef idx="0"/>
+    <cs:effectRef idx="0"/>
+    <cs:fontRef idx="minor">
+      <a:schemeClr val="tx1">
+        <a:lumMod val="65000"/>
+        <a:lumOff val="35000"/>
+      </a:schemeClr>
+    </cs:fontRef>
+    <cs:defRPr sz="1197" kern="1200"/>
+  </cs:trendlineLabel>
+  <cs:upBar>
+    <cs:lnRef idx="0"/>
+    <cs:fillRef idx="0"/>
+    <cs:effectRef idx="0"/>
+    <cs:fontRef idx="minor">
+      <a:schemeClr val="dk1"/>
+    </cs:fontRef>
+    <cs:spPr>
+      <a:solidFill>
+        <a:schemeClr val="lt1"/>
+      </a:solidFill>
+      <a:ln w="9525">
+        <a:solidFill>
+          <a:schemeClr val="tx1">
+            <a:lumMod val="15000"/>
+            <a:lumOff val="85000"/>
+          </a:schemeClr>
+        </a:solidFill>
+      </a:ln>
+    </cs:spPr>
+  </cs:upBar>
+  <cs:valueAxis>
+    <cs:lnRef idx="0"/>
+    <cs:fillRef idx="0"/>
+    <cs:effectRef idx="0"/>
+    <cs:fontRef idx="minor">
+      <a:schemeClr val="tx1">
+        <a:lumMod val="65000"/>
+        <a:lumOff val="35000"/>
+      </a:schemeClr>
+    </cs:fontRef>
+    <cs:defRPr sz="1197" kern="1200"/>
+  </cs:valueAxis>
+  <cs:wall>
+    <cs:lnRef idx="0"/>
+    <cs:fillRef idx="0"/>
+    <cs:effectRef idx="0"/>
+    <cs:fontRef idx="minor">
+      <a:schemeClr val="tx1"/>
+    </cs:fontRef>
+    <cs:spPr>
+      <a:noFill/>
+      <a:ln>
+        <a:noFill/>
+      </a:ln>
+    </cs:spPr>
+  </cs:wall>
+</cs:chartStyle>
+</file>
+
 <file path=ppt/comments/modernComment_100_D98A610F.xml><?xml version="1.0" encoding="utf-8"?>
 <p188:cmLst xmlns:a="http://schemas.openxmlformats.org/drawingml/2006/main" xmlns:r="http://schemas.openxmlformats.org/officeDocument/2006/relationships" xmlns:p188="http://schemas.microsoft.com/office/powerpoint/2018/8/main">
   <p188:cm id="{C1925E7C-C5D4-42CA-82CF-669EEA52AE18}" authorId="{E1738568-A2E2-98A6-C7DE-3D34AF216E8F}" created="2024-11-22T04:03:30.703">
@@ -693,7 +1890,7 @@
           <a:p>
             <a:fld id="{E352FA49-33F8-4617-9332-BC3961520BF7}" type="datetimeFigureOut">
               <a:rPr lang="en-US" smtClean="0"/>
-              <a:t>11/23/2024</a:t>
+              <a:t>11/24/2024</a:t>
             </a:fld>
             <a:endParaRPr lang="en-US"/>
           </a:p>
@@ -916,7 +2113,7 @@
           <a:p>
             <a:fld id="{E352FA49-33F8-4617-9332-BC3961520BF7}" type="datetimeFigureOut">
               <a:rPr lang="en-US" smtClean="0"/>
-              <a:t>11/23/2024</a:t>
+              <a:t>11/24/2024</a:t>
             </a:fld>
             <a:endParaRPr lang="en-US"/>
           </a:p>
@@ -1143,7 +2340,7 @@
           <a:p>
             <a:fld id="{E352FA49-33F8-4617-9332-BC3961520BF7}" type="datetimeFigureOut">
               <a:rPr lang="en-US" smtClean="0"/>
-              <a:t>11/23/2024</a:t>
+              <a:t>11/24/2024</a:t>
             </a:fld>
             <a:endParaRPr lang="en-US"/>
           </a:p>
@@ -1356,7 +2553,7 @@
           <a:p>
             <a:fld id="{E352FA49-33F8-4617-9332-BC3961520BF7}" type="datetimeFigureOut">
               <a:rPr lang="en-US" smtClean="0"/>
-              <a:t>11/23/2024</a:t>
+              <a:t>11/24/2024</a:t>
             </a:fld>
             <a:endParaRPr lang="en-US"/>
           </a:p>
@@ -1647,7 +2844,7 @@
           <a:p>
             <a:fld id="{E352FA49-33F8-4617-9332-BC3961520BF7}" type="datetimeFigureOut">
               <a:rPr lang="en-US" smtClean="0"/>
-              <a:t>11/23/2024</a:t>
+              <a:t>11/24/2024</a:t>
             </a:fld>
             <a:endParaRPr lang="en-US"/>
           </a:p>
@@ -1927,7 +3124,7 @@
           <a:p>
             <a:fld id="{E352FA49-33F8-4617-9332-BC3961520BF7}" type="datetimeFigureOut">
               <a:rPr lang="en-US" smtClean="0"/>
-              <a:t>11/23/2024</a:t>
+              <a:t>11/24/2024</a:t>
             </a:fld>
             <a:endParaRPr lang="en-US"/>
           </a:p>
@@ -2355,7 +3552,7 @@
           <a:p>
             <a:fld id="{E352FA49-33F8-4617-9332-BC3961520BF7}" type="datetimeFigureOut">
               <a:rPr lang="en-US" smtClean="0"/>
-              <a:t>11/23/2024</a:t>
+              <a:t>11/24/2024</a:t>
             </a:fld>
             <a:endParaRPr lang="en-US"/>
           </a:p>
@@ -2516,7 +3713,7 @@
           <a:p>
             <a:fld id="{E352FA49-33F8-4617-9332-BC3961520BF7}" type="datetimeFigureOut">
               <a:rPr lang="en-US" smtClean="0"/>
-              <a:t>11/23/2024</a:t>
+              <a:t>11/24/2024</a:t>
             </a:fld>
             <a:endParaRPr lang="en-US"/>
           </a:p>
@@ -2654,7 +3851,7 @@
           <a:p>
             <a:fld id="{E352FA49-33F8-4617-9332-BC3961520BF7}" type="datetimeFigureOut">
               <a:rPr lang="en-US" smtClean="0"/>
-              <a:t>11/23/2024</a:t>
+              <a:t>11/24/2024</a:t>
             </a:fld>
             <a:endParaRPr lang="en-US"/>
           </a:p>
@@ -2917,7 +4114,7 @@
           <a:p>
             <a:fld id="{E352FA49-33F8-4617-9332-BC3961520BF7}" type="datetimeFigureOut">
               <a:rPr lang="en-US" smtClean="0"/>
-              <a:t>11/23/2024</a:t>
+              <a:t>11/24/2024</a:t>
             </a:fld>
             <a:endParaRPr lang="en-US"/>
           </a:p>
@@ -3374,7 +4571,7 @@
           <a:p>
             <a:fld id="{E352FA49-33F8-4617-9332-BC3961520BF7}" type="datetimeFigureOut">
               <a:rPr lang="en-US" smtClean="0"/>
-              <a:t>11/23/2024</a:t>
+              <a:t>11/24/2024</a:t>
             </a:fld>
             <a:endParaRPr lang="en-US"/>
           </a:p>
@@ -3712,7 +4909,7 @@
           <a:p>
             <a:fld id="{E352FA49-33F8-4617-9332-BC3961520BF7}" type="datetimeFigureOut">
               <a:rPr lang="en-US" smtClean="0"/>
-              <a:t>11/23/2024</a:t>
+              <a:t>11/24/2024</a:t>
             </a:fld>
             <a:endParaRPr lang="en-US"/>
           </a:p>
@@ -4988,18 +6185,12 @@
           <a:p>
             <a:r>
               <a:rPr lang="en-ZA" sz="2000" b="1" dirty="0">
-                <a:highlight>
-                  <a:srgbClr val="FFFF00"/>
-                </a:highlight>
                 <a:latin typeface="Calibri" panose="020F0502020204030204" pitchFamily="34" charset="0"/>
                 <a:cs typeface="Calibri" panose="020F0502020204030204" pitchFamily="34" charset="0"/>
               </a:rPr>
               <a:t>Minimizing Medical Errors</a:t>
             </a:r>
             <a:endParaRPr lang="en-GB" sz="2000" b="1" u="sng" dirty="0">
-              <a:highlight>
-                <a:srgbClr val="FFFF00"/>
-              </a:highlight>
               <a:latin typeface="Calibri" panose="020F0502020204030204" pitchFamily="34" charset="0"/>
               <a:cs typeface="Calibri" panose="020F0502020204030204" pitchFamily="34" charset="0"/>
             </a:endParaRPr>
@@ -5229,13 +6420,13 @@
   <p:clrMapOvr>
     <a:masterClrMapping/>
   </p:clrMapOvr>
-  <mc:AlternateContent xmlns:mc="http://schemas.openxmlformats.org/markup-compatibility/2006">
-    <mc:Choice xmlns:p159="http://schemas.microsoft.com/office/powerpoint/2015/09/main" Requires="p159">
+  <mc:AlternateContent xmlns:mc="http://schemas.openxmlformats.org/markup-compatibility/2006" xmlns:p159="http://schemas.microsoft.com/office/powerpoint/2015/09/main">
+    <mc:Choice Requires="p159">
       <p:transition xmlns:p14="http://schemas.microsoft.com/office/powerpoint/2010/main" spd="slow" p14:dur="2000">
         <p159:morph option="byObject"/>
       </p:transition>
     </mc:Choice>
-    <mc:Fallback>
+    <mc:Fallback xmlns="">
       <p:transition spd="slow">
         <p:fade/>
       </p:transition>
@@ -5333,6 +6524,16 @@
                 <a:cs typeface="Calibri" panose="020F0502020204030204" pitchFamily="34" charset="0"/>
               </a:rPr>
               <a:t>High-fidelity prototype for the CDSS.</a:t>
+            </a:r>
+          </a:p>
+          <a:p>
+            <a:pPr lvl="1"/>
+            <a:r>
+              <a:rPr lang="en-ZA" dirty="0">
+                <a:latin typeface="Calibri" panose="020F0502020204030204" pitchFamily="34" charset="0"/>
+                <a:cs typeface="Calibri" panose="020F0502020204030204" pitchFamily="34" charset="0"/>
+              </a:rPr>
+              <a:t>Permission for testing</a:t>
             </a:r>
           </a:p>
           <a:p>
@@ -5559,7 +6760,12 @@
             <p:ph sz="half" idx="2"/>
           </p:nvPr>
         </p:nvSpPr>
-        <p:spPr/>
+        <p:spPr>
+          <a:xfrm>
+            <a:off x="6252034" y="2010878"/>
+            <a:ext cx="4966533" cy="3441520"/>
+          </a:xfrm>
+        </p:spPr>
         <p:txBody>
           <a:bodyPr>
             <a:normAutofit/>
@@ -5571,17 +6777,7 @@
                 <a:latin typeface="Calibri" panose="020F0502020204030204" pitchFamily="34" charset="0"/>
                 <a:cs typeface="Calibri" panose="020F0502020204030204" pitchFamily="34" charset="0"/>
               </a:rPr>
-              <a:t>Questionnaires (Annexure A) were filled </a:t>
-            </a:r>
-            <a:r>
-              <a:rPr lang="en-ZA" dirty="0">
-                <a:highlight>
-                  <a:srgbClr val="FFFF00"/>
-                </a:highlight>
-                <a:latin typeface="Calibri" panose="020F0502020204030204" pitchFamily="34" charset="0"/>
-                <a:cs typeface="Calibri" panose="020F0502020204030204" pitchFamily="34" charset="0"/>
-              </a:rPr>
-              <a:t>in.</a:t>
+              <a:t>Questionnaires (Annexure A) were filled in.</a:t>
             </a:r>
           </a:p>
           <a:p>
@@ -5629,7 +6825,7 @@
         </p:blipFill>
         <p:spPr>
           <a:xfrm>
-            <a:off x="6403303" y="3508946"/>
+            <a:off x="6731295" y="3892424"/>
             <a:ext cx="1627513" cy="1627513"/>
           </a:xfrm>
           <a:prstGeom prst="rect">
@@ -5766,6 +6962,20 @@
           </p:nvPr>
         </p:nvSpPr>
         <p:spPr/>
+        <p:style>
+          <a:lnRef idx="1">
+            <a:schemeClr val="dk1"/>
+          </a:lnRef>
+          <a:fillRef idx="0">
+            <a:schemeClr val="dk1"/>
+          </a:fillRef>
+          <a:effectRef idx="0">
+            <a:schemeClr val="dk1"/>
+          </a:effectRef>
+          <a:fontRef idx="minor">
+            <a:schemeClr val="tx1"/>
+          </a:fontRef>
+        </p:style>
         <p:txBody>
           <a:bodyPr numCol="2"/>
           <a:lstStyle/>
@@ -5861,7 +7071,11 @@
             </a:r>
           </a:p>
           <a:p>
-            <a:pPr lvl="1"/>
+            <a:pPr marL="230400" lvl="1">
+              <a:spcBef>
+                <a:spcPts val="1000"/>
+              </a:spcBef>
+            </a:pPr>
             <a:r>
               <a:rPr lang="en-ZA" sz="2000" dirty="0">
                 <a:latin typeface="Calibri" panose="020F0502020204030204" pitchFamily="34" charset="0"/>
@@ -6034,6 +7248,34 @@
           </a:p>
         </p:txBody>
       </p:sp>
+      <p:graphicFrame>
+        <p:nvGraphicFramePr>
+          <p:cNvPr id="6" name="Chart 5">
+            <a:extLst>
+              <a:ext uri="{FF2B5EF4-FFF2-40B4-BE49-F238E27FC236}">
+                <a16:creationId xmlns:a16="http://schemas.microsoft.com/office/drawing/2014/main" id="{33E83497-F000-46A3-0B9E-0EC3CB665789}"/>
+              </a:ext>
+            </a:extLst>
+          </p:cNvPr>
+          <p:cNvGraphicFramePr/>
+          <p:nvPr>
+            <p:extLst>
+              <p:ext uri="{D42A27DB-BD31-4B8C-83A1-F6EECF244321}">
+                <p14:modId xmlns:p14="http://schemas.microsoft.com/office/powerpoint/2010/main" val="4083207874"/>
+              </p:ext>
+            </p:extLst>
+          </p:nvPr>
+        </p:nvGraphicFramePr>
+        <p:xfrm>
+          <a:off x="5867400" y="2324101"/>
+          <a:ext cx="5968999" cy="3729380"/>
+        </p:xfrm>
+        <a:graphic>
+          <a:graphicData uri="http://schemas.openxmlformats.org/drawingml/2006/chart">
+            <c:chart xmlns:c="http://schemas.openxmlformats.org/drawingml/2006/chart" xmlns:r="http://schemas.openxmlformats.org/officeDocument/2006/relationships" r:id="rId2"/>
+          </a:graphicData>
+        </a:graphic>
+      </p:graphicFrame>
     </p:spTree>
     <p:extLst>
       <p:ext uri="{BB962C8B-B14F-4D97-AF65-F5344CB8AC3E}">
@@ -7973,13 +9215,13 @@
   <p:clrMapOvr>
     <a:masterClrMapping/>
   </p:clrMapOvr>
-  <mc:AlternateContent xmlns:mc="http://schemas.openxmlformats.org/markup-compatibility/2006">
-    <mc:Choice xmlns:p159="http://schemas.microsoft.com/office/powerpoint/2015/09/main" Requires="p159">
+  <mc:AlternateContent xmlns:mc="http://schemas.openxmlformats.org/markup-compatibility/2006" xmlns:p159="http://schemas.microsoft.com/office/powerpoint/2015/09/main">
+    <mc:Choice Requires="p159">
       <p:transition xmlns:p14="http://schemas.microsoft.com/office/powerpoint/2010/main" spd="slow" p14:dur="2000">
         <p159:morph option="byObject"/>
       </p:transition>
     </mc:Choice>
-    <mc:Fallback>
+    <mc:Fallback xmlns="">
       <p:transition spd="slow">
         <p:fade/>
       </p:transition>
@@ -8081,13 +9323,13 @@
   <p:clrMapOvr>
     <a:masterClrMapping/>
   </p:clrMapOvr>
-  <mc:AlternateContent xmlns:mc="http://schemas.openxmlformats.org/markup-compatibility/2006">
-    <mc:Choice xmlns:p159="http://schemas.microsoft.com/office/powerpoint/2015/09/main" Requires="p159">
+  <mc:AlternateContent xmlns:mc="http://schemas.openxmlformats.org/markup-compatibility/2006" xmlns:p159="http://schemas.microsoft.com/office/powerpoint/2015/09/main">
+    <mc:Choice Requires="p159">
       <p:transition xmlns:p14="http://schemas.microsoft.com/office/powerpoint/2010/main" spd="slow" p14:dur="2000">
         <p159:morph option="byObject"/>
       </p:transition>
     </mc:Choice>
-    <mc:Fallback>
+    <mc:Fallback xmlns="">
       <p:transition spd="slow">
         <p:fade/>
       </p:transition>
@@ -8619,13 +9861,13 @@
   <p:clrMapOvr>
     <a:masterClrMapping/>
   </p:clrMapOvr>
-  <mc:AlternateContent xmlns:mc="http://schemas.openxmlformats.org/markup-compatibility/2006">
-    <mc:Choice xmlns:p159="http://schemas.microsoft.com/office/powerpoint/2015/09/main" Requires="p159">
+  <mc:AlternateContent xmlns:mc="http://schemas.openxmlformats.org/markup-compatibility/2006" xmlns:p159="http://schemas.microsoft.com/office/powerpoint/2015/09/main">
+    <mc:Choice Requires="p159">
       <p:transition xmlns:p14="http://schemas.microsoft.com/office/powerpoint/2010/main" spd="slow" p14:dur="2000">
         <p159:morph option="byObject"/>
       </p:transition>
     </mc:Choice>
-    <mc:Fallback>
+    <mc:Fallback xmlns="">
       <p:transition spd="slow">
         <p:fade/>
       </p:transition>
@@ -8966,13 +10208,13 @@
   <p:clrMapOvr>
     <a:masterClrMapping/>
   </p:clrMapOvr>
-  <mc:AlternateContent xmlns:mc="http://schemas.openxmlformats.org/markup-compatibility/2006">
-    <mc:Choice xmlns:p159="http://schemas.microsoft.com/office/powerpoint/2015/09/main" Requires="p159">
+  <mc:AlternateContent xmlns:mc="http://schemas.openxmlformats.org/markup-compatibility/2006" xmlns:p159="http://schemas.microsoft.com/office/powerpoint/2015/09/main">
+    <mc:Choice Requires="p159">
       <p:transition xmlns:p14="http://schemas.microsoft.com/office/powerpoint/2010/main" spd="slow" p14:dur="2000">
         <p159:morph option="byObject"/>
       </p:transition>
     </mc:Choice>
-    <mc:Fallback>
+    <mc:Fallback xmlns="">
       <p:transition spd="slow">
         <p:fade/>
       </p:transition>
